--- a/Document/03.Requirement/FUFO_Scope_pptx.pptx
+++ b/Document/03.Requirement/FUFO_Scope_pptx.pptx
@@ -19,8 +19,8 @@
     <p:sldId id="311" r:id="rId10"/>
     <p:sldId id="297" r:id="rId11"/>
     <p:sldId id="302" r:id="rId12"/>
-    <p:sldId id="312" r:id="rId13"/>
-    <p:sldId id="298" r:id="rId14"/>
+    <p:sldId id="298" r:id="rId13"/>
+    <p:sldId id="312" r:id="rId14"/>
     <p:sldId id="306" r:id="rId15"/>
     <p:sldId id="309" r:id="rId16"/>
     <p:sldId id="289" r:id="rId17"/>
@@ -2857,7 +2857,7 @@
             <a:pPr>
               <a:defRPr/>
             </a:pPr>
-            <a:endParaRPr lang="en-US"/>
+            <a:endParaRPr lang="en-US" dirty="0"/>
           </a:p>
         </p:txBody>
       </p:sp>
@@ -2896,9 +2896,9 @@
               <a:pPr>
                 <a:defRPr/>
               </a:pPr>
-              <a:t>5/4/2012</a:t>
+              <a:t>5/8/2012</a:t>
             </a:fld>
-            <a:endParaRPr lang="en-US"/>
+            <a:endParaRPr lang="en-US" dirty="0"/>
           </a:p>
         </p:txBody>
       </p:sp>
@@ -2932,7 +2932,7 @@
           <a:lstStyle/>
           <a:p>
             <a:pPr lvl="0"/>
-            <a:endParaRPr lang="en-US" noProof="0" smtClean="0"/>
+            <a:endParaRPr lang="en-US" noProof="0" dirty="0" smtClean="0"/>
           </a:p>
         </p:txBody>
       </p:sp>
@@ -3027,7 +3027,7 @@
             <a:pPr>
               <a:defRPr/>
             </a:pPr>
-            <a:endParaRPr lang="en-US"/>
+            <a:endParaRPr lang="en-US" dirty="0"/>
           </a:p>
         </p:txBody>
       </p:sp>
@@ -3068,7 +3068,7 @@
               </a:pPr>
               <a:t>‹#›</a:t>
             </a:fld>
-            <a:endParaRPr lang="en-US"/>
+            <a:endParaRPr lang="en-US" dirty="0"/>
           </a:p>
         </p:txBody>
       </p:sp>
@@ -3288,7 +3288,7 @@
             <a:pPr>
               <a:defRPr/>
             </a:pPr>
-            <a:endParaRPr lang="en-US"/>
+            <a:endParaRPr lang="en-US" dirty="0"/>
           </a:p>
         </p:txBody>
       </p:sp>
@@ -3326,7 +3326,7 @@
             <a:pPr>
               <a:defRPr/>
             </a:pPr>
-            <a:endParaRPr lang="en-US"/>
+            <a:endParaRPr lang="en-US" dirty="0"/>
           </a:p>
         </p:txBody>
       </p:sp>
@@ -3368,7 +3368,7 @@
             <a:pPr>
               <a:defRPr/>
             </a:pPr>
-            <a:endParaRPr lang="en-US"/>
+            <a:endParaRPr lang="en-US" dirty="0"/>
           </a:p>
         </p:txBody>
       </p:sp>
@@ -3423,7 +3423,7 @@
                 <a:defRPr/>
               </a:pPr>
               <a:r>
-                <a:rPr lang="en-US" sz="2400" b="1">
+                <a:rPr lang="en-US" sz="2400" b="1" dirty="0">
                   <a:solidFill>
                     <a:schemeClr val="tx2"/>
                   </a:solidFill>
@@ -3469,7 +3469,7 @@
               <a:pPr>
                 <a:defRPr/>
               </a:pPr>
-              <a:endParaRPr lang="en-US"/>
+              <a:endParaRPr lang="en-US" dirty="0"/>
             </a:p>
           </p:txBody>
         </p:sp>
@@ -3571,7 +3571,7 @@
             <a:pPr>
               <a:defRPr/>
             </a:pPr>
-            <a:endParaRPr lang="en-US"/>
+            <a:endParaRPr lang="en-US" dirty="0"/>
           </a:p>
         </p:txBody>
       </p:sp>
@@ -3602,7 +3602,7 @@
             <a:pPr>
               <a:defRPr/>
             </a:pPr>
-            <a:endParaRPr lang="en-US"/>
+            <a:endParaRPr lang="en-US" dirty="0"/>
           </a:p>
         </p:txBody>
       </p:sp>
@@ -3640,7 +3640,7 @@
               </a:pPr>
               <a:t>‹#›</a:t>
             </a:fld>
-            <a:endParaRPr lang="en-US"/>
+            <a:endParaRPr lang="en-US" dirty="0"/>
           </a:p>
         </p:txBody>
       </p:sp>
@@ -3768,7 +3768,7 @@
             <a:pPr>
               <a:defRPr/>
             </a:pPr>
-            <a:endParaRPr lang="en-US"/>
+            <a:endParaRPr lang="en-US" dirty="0"/>
           </a:p>
         </p:txBody>
       </p:sp>
@@ -3796,7 +3796,7 @@
             <a:pPr>
               <a:defRPr/>
             </a:pPr>
-            <a:endParaRPr lang="en-US"/>
+            <a:endParaRPr lang="en-US" dirty="0"/>
           </a:p>
         </p:txBody>
       </p:sp>
@@ -3831,7 +3831,7 @@
               </a:pPr>
               <a:t>‹#›</a:t>
             </a:fld>
-            <a:endParaRPr lang="en-US"/>
+            <a:endParaRPr lang="en-US" dirty="0"/>
           </a:p>
         </p:txBody>
       </p:sp>
@@ -3969,7 +3969,7 @@
             <a:pPr>
               <a:defRPr/>
             </a:pPr>
-            <a:endParaRPr lang="en-US"/>
+            <a:endParaRPr lang="en-US" dirty="0"/>
           </a:p>
         </p:txBody>
       </p:sp>
@@ -3997,7 +3997,7 @@
             <a:pPr>
               <a:defRPr/>
             </a:pPr>
-            <a:endParaRPr lang="en-US"/>
+            <a:endParaRPr lang="en-US" dirty="0"/>
           </a:p>
         </p:txBody>
       </p:sp>
@@ -4032,7 +4032,7 @@
               </a:pPr>
               <a:t>‹#›</a:t>
             </a:fld>
-            <a:endParaRPr lang="en-US"/>
+            <a:endParaRPr lang="en-US" dirty="0"/>
           </a:p>
         </p:txBody>
       </p:sp>
@@ -4111,7 +4111,7 @@
           <a:p>
             <a:pPr lvl="0"/>
             <a:r>
-              <a:rPr lang="en-US" noProof="0" smtClean="0"/>
+              <a:rPr lang="en-US" noProof="0" dirty="0" smtClean="0"/>
               <a:t>Click icon to add table</a:t>
             </a:r>
           </a:p>
@@ -4141,7 +4141,7 @@
             <a:pPr>
               <a:defRPr/>
             </a:pPr>
-            <a:endParaRPr lang="en-US"/>
+            <a:endParaRPr lang="en-US" dirty="0"/>
           </a:p>
         </p:txBody>
       </p:sp>
@@ -4169,7 +4169,7 @@
             <a:pPr>
               <a:defRPr/>
             </a:pPr>
-            <a:endParaRPr lang="en-US"/>
+            <a:endParaRPr lang="en-US" dirty="0"/>
           </a:p>
         </p:txBody>
       </p:sp>
@@ -4204,7 +4204,7 @@
               </a:pPr>
               <a:t>‹#›</a:t>
             </a:fld>
-            <a:endParaRPr lang="en-US"/>
+            <a:endParaRPr lang="en-US" dirty="0"/>
           </a:p>
         </p:txBody>
       </p:sp>
@@ -4332,7 +4332,7 @@
             <a:pPr>
               <a:defRPr/>
             </a:pPr>
-            <a:endParaRPr lang="en-US"/>
+            <a:endParaRPr lang="en-US" dirty="0"/>
           </a:p>
         </p:txBody>
       </p:sp>
@@ -4360,7 +4360,7 @@
             <a:pPr>
               <a:defRPr/>
             </a:pPr>
-            <a:endParaRPr lang="en-US"/>
+            <a:endParaRPr lang="en-US" dirty="0"/>
           </a:p>
         </p:txBody>
       </p:sp>
@@ -4395,7 +4395,7 @@
               </a:pPr>
               <a:t>‹#›</a:t>
             </a:fld>
-            <a:endParaRPr lang="en-US"/>
+            <a:endParaRPr lang="en-US" dirty="0"/>
           </a:p>
         </p:txBody>
       </p:sp>
@@ -4545,7 +4545,7 @@
             <a:pPr>
               <a:defRPr/>
             </a:pPr>
-            <a:endParaRPr lang="en-US"/>
+            <a:endParaRPr lang="en-US" dirty="0"/>
           </a:p>
         </p:txBody>
       </p:sp>
@@ -4573,7 +4573,7 @@
             <a:pPr>
               <a:defRPr/>
             </a:pPr>
-            <a:endParaRPr lang="en-US"/>
+            <a:endParaRPr lang="en-US" dirty="0"/>
           </a:p>
         </p:txBody>
       </p:sp>
@@ -4608,7 +4608,7 @@
               </a:pPr>
               <a:t>‹#›</a:t>
             </a:fld>
-            <a:endParaRPr lang="en-US"/>
+            <a:endParaRPr lang="en-US" dirty="0"/>
           </a:p>
         </p:txBody>
       </p:sp>
@@ -4854,7 +4854,7 @@
             <a:pPr>
               <a:defRPr/>
             </a:pPr>
-            <a:endParaRPr lang="en-US"/>
+            <a:endParaRPr lang="en-US" dirty="0"/>
           </a:p>
         </p:txBody>
       </p:sp>
@@ -4882,7 +4882,7 @@
             <a:pPr>
               <a:defRPr/>
             </a:pPr>
-            <a:endParaRPr lang="en-US"/>
+            <a:endParaRPr lang="en-US" dirty="0"/>
           </a:p>
         </p:txBody>
       </p:sp>
@@ -4917,7 +4917,7 @@
               </a:pPr>
               <a:t>‹#›</a:t>
             </a:fld>
-            <a:endParaRPr lang="en-US"/>
+            <a:endParaRPr lang="en-US" dirty="0"/>
           </a:p>
         </p:txBody>
       </p:sp>
@@ -5302,7 +5302,7 @@
             <a:pPr>
               <a:defRPr/>
             </a:pPr>
-            <a:endParaRPr lang="en-US"/>
+            <a:endParaRPr lang="en-US" dirty="0"/>
           </a:p>
         </p:txBody>
       </p:sp>
@@ -5330,7 +5330,7 @@
             <a:pPr>
               <a:defRPr/>
             </a:pPr>
-            <a:endParaRPr lang="en-US"/>
+            <a:endParaRPr lang="en-US" dirty="0"/>
           </a:p>
         </p:txBody>
       </p:sp>
@@ -5365,7 +5365,7 @@
               </a:pPr>
               <a:t>‹#›</a:t>
             </a:fld>
-            <a:endParaRPr lang="en-US"/>
+            <a:endParaRPr lang="en-US" dirty="0"/>
           </a:p>
         </p:txBody>
       </p:sp>
@@ -5441,7 +5441,7 @@
             <a:pPr>
               <a:defRPr/>
             </a:pPr>
-            <a:endParaRPr lang="en-US"/>
+            <a:endParaRPr lang="en-US" dirty="0"/>
           </a:p>
         </p:txBody>
       </p:sp>
@@ -5469,7 +5469,7 @@
             <a:pPr>
               <a:defRPr/>
             </a:pPr>
-            <a:endParaRPr lang="en-US"/>
+            <a:endParaRPr lang="en-US" dirty="0"/>
           </a:p>
         </p:txBody>
       </p:sp>
@@ -5504,7 +5504,7 @@
               </a:pPr>
               <a:t>‹#›</a:t>
             </a:fld>
-            <a:endParaRPr lang="en-US"/>
+            <a:endParaRPr lang="en-US" dirty="0"/>
           </a:p>
         </p:txBody>
       </p:sp>
@@ -5557,7 +5557,7 @@
             <a:pPr>
               <a:defRPr/>
             </a:pPr>
-            <a:endParaRPr lang="en-US"/>
+            <a:endParaRPr lang="en-US" dirty="0"/>
           </a:p>
         </p:txBody>
       </p:sp>
@@ -5585,7 +5585,7 @@
             <a:pPr>
               <a:defRPr/>
             </a:pPr>
-            <a:endParaRPr lang="en-US"/>
+            <a:endParaRPr lang="en-US" dirty="0"/>
           </a:p>
         </p:txBody>
       </p:sp>
@@ -5620,7 +5620,7 @@
               </a:pPr>
               <a:t>‹#›</a:t>
             </a:fld>
-            <a:endParaRPr lang="en-US"/>
+            <a:endParaRPr lang="en-US" dirty="0"/>
           </a:p>
         </p:txBody>
       </p:sp>
@@ -5855,7 +5855,7 @@
             <a:pPr>
               <a:defRPr/>
             </a:pPr>
-            <a:endParaRPr lang="en-US"/>
+            <a:endParaRPr lang="en-US" dirty="0"/>
           </a:p>
         </p:txBody>
       </p:sp>
@@ -5883,7 +5883,7 @@
             <a:pPr>
               <a:defRPr/>
             </a:pPr>
-            <a:endParaRPr lang="en-US"/>
+            <a:endParaRPr lang="en-US" dirty="0"/>
           </a:p>
         </p:txBody>
       </p:sp>
@@ -5918,7 +5918,7 @@
               </a:pPr>
               <a:t>‹#›</a:t>
             </a:fld>
-            <a:endParaRPr lang="en-US"/>
+            <a:endParaRPr lang="en-US" dirty="0"/>
           </a:p>
         </p:txBody>
       </p:sp>
@@ -6038,7 +6038,7 @@
           <a:p>
             <a:pPr lvl="0"/>
             <a:r>
-              <a:rPr lang="en-US" noProof="0" smtClean="0"/>
+              <a:rPr lang="en-US" noProof="0" dirty="0" smtClean="0"/>
               <a:t>Click icon to add picture</a:t>
             </a:r>
           </a:p>
@@ -6133,7 +6133,7 @@
             <a:pPr>
               <a:defRPr/>
             </a:pPr>
-            <a:endParaRPr lang="en-US"/>
+            <a:endParaRPr lang="en-US" dirty="0"/>
           </a:p>
         </p:txBody>
       </p:sp>
@@ -6161,7 +6161,7 @@
             <a:pPr>
               <a:defRPr/>
             </a:pPr>
-            <a:endParaRPr lang="en-US"/>
+            <a:endParaRPr lang="en-US" dirty="0"/>
           </a:p>
         </p:txBody>
       </p:sp>
@@ -6196,7 +6196,7 @@
               </a:pPr>
               <a:t>‹#›</a:t>
             </a:fld>
-            <a:endParaRPr lang="en-US"/>
+            <a:endParaRPr lang="en-US" dirty="0"/>
           </a:p>
         </p:txBody>
       </p:sp>
@@ -6272,7 +6272,7 @@
             <a:pPr>
               <a:defRPr/>
             </a:pPr>
-            <a:endParaRPr lang="en-US"/>
+            <a:endParaRPr lang="en-US" dirty="0"/>
           </a:p>
         </p:txBody>
       </p:sp>
@@ -6310,7 +6310,7 @@
             <a:pPr algn="ctr">
               <a:defRPr/>
             </a:pPr>
-            <a:endParaRPr lang="en-US"/>
+            <a:endParaRPr lang="en-US" dirty="0"/>
           </a:p>
         </p:txBody>
       </p:sp>
@@ -6352,7 +6352,7 @@
             <a:pPr>
               <a:defRPr/>
             </a:pPr>
-            <a:endParaRPr lang="en-US"/>
+            <a:endParaRPr lang="en-US" dirty="0"/>
           </a:p>
         </p:txBody>
       </p:sp>
@@ -6468,7 +6468,7 @@
             <a:pPr>
               <a:defRPr/>
             </a:pPr>
-            <a:endParaRPr lang="en-US"/>
+            <a:endParaRPr lang="en-US" dirty="0"/>
           </a:p>
         </p:txBody>
       </p:sp>
@@ -6514,7 +6514,7 @@
             <a:pPr>
               <a:defRPr/>
             </a:pPr>
-            <a:endParaRPr lang="en-US"/>
+            <a:endParaRPr lang="en-US" dirty="0"/>
           </a:p>
         </p:txBody>
       </p:sp>
@@ -6567,7 +6567,7 @@
               </a:pPr>
               <a:t>‹#›</a:t>
             </a:fld>
-            <a:endParaRPr lang="en-US"/>
+            <a:endParaRPr lang="en-US" dirty="0"/>
           </a:p>
         </p:txBody>
       </p:sp>
@@ -6648,7 +6648,7 @@
               <a:defRPr/>
             </a:pPr>
             <a:r>
-              <a:rPr lang="en-US" sz="2000" b="1">
+              <a:rPr lang="en-US" sz="2000" b="1" dirty="0">
                 <a:solidFill>
                   <a:schemeClr val="bg1"/>
                 </a:solidFill>
@@ -6694,7 +6694,7 @@
             <a:pPr>
               <a:defRPr/>
             </a:pPr>
-            <a:endParaRPr lang="en-US"/>
+            <a:endParaRPr lang="en-US" dirty="0"/>
           </a:p>
         </p:txBody>
       </p:sp>
@@ -7181,7 +7181,7 @@
           <a:p>
             <a:pPr eaLnBrk="1" hangingPunct="1"/>
             <a:r>
-              <a:rPr lang="en-US" smtClean="0"/>
+              <a:rPr lang="en-US" dirty="0" smtClean="0"/>
               <a:t>Confidential document</a:t>
             </a:r>
           </a:p>
@@ -7517,15 +7517,7 @@
                       </a:r>
                       <a:r>
                         <a:rPr lang="en-US" baseline="0" dirty="0" smtClean="0"/>
-                        <a:t> a </a:t>
-                      </a:r>
-                      <a:r>
-                        <a:rPr lang="en-US" baseline="0" dirty="0" err="1" smtClean="0"/>
-                        <a:t>Quadrocopter</a:t>
-                      </a:r>
-                      <a:r>
-                        <a:rPr lang="en-US" baseline="0" dirty="0" smtClean="0"/>
-                        <a:t> with basic functions that might meet customer needs.</a:t>
+                        <a:t> a Quadrocopter with basic functions that might meet customer needs.</a:t>
                       </a:r>
                       <a:endParaRPr lang="en-US" dirty="0"/>
                     </a:p>
@@ -7776,7 +7768,7 @@
               </a:pPr>
               <a:t>10</a:t>
             </a:fld>
-            <a:endParaRPr lang="en-US"/>
+            <a:endParaRPr lang="en-US" dirty="0"/>
           </a:p>
         </p:txBody>
       </p:sp>
@@ -8004,15 +7996,7 @@
             <a:pPr algn="l"/>
             <a:r>
               <a:rPr lang="en-US" dirty="0" smtClean="0"/>
-              <a:t>Why </a:t>
-            </a:r>
-            <a:r>
-              <a:rPr lang="en-US" dirty="0" err="1" smtClean="0"/>
-              <a:t>Quadrocopter</a:t>
-            </a:r>
-            <a:r>
-              <a:rPr lang="en-US" dirty="0" smtClean="0"/>
-              <a:t>?</a:t>
+              <a:t>Why Quadrocopter?</a:t>
             </a:r>
             <a:endParaRPr lang="en-US" dirty="0"/>
           </a:p>
@@ -8063,7 +8047,7 @@
                     <a:p>
                       <a:pPr algn="ctr"/>
                       <a:r>
-                        <a:rPr lang="en-US" dirty="0" err="1" smtClean="0"/>
+                        <a:rPr lang="en-US" dirty="0" smtClean="0"/>
                         <a:t>Quadrocopter</a:t>
                       </a:r>
                       <a:endParaRPr lang="en-US" dirty="0"/>
@@ -8397,7 +8381,7 @@
               </a:pPr>
               <a:t>11</a:t>
             </a:fld>
-            <a:endParaRPr lang="en-US"/>
+            <a:endParaRPr lang="en-US" dirty="0"/>
           </a:p>
         </p:txBody>
       </p:sp>
@@ -8484,19 +8468,7 @@
               <a:rPr lang="en-US" sz="2800" kern="0" dirty="0" smtClean="0">
                 <a:latin typeface="+mn-lt"/>
               </a:rPr>
-              <a:t>    =&gt; </a:t>
-            </a:r>
-            <a:r>
-              <a:rPr lang="en-US" sz="2800" kern="0" dirty="0" err="1" smtClean="0">
-                <a:latin typeface="+mn-lt"/>
-              </a:rPr>
-              <a:t>Quadrocopter</a:t>
-            </a:r>
-            <a:r>
-              <a:rPr lang="en-US" sz="2800" kern="0" dirty="0" smtClean="0">
-                <a:latin typeface="+mn-lt"/>
-              </a:rPr>
-              <a:t> is more suitable for Computer Engineering students who are not familiar with aerodynamic issue and mechanical design.</a:t>
+              <a:t>    =&gt; Quadrocopter is more suitable for Computer Engineering students who are not familiar with aerodynamic issue and mechanical design.</a:t>
             </a:r>
             <a:endParaRPr kumimoji="0" lang="en-US" sz="2400" b="0" i="0" u="none" strike="noStrike" kern="0" cap="none" spc="0" normalizeH="0" baseline="0" noProof="0" dirty="0" smtClean="0">
               <a:ln>
@@ -8705,8 +8677,122 @@
             <a:pPr algn="l"/>
             <a:r>
               <a:rPr lang="en-US" dirty="0" smtClean="0"/>
-              <a:t>Why Android Phone?</a:t>
+              <a:t>Capstone project’s aim</a:t>
             </a:r>
+            <a:endParaRPr lang="en-US" dirty="0"/>
+          </a:p>
+        </p:txBody>
+      </p:sp>
+      <p:sp>
+        <p:nvSpPr>
+          <p:cNvPr id="3" name="Content Placeholder 2"/>
+          <p:cNvSpPr>
+            <a:spLocks noGrp="1"/>
+          </p:cNvSpPr>
+          <p:nvPr>
+            <p:ph idx="1"/>
+          </p:nvPr>
+        </p:nvSpPr>
+        <p:spPr/>
+        <p:txBody>
+          <a:bodyPr/>
+          <a:lstStyle/>
+          <a:p>
+            <a:pPr eaLnBrk="1" hangingPunct="1"/>
+            <a:r>
+              <a:rPr lang="en-US" b="1" dirty="0" smtClean="0"/>
+              <a:t>The aims of this </a:t>
+            </a:r>
+            <a:r>
+              <a:rPr lang="en-US" b="1" dirty="0" smtClean="0">
+                <a:solidFill>
+                  <a:srgbClr val="C00000"/>
+                </a:solidFill>
+              </a:rPr>
+              <a:t>Capstone project </a:t>
+            </a:r>
+            <a:r>
+              <a:rPr lang="en-US" b="1" dirty="0" smtClean="0"/>
+              <a:t>are:</a:t>
+            </a:r>
+          </a:p>
+          <a:p>
+            <a:pPr lvl="1" eaLnBrk="1" hangingPunct="1"/>
+            <a:r>
+              <a:rPr lang="en-US" dirty="0" smtClean="0"/>
+              <a:t>Make a simple </a:t>
+            </a:r>
+            <a:r>
+              <a:rPr lang="en-US" dirty="0" err="1" smtClean="0"/>
+              <a:t>Quadrocopter</a:t>
+            </a:r>
+            <a:r>
+              <a:rPr lang="en-US" dirty="0" smtClean="0"/>
+              <a:t>. </a:t>
+            </a:r>
+          </a:p>
+          <a:p>
+            <a:pPr lvl="1" eaLnBrk="1" hangingPunct="1"/>
+            <a:r>
+              <a:rPr lang="en-US" dirty="0" smtClean="0"/>
+              <a:t>Use Bluetooth &amp; Internet protocol to communicate</a:t>
+            </a:r>
+            <a:r>
+              <a:rPr lang="en-US" dirty="0" smtClean="0"/>
+              <a:t>.</a:t>
+            </a:r>
+          </a:p>
+          <a:p>
+            <a:pPr lvl="1" eaLnBrk="1" hangingPunct="1"/>
+            <a:r>
+              <a:rPr lang="en-US" dirty="0" smtClean="0"/>
+              <a:t>Evaluate the</a:t>
+            </a:r>
+            <a:r>
+              <a:rPr lang="en-US" dirty="0" smtClean="0"/>
+              <a:t> </a:t>
+            </a:r>
+            <a:r>
+              <a:rPr lang="en-US" dirty="0" smtClean="0"/>
+              <a:t>application of Android Phone &amp; PC in controlling UAV.</a:t>
+            </a:r>
+            <a:endParaRPr lang="en-US" dirty="0" smtClean="0"/>
+          </a:p>
+          <a:p>
+            <a:pPr lvl="1" eaLnBrk="1" hangingPunct="1"/>
+            <a:r>
+              <a:rPr lang="en-US" dirty="0" smtClean="0"/>
+              <a:t>Make two </a:t>
+            </a:r>
+            <a:r>
+              <a:rPr lang="en-US" dirty="0" smtClean="0"/>
+              <a:t>study reports:</a:t>
+            </a:r>
+            <a:endParaRPr lang="en-US" dirty="0" smtClean="0"/>
+          </a:p>
+          <a:p>
+            <a:pPr lvl="2" eaLnBrk="1" hangingPunct="1"/>
+            <a:r>
+              <a:rPr lang="en-US" dirty="0" smtClean="0"/>
+              <a:t>Study report on hovering capability of Quadrocopter.</a:t>
+            </a:r>
+          </a:p>
+          <a:p>
+            <a:pPr lvl="2" eaLnBrk="1" hangingPunct="1"/>
+            <a:r>
+              <a:rPr lang="en-US" dirty="0" smtClean="0"/>
+              <a:t>Study report on real-time video transmission. </a:t>
+            </a:r>
+          </a:p>
+          <a:p>
+            <a:pPr lvl="1" eaLnBrk="1" hangingPunct="1"/>
+            <a:endParaRPr lang="en-US" dirty="0" smtClean="0">
+              <a:solidFill>
+                <a:schemeClr val="tx2"/>
+              </a:solidFill>
+            </a:endParaRPr>
+          </a:p>
+          <a:p>
             <a:endParaRPr lang="en-US" dirty="0"/>
           </a:p>
         </p:txBody>
@@ -8736,13 +8822,13 @@
               </a:pPr>
               <a:t>12</a:t>
             </a:fld>
-            <a:endParaRPr lang="en-US"/>
+            <a:endParaRPr lang="en-US" dirty="0"/>
           </a:p>
         </p:txBody>
       </p:sp>
       <p:sp>
         <p:nvSpPr>
-          <p:cNvPr id="7" name="Rounded Rectangle 6"/>
+          <p:cNvPr id="5" name="Rounded Rectangle 4"/>
           <p:cNvSpPr/>
           <p:nvPr/>
         </p:nvSpPr>
@@ -8779,9 +8865,123 @@
             <a:pPr algn="ctr"/>
             <a:r>
               <a:rPr lang="en-US" sz="4000" dirty="0" smtClean="0"/>
-              <a:t>Overview</a:t>
+              <a:t>Scope</a:t>
             </a:r>
             <a:endParaRPr lang="en-US" sz="4000" dirty="0"/>
+          </a:p>
+        </p:txBody>
+      </p:sp>
+      <p:pic>
+        <p:nvPicPr>
+          <p:cNvPr id="6" name="Picture 5" descr="logo_final.png"/>
+          <p:cNvPicPr>
+            <a:picLocks noChangeAspect="1"/>
+          </p:cNvPicPr>
+          <p:nvPr/>
+        </p:nvPicPr>
+        <p:blipFill>
+          <a:blip r:embed="rId2" cstate="print"/>
+          <a:stretch>
+            <a:fillRect/>
+          </a:stretch>
+        </p:blipFill>
+        <p:spPr>
+          <a:xfrm>
+            <a:off x="8001000" y="0"/>
+            <a:ext cx="1219200" cy="1219200"/>
+          </a:xfrm>
+          <a:prstGeom prst="rect">
+            <a:avLst/>
+          </a:prstGeom>
+        </p:spPr>
+      </p:pic>
+    </p:spTree>
+  </p:cSld>
+  <p:clrMapOvr>
+    <a:masterClrMapping/>
+  </p:clrMapOvr>
+  <p:timing>
+    <p:tnLst>
+      <p:par>
+        <p:cTn id="1" dur="indefinite" restart="never" nodeType="tmRoot"/>
+      </p:par>
+    </p:tnLst>
+  </p:timing>
+</p:sld>
+</file>
+
+<file path=ppt/slides/slide13.xml><?xml version="1.0" encoding="utf-8"?>
+<p:sld xmlns:a="http://schemas.openxmlformats.org/drawingml/2006/main" xmlns:r="http://schemas.openxmlformats.org/officeDocument/2006/relationships" xmlns:p="http://schemas.openxmlformats.org/presentationml/2006/main">
+  <p:cSld>
+    <p:spTree>
+      <p:nvGrpSpPr>
+        <p:cNvPr id="1" name=""/>
+        <p:cNvGrpSpPr/>
+        <p:nvPr/>
+      </p:nvGrpSpPr>
+      <p:grpSpPr>
+        <a:xfrm>
+          <a:off x="0" y="0"/>
+          <a:ext cx="0" cy="0"/>
+          <a:chOff x="0" y="0"/>
+          <a:chExt cx="0" cy="0"/>
+        </a:xfrm>
+      </p:grpSpPr>
+      <p:sp>
+        <p:nvSpPr>
+          <p:cNvPr id="2" name="Title 1"/>
+          <p:cNvSpPr>
+            <a:spLocks noGrp="1"/>
+          </p:cNvSpPr>
+          <p:nvPr>
+            <p:ph type="title"/>
+          </p:nvPr>
+        </p:nvSpPr>
+        <p:spPr>
+          <a:xfrm>
+            <a:off x="2971800" y="319088"/>
+            <a:ext cx="4876800" cy="563562"/>
+          </a:xfrm>
+        </p:spPr>
+        <p:txBody>
+          <a:bodyPr/>
+          <a:lstStyle/>
+          <a:p>
+            <a:pPr algn="l"/>
+            <a:r>
+              <a:rPr lang="en-US" dirty="0" smtClean="0"/>
+              <a:t>Why Android Phone?</a:t>
+            </a:r>
+            <a:endParaRPr lang="en-US" dirty="0"/>
+          </a:p>
+        </p:txBody>
+      </p:sp>
+      <p:sp>
+        <p:nvSpPr>
+          <p:cNvPr id="4" name="Slide Number Placeholder 3"/>
+          <p:cNvSpPr>
+            <a:spLocks noGrp="1"/>
+          </p:cNvSpPr>
+          <p:nvPr>
+            <p:ph type="sldNum" sz="quarter" idx="12"/>
+          </p:nvPr>
+        </p:nvSpPr>
+        <p:spPr/>
+        <p:txBody>
+          <a:bodyPr/>
+          <a:lstStyle/>
+          <a:p>
+            <a:pPr>
+              <a:defRPr/>
+            </a:pPr>
+            <a:fld id="{20C98071-8A9B-444A-806A-782BE84EBE4B}" type="slidenum">
+              <a:rPr lang="en-US" smtClean="0"/>
+              <a:pPr>
+                <a:defRPr/>
+              </a:pPr>
+              <a:t>13</a:t>
+            </a:fld>
+            <a:endParaRPr lang="en-US" dirty="0"/>
           </a:p>
         </p:txBody>
       </p:sp>
@@ -9164,21 +9364,8 @@
                   <a:srgbClr val="7030A0"/>
                 </a:solidFill>
               </a:rPr>
-              <a:t>Has bui</a:t>
+              <a:t>Has built-in camera, Wi-Fi, 3G module</a:t>
             </a:r>
-            <a:r>
-              <a:rPr lang="en-US" sz="3000" dirty="0" smtClean="0">
-                <a:solidFill>
-                  <a:srgbClr val="7030A0"/>
-                </a:solidFill>
-              </a:rPr>
-              <a:t>lt-in camera, Wi-Fi, 3G module</a:t>
-            </a:r>
-            <a:endParaRPr lang="en-US" sz="3000" dirty="0" smtClean="0">
-              <a:solidFill>
-                <a:srgbClr val="7030A0"/>
-              </a:solidFill>
-            </a:endParaRPr>
           </a:p>
         </p:txBody>
       </p:sp>
@@ -9261,7 +9448,7 @@
           <a:lstStyle/>
           <a:p>
             <a:pPr algn="ctr"/>
-            <a:endParaRPr lang="en-US">
+            <a:endParaRPr lang="en-US" dirty="0">
               <a:ln>
                 <a:solidFill>
                   <a:srgbClr val="7030A0"/>
@@ -9317,7 +9504,7 @@
           <a:lstStyle/>
           <a:p>
             <a:pPr algn="ctr"/>
-            <a:endParaRPr lang="en-US">
+            <a:endParaRPr lang="en-US" dirty="0">
               <a:ln>
                 <a:solidFill>
                   <a:srgbClr val="7030A0"/>
@@ -9360,11 +9547,6 @@
               </a:rPr>
               <a:t>Phone is still usable after this Capstone project</a:t>
             </a:r>
-            <a:endParaRPr lang="en-US" sz="3000" dirty="0" smtClean="0">
-              <a:solidFill>
-                <a:srgbClr val="7030A0"/>
-              </a:solidFill>
-            </a:endParaRPr>
           </a:p>
         </p:txBody>
       </p:sp>
@@ -9404,6 +9586,51 @@
           </a:fontRef>
         </p:style>
       </p:cxnSp>
+      <p:sp>
+        <p:nvSpPr>
+          <p:cNvPr id="15" name="Rounded Rectangle 14"/>
+          <p:cNvSpPr/>
+          <p:nvPr/>
+        </p:nvSpPr>
+        <p:spPr>
+          <a:xfrm>
+            <a:off x="304800" y="152400"/>
+            <a:ext cx="2667000" cy="838200"/>
+          </a:xfrm>
+          <a:prstGeom prst="roundRect">
+            <a:avLst/>
+          </a:prstGeom>
+          <a:solidFill>
+            <a:srgbClr val="7030A0"/>
+          </a:solidFill>
+        </p:spPr>
+        <p:style>
+          <a:lnRef idx="3">
+            <a:schemeClr val="lt1"/>
+          </a:lnRef>
+          <a:fillRef idx="1">
+            <a:schemeClr val="dk1"/>
+          </a:fillRef>
+          <a:effectRef idx="1">
+            <a:schemeClr val="dk1"/>
+          </a:effectRef>
+          <a:fontRef idx="minor">
+            <a:schemeClr val="lt1"/>
+          </a:fontRef>
+        </p:style>
+        <p:txBody>
+          <a:bodyPr rtlCol="0" anchor="ctr"/>
+          <a:lstStyle/>
+          <a:p>
+            <a:pPr algn="ctr"/>
+            <a:r>
+              <a:rPr lang="en-US" sz="4000" dirty="0" smtClean="0"/>
+              <a:t>Scope</a:t>
+            </a:r>
+            <a:endParaRPr lang="en-US" sz="4000" dirty="0"/>
+          </a:p>
+        </p:txBody>
+      </p:sp>
     </p:spTree>
   </p:cSld>
   <p:clrMapOvr>
@@ -10128,277 +10355,6 @@
 </p:sld>
 </file>
 
-<file path=ppt/slides/slide13.xml><?xml version="1.0" encoding="utf-8"?>
-<p:sld xmlns:a="http://schemas.openxmlformats.org/drawingml/2006/main" xmlns:r="http://schemas.openxmlformats.org/officeDocument/2006/relationships" xmlns:p="http://schemas.openxmlformats.org/presentationml/2006/main">
-  <p:cSld>
-    <p:spTree>
-      <p:nvGrpSpPr>
-        <p:cNvPr id="1" name=""/>
-        <p:cNvGrpSpPr/>
-        <p:nvPr/>
-      </p:nvGrpSpPr>
-      <p:grpSpPr>
-        <a:xfrm>
-          <a:off x="0" y="0"/>
-          <a:ext cx="0" cy="0"/>
-          <a:chOff x="0" y="0"/>
-          <a:chExt cx="0" cy="0"/>
-        </a:xfrm>
-      </p:grpSpPr>
-      <p:sp>
-        <p:nvSpPr>
-          <p:cNvPr id="2" name="Title 1"/>
-          <p:cNvSpPr>
-            <a:spLocks noGrp="1"/>
-          </p:cNvSpPr>
-          <p:nvPr>
-            <p:ph type="title"/>
-          </p:nvPr>
-        </p:nvSpPr>
-        <p:spPr>
-          <a:xfrm>
-            <a:off x="2971800" y="319088"/>
-            <a:ext cx="4876800" cy="563562"/>
-          </a:xfrm>
-        </p:spPr>
-        <p:txBody>
-          <a:bodyPr/>
-          <a:lstStyle/>
-          <a:p>
-            <a:pPr algn="l"/>
-            <a:r>
-              <a:rPr lang="en-US" dirty="0" smtClean="0"/>
-              <a:t>Capstone project’s aim</a:t>
-            </a:r>
-            <a:endParaRPr lang="en-US" dirty="0"/>
-          </a:p>
-        </p:txBody>
-      </p:sp>
-      <p:sp>
-        <p:nvSpPr>
-          <p:cNvPr id="3" name="Content Placeholder 2"/>
-          <p:cNvSpPr>
-            <a:spLocks noGrp="1"/>
-          </p:cNvSpPr>
-          <p:nvPr>
-            <p:ph idx="1"/>
-          </p:nvPr>
-        </p:nvSpPr>
-        <p:spPr/>
-        <p:txBody>
-          <a:bodyPr/>
-          <a:lstStyle/>
-          <a:p>
-            <a:pPr eaLnBrk="1" hangingPunct="1"/>
-            <a:r>
-              <a:rPr lang="en-US" b="1" dirty="0" smtClean="0"/>
-              <a:t>The aims of this </a:t>
-            </a:r>
-            <a:r>
-              <a:rPr lang="en-US" b="1" dirty="0" smtClean="0">
-                <a:solidFill>
-                  <a:srgbClr val="C00000"/>
-                </a:solidFill>
-              </a:rPr>
-              <a:t>Capstone project </a:t>
-            </a:r>
-            <a:r>
-              <a:rPr lang="en-US" b="1" dirty="0" smtClean="0"/>
-              <a:t>are:</a:t>
-            </a:r>
-          </a:p>
-          <a:p>
-            <a:pPr lvl="1" eaLnBrk="1" hangingPunct="1"/>
-            <a:r>
-              <a:rPr lang="en-US" dirty="0" smtClean="0"/>
-              <a:t>Make a simple </a:t>
-            </a:r>
-            <a:r>
-              <a:rPr lang="en-US" dirty="0" err="1" smtClean="0"/>
-              <a:t>Quadrocopter</a:t>
-            </a:r>
-            <a:r>
-              <a:rPr lang="en-US" dirty="0" smtClean="0"/>
-              <a:t>.</a:t>
-            </a:r>
-          </a:p>
-          <a:p>
-            <a:pPr lvl="1" eaLnBrk="1" hangingPunct="1"/>
-            <a:r>
-              <a:rPr lang="en-US" dirty="0" smtClean="0"/>
-              <a:t>Use Bluetooth protocol to communicate an Android Smart Phone with the </a:t>
-            </a:r>
-            <a:r>
-              <a:rPr lang="en-US" dirty="0" err="1" smtClean="0"/>
-              <a:t>Quadrocopter</a:t>
-            </a:r>
-            <a:r>
-              <a:rPr lang="en-US" dirty="0" smtClean="0"/>
-              <a:t>.</a:t>
-            </a:r>
-          </a:p>
-          <a:p>
-            <a:pPr lvl="1" eaLnBrk="1" hangingPunct="1"/>
-            <a:r>
-              <a:rPr lang="en-US" dirty="0" smtClean="0"/>
-              <a:t>Use Internet Protocol to communicate a PC with Android Smart Phone.</a:t>
-            </a:r>
-          </a:p>
-          <a:p>
-            <a:pPr lvl="1" eaLnBrk="1" hangingPunct="1"/>
-            <a:r>
-              <a:rPr lang="en-US" dirty="0" smtClean="0"/>
-              <a:t>Make two study report:</a:t>
-            </a:r>
-          </a:p>
-          <a:p>
-            <a:pPr lvl="2" eaLnBrk="1" hangingPunct="1"/>
-            <a:r>
-              <a:rPr lang="en-US" dirty="0" smtClean="0"/>
-              <a:t>Study report on hovering capability of </a:t>
-            </a:r>
-            <a:r>
-              <a:rPr lang="en-US" dirty="0" err="1" smtClean="0"/>
-              <a:t>Quadrocopter</a:t>
-            </a:r>
-            <a:r>
-              <a:rPr lang="en-US" dirty="0" smtClean="0"/>
-              <a:t>.</a:t>
-            </a:r>
-          </a:p>
-          <a:p>
-            <a:pPr lvl="2" eaLnBrk="1" hangingPunct="1"/>
-            <a:r>
-              <a:rPr lang="en-US" dirty="0" smtClean="0"/>
-              <a:t>Study report on real-time video transmission. </a:t>
-            </a:r>
-          </a:p>
-          <a:p>
-            <a:pPr lvl="1" eaLnBrk="1" hangingPunct="1"/>
-            <a:endParaRPr lang="en-US" dirty="0" smtClean="0">
-              <a:solidFill>
-                <a:schemeClr val="tx2"/>
-              </a:solidFill>
-            </a:endParaRPr>
-          </a:p>
-          <a:p>
-            <a:endParaRPr lang="en-US" dirty="0"/>
-          </a:p>
-        </p:txBody>
-      </p:sp>
-      <p:sp>
-        <p:nvSpPr>
-          <p:cNvPr id="4" name="Slide Number Placeholder 3"/>
-          <p:cNvSpPr>
-            <a:spLocks noGrp="1"/>
-          </p:cNvSpPr>
-          <p:nvPr>
-            <p:ph type="sldNum" sz="quarter" idx="12"/>
-          </p:nvPr>
-        </p:nvSpPr>
-        <p:spPr/>
-        <p:txBody>
-          <a:bodyPr/>
-          <a:lstStyle/>
-          <a:p>
-            <a:pPr>
-              <a:defRPr/>
-            </a:pPr>
-            <a:fld id="{20C98071-8A9B-444A-806A-782BE84EBE4B}" type="slidenum">
-              <a:rPr lang="en-US" smtClean="0"/>
-              <a:pPr>
-                <a:defRPr/>
-              </a:pPr>
-              <a:t>13</a:t>
-            </a:fld>
-            <a:endParaRPr lang="en-US"/>
-          </a:p>
-        </p:txBody>
-      </p:sp>
-      <p:sp>
-        <p:nvSpPr>
-          <p:cNvPr id="5" name="Rounded Rectangle 4"/>
-          <p:cNvSpPr/>
-          <p:nvPr/>
-        </p:nvSpPr>
-        <p:spPr>
-          <a:xfrm>
-            <a:off x="304800" y="152400"/>
-            <a:ext cx="2667000" cy="838200"/>
-          </a:xfrm>
-          <a:prstGeom prst="roundRect">
-            <a:avLst/>
-          </a:prstGeom>
-          <a:solidFill>
-            <a:srgbClr val="7030A0"/>
-          </a:solidFill>
-        </p:spPr>
-        <p:style>
-          <a:lnRef idx="3">
-            <a:schemeClr val="lt1"/>
-          </a:lnRef>
-          <a:fillRef idx="1">
-            <a:schemeClr val="dk1"/>
-          </a:fillRef>
-          <a:effectRef idx="1">
-            <a:schemeClr val="dk1"/>
-          </a:effectRef>
-          <a:fontRef idx="minor">
-            <a:schemeClr val="lt1"/>
-          </a:fontRef>
-        </p:style>
-        <p:txBody>
-          <a:bodyPr rtlCol="0" anchor="ctr"/>
-          <a:lstStyle/>
-          <a:p>
-            <a:pPr algn="ctr"/>
-            <a:r>
-              <a:rPr lang="en-US" sz="4000" dirty="0" smtClean="0"/>
-              <a:t>Scope</a:t>
-            </a:r>
-            <a:endParaRPr lang="en-US" sz="4000" dirty="0"/>
-          </a:p>
-        </p:txBody>
-      </p:sp>
-      <p:pic>
-        <p:nvPicPr>
-          <p:cNvPr id="6" name="Picture 5" descr="logo_final.png"/>
-          <p:cNvPicPr>
-            <a:picLocks noChangeAspect="1"/>
-          </p:cNvPicPr>
-          <p:nvPr/>
-        </p:nvPicPr>
-        <p:blipFill>
-          <a:blip r:embed="rId2" cstate="print"/>
-          <a:stretch>
-            <a:fillRect/>
-          </a:stretch>
-        </p:blipFill>
-        <p:spPr>
-          <a:xfrm>
-            <a:off x="8001000" y="0"/>
-            <a:ext cx="1219200" cy="1219200"/>
-          </a:xfrm>
-          <a:prstGeom prst="rect">
-            <a:avLst/>
-          </a:prstGeom>
-        </p:spPr>
-      </p:pic>
-    </p:spTree>
-  </p:cSld>
-  <p:clrMapOvr>
-    <a:masterClrMapping/>
-  </p:clrMapOvr>
-  <p:timing>
-    <p:tnLst>
-      <p:par>
-        <p:cTn id="1" dur="indefinite" restart="never" nodeType="tmRoot"/>
-      </p:par>
-    </p:tnLst>
-  </p:timing>
-</p:sld>
-</file>
-
 <file path=ppt/slides/slide14.xml><?xml version="1.0" encoding="utf-8"?>
 <p:sld xmlns:a="http://schemas.openxmlformats.org/drawingml/2006/main" xmlns:r="http://schemas.openxmlformats.org/officeDocument/2006/relationships" xmlns:p="http://schemas.openxmlformats.org/presentationml/2006/main">
   <p:cSld>
@@ -10432,12 +10388,8 @@
           <a:lstStyle/>
           <a:p>
             <a:r>
-              <a:rPr lang="en-US" b="1" dirty="0" err="1" smtClean="0"/>
-              <a:t>Quadrocopter</a:t>
-            </a:r>
-            <a:r>
               <a:rPr lang="en-US" b="1" dirty="0" smtClean="0"/>
-              <a:t>:</a:t>
+              <a:t>Quadrocopter:</a:t>
             </a:r>
           </a:p>
           <a:p>
@@ -10537,7 +10489,7 @@
               </a:pPr>
               <a:t>14</a:t>
             </a:fld>
-            <a:endParaRPr lang="en-US"/>
+            <a:endParaRPr lang="en-US" dirty="0"/>
           </a:p>
         </p:txBody>
       </p:sp>
@@ -10563,7 +10515,7 @@
           <a:p>
             <a:pPr algn="l"/>
             <a:r>
-              <a:rPr lang="en-US" dirty="0" err="1" smtClean="0"/>
+              <a:rPr lang="en-US" dirty="0" smtClean="0"/>
               <a:t>Quadrocopter</a:t>
             </a:r>
             <a:endParaRPr lang="en-US" dirty="0"/>
@@ -10686,7 +10638,7 @@
           <a:bodyPr/>
           <a:lstStyle/>
           <a:p>
-            <a:endParaRPr lang="en-US"/>
+            <a:endParaRPr lang="en-US" dirty="0"/>
           </a:p>
         </p:txBody>
       </p:sp>
@@ -10715,7 +10667,7 @@
               </a:pPr>
               <a:t>15</a:t>
             </a:fld>
-            <a:endParaRPr lang="en-US"/>
+            <a:endParaRPr lang="en-US" dirty="0"/>
           </a:p>
         </p:txBody>
       </p:sp>
@@ -10773,7 +10725,7 @@
           <a:p>
             <a:pPr algn="l"/>
             <a:r>
-              <a:rPr lang="en-US" dirty="0" err="1" smtClean="0"/>
+              <a:rPr lang="en-US" dirty="0" smtClean="0"/>
               <a:t>Quadrocopter</a:t>
             </a:r>
             <a:endParaRPr lang="en-US" dirty="0"/>
@@ -10898,8 +10850,9 @@
           <a:p>
             <a:r>
               <a:rPr lang="en-US" b="1" dirty="0" smtClean="0"/>
-              <a:t>Communication:</a:t>
+              <a:t>Communication system:</a:t>
             </a:r>
+            <a:endParaRPr lang="en-US" b="1" dirty="0" smtClean="0"/>
           </a:p>
           <a:p>
             <a:pPr lvl="1"/>
@@ -10911,27 +10864,15 @@
           <a:p>
             <a:pPr lvl="2"/>
             <a:r>
-              <a:rPr lang="en-US" dirty="0" err="1" smtClean="0"/>
-              <a:t>Quadrocopter</a:t>
-            </a:r>
-            <a:r>
               <a:rPr lang="en-US" dirty="0" smtClean="0"/>
-              <a:t> sends Sensor data (angle rate, acceleration rate..) to Android Smart Phone.</a:t>
+              <a:t>Quadrocopter sends Sensor data (angle rate, acceleration rate..) to Android Smart Phone.</a:t>
             </a:r>
           </a:p>
           <a:p>
             <a:pPr lvl="2"/>
             <a:r>
               <a:rPr lang="en-US" dirty="0" smtClean="0"/>
-              <a:t>Android Smart Phone sends Control commands to </a:t>
-            </a:r>
-            <a:r>
-              <a:rPr lang="en-US" dirty="0" err="1" smtClean="0"/>
-              <a:t>Quadrocopter</a:t>
-            </a:r>
-            <a:r>
-              <a:rPr lang="en-US" dirty="0" smtClean="0"/>
-              <a:t>.</a:t>
+              <a:t>Android Smart Phone sends Control commands to Quadrocopter.</a:t>
             </a:r>
           </a:p>
           <a:p>
@@ -10952,15 +10893,7 @@
             <a:pPr lvl="2"/>
             <a:r>
               <a:rPr lang="en-US" dirty="0" smtClean="0"/>
-              <a:t>Android Smart Phone sends Real-time video (no sound) and </a:t>
-            </a:r>
-            <a:r>
-              <a:rPr lang="en-US" dirty="0" err="1" smtClean="0"/>
-              <a:t>Quadrocopter</a:t>
-            </a:r>
-            <a:r>
-              <a:rPr lang="en-US" dirty="0" smtClean="0"/>
-              <a:t> Sensor data to PC.</a:t>
+              <a:t>Android Smart Phone sends Real-time video (no sound) and Quadrocopter Sensor data to PC.</a:t>
             </a:r>
           </a:p>
         </p:txBody>
@@ -10987,7 +10920,7 @@
               <a:pPr/>
               <a:t>16</a:t>
             </a:fld>
-            <a:endParaRPr lang="en-US" smtClean="0"/>
+            <a:endParaRPr lang="en-US" dirty="0" smtClean="0"/>
           </a:p>
         </p:txBody>
       </p:sp>
@@ -11004,7 +10937,7 @@
         <p:spPr>
           <a:xfrm>
             <a:off x="2971800" y="319088"/>
-            <a:ext cx="4876800" cy="563562"/>
+            <a:ext cx="4953000" cy="563562"/>
           </a:xfrm>
         </p:spPr>
         <p:txBody>
@@ -11014,7 +10947,7 @@
             <a:pPr algn="l"/>
             <a:r>
               <a:rPr lang="en-US" dirty="0" smtClean="0"/>
-              <a:t>Communication</a:t>
+              <a:t>Communication system</a:t>
             </a:r>
             <a:endParaRPr lang="en-US" dirty="0"/>
           </a:p>
@@ -11143,7 +11076,7 @@
               <a:pPr/>
               <a:t>17</a:t>
             </a:fld>
-            <a:endParaRPr lang="en-US" smtClean="0"/>
+            <a:endParaRPr lang="en-US" dirty="0" smtClean="0"/>
           </a:p>
         </p:txBody>
       </p:sp>
@@ -11208,7 +11141,7 @@
           <a:lstStyle/>
           <a:p>
             <a:pPr algn="ctr"/>
-            <a:endParaRPr lang="en-US"/>
+            <a:endParaRPr lang="en-US" dirty="0"/>
           </a:p>
         </p:txBody>
       </p:sp>
@@ -11301,7 +11234,7 @@
             <a:lstStyle/>
             <a:p>
               <a:pPr algn="ctr"/>
-              <a:endParaRPr lang="en-US"/>
+              <a:endParaRPr lang="en-US" dirty="0"/>
             </a:p>
           </p:txBody>
         </p:sp>
@@ -11432,7 +11365,7 @@
         <p:spPr>
           <a:xfrm>
             <a:off x="2971800" y="319088"/>
-            <a:ext cx="4876800" cy="563562"/>
+            <a:ext cx="5029200" cy="563562"/>
           </a:xfrm>
         </p:spPr>
         <p:txBody>
@@ -11442,7 +11375,7 @@
             <a:pPr algn="l"/>
             <a:r>
               <a:rPr lang="en-US" dirty="0" smtClean="0"/>
-              <a:t>Communication</a:t>
+              <a:t>Communication system</a:t>
             </a:r>
             <a:endParaRPr lang="en-US" dirty="0"/>
           </a:p>
@@ -12654,22 +12587,170 @@
             <a:pPr lvl="1" eaLnBrk="1" hangingPunct="1"/>
             <a:r>
               <a:rPr lang="en-US" dirty="0" smtClean="0"/>
-              <a:t>FPS ~ 10</a:t>
+              <a:t>FPS ~ </a:t>
             </a:r>
+            <a:r>
+              <a:rPr lang="en-US" dirty="0" smtClean="0"/>
+              <a:t>10 *</a:t>
+            </a:r>
+            <a:endParaRPr lang="en-US" dirty="0" smtClean="0"/>
           </a:p>
           <a:p>
             <a:pPr lvl="1" eaLnBrk="1" hangingPunct="1"/>
             <a:r>
               <a:rPr lang="en-US" dirty="0" smtClean="0"/>
-              <a:t>No sound</a:t>
+              <a:t>No </a:t>
             </a:r>
+            <a:r>
+              <a:rPr lang="en-US" dirty="0" smtClean="0"/>
+              <a:t>sound *</a:t>
+            </a:r>
+            <a:endParaRPr lang="en-US" dirty="0" smtClean="0"/>
           </a:p>
           <a:p>
             <a:pPr lvl="1" eaLnBrk="1" hangingPunct="1"/>
             <a:r>
               <a:rPr lang="en-US" dirty="0" smtClean="0"/>
-              <a:t>Images are compressed into JPEG.</a:t>
+              <a:t>Images are compressed into JPEG</a:t>
             </a:r>
+            <a:r>
+              <a:rPr lang="en-US" dirty="0" smtClean="0"/>
+              <a:t>. *</a:t>
+            </a:r>
+          </a:p>
+          <a:p>
+            <a:pPr lvl="1" eaLnBrk="1" hangingPunct="1">
+              <a:buNone/>
+            </a:pPr>
+            <a:endParaRPr lang="en-US" sz="1200" b="1" dirty="0" smtClean="0"/>
+          </a:p>
+          <a:p>
+            <a:pPr lvl="1" eaLnBrk="1" hangingPunct="1">
+              <a:buNone/>
+            </a:pPr>
+            <a:endParaRPr lang="en-US" sz="1200" b="1" dirty="0" smtClean="0"/>
+          </a:p>
+          <a:p>
+            <a:pPr lvl="1" eaLnBrk="1" hangingPunct="1">
+              <a:buNone/>
+            </a:pPr>
+            <a:endParaRPr lang="en-US" sz="1200" b="1" dirty="0" smtClean="0"/>
+          </a:p>
+          <a:p>
+            <a:pPr lvl="1" eaLnBrk="1" hangingPunct="1">
+              <a:buNone/>
+            </a:pPr>
+            <a:endParaRPr lang="en-US" sz="1200" b="1" dirty="0" smtClean="0"/>
+          </a:p>
+          <a:p>
+            <a:pPr lvl="1" eaLnBrk="1" hangingPunct="1">
+              <a:buNone/>
+            </a:pPr>
+            <a:r>
+              <a:rPr lang="en-US" sz="1200" b="1" dirty="0" smtClean="0"/>
+              <a:t>* Reference</a:t>
+            </a:r>
+            <a:r>
+              <a:rPr lang="en-US" sz="1200" dirty="0" smtClean="0"/>
+              <a:t>: </a:t>
+            </a:r>
+            <a:r>
+              <a:rPr lang="en-US" sz="1200" dirty="0" smtClean="0"/>
+              <a:t> </a:t>
+            </a:r>
+          </a:p>
+          <a:p>
+            <a:pPr lvl="1" eaLnBrk="1" hangingPunct="1">
+              <a:buFont typeface="Arial" charset="0"/>
+              <a:buChar char="•"/>
+            </a:pPr>
+            <a:r>
+              <a:rPr lang="en-US" sz="1200" i="1" dirty="0" smtClean="0"/>
+              <a:t>UAV </a:t>
+            </a:r>
+            <a:r>
+              <a:rPr lang="en-US" sz="1200" i="1" dirty="0" smtClean="0"/>
+              <a:t>Imagery Frame Rate and Resolution Requirements </a:t>
+            </a:r>
+            <a:r>
+              <a:rPr lang="en-US" sz="1200" i="1" dirty="0" smtClean="0"/>
+              <a:t>Study</a:t>
+            </a:r>
+            <a:r>
+              <a:rPr lang="en-US" sz="1200" dirty="0" smtClean="0"/>
+              <a:t> – Advanced Technology Department, Vitro Corporation - 1991</a:t>
+            </a:r>
+          </a:p>
+          <a:p>
+            <a:pPr lvl="1" eaLnBrk="1" hangingPunct="1">
+              <a:buFont typeface="Arial" charset="0"/>
+              <a:buChar char="•"/>
+            </a:pPr>
+            <a:r>
+              <a:rPr lang="en-US" sz="1200" i="1" dirty="0" smtClean="0"/>
+              <a:t>Real-Time Video Compression Techniques and </a:t>
+            </a:r>
+            <a:r>
+              <a:rPr lang="en-US" sz="1200" i="1" dirty="0" smtClean="0"/>
+              <a:t>Algorithms - </a:t>
+            </a:r>
+            <a:r>
+              <a:rPr lang="en-US" sz="1200" dirty="0" smtClean="0"/>
+              <a:t>Raymond </a:t>
+            </a:r>
+            <a:r>
+              <a:rPr lang="en-US" sz="1200" dirty="0" err="1" smtClean="0"/>
+              <a:t>Westwater</a:t>
+            </a:r>
+            <a:r>
+              <a:rPr lang="en-US" sz="1200" dirty="0" smtClean="0"/>
+              <a:t> </a:t>
+            </a:r>
+            <a:r>
+              <a:rPr lang="en-US" sz="1200" dirty="0" smtClean="0"/>
+              <a:t>and </a:t>
+            </a:r>
+            <a:r>
+              <a:rPr lang="en-US" sz="1200" dirty="0" err="1" smtClean="0"/>
+              <a:t>Borko</a:t>
+            </a:r>
+            <a:r>
+              <a:rPr lang="en-US" sz="1200" dirty="0" smtClean="0"/>
+              <a:t> </a:t>
+            </a:r>
+            <a:r>
+              <a:rPr lang="en-US" sz="1200" dirty="0" err="1" smtClean="0"/>
+              <a:t>Furht</a:t>
+            </a:r>
+            <a:r>
+              <a:rPr lang="en-US" sz="1200" dirty="0" smtClean="0"/>
+              <a:t> – 1997</a:t>
+            </a:r>
+          </a:p>
+          <a:p>
+            <a:pPr lvl="1" eaLnBrk="1" hangingPunct="1">
+              <a:buFont typeface="Arial" charset="0"/>
+              <a:buChar char="•"/>
+            </a:pPr>
+            <a:r>
+              <a:rPr lang="en-US" sz="1200" dirty="0" smtClean="0"/>
+              <a:t>http://developer.android.com</a:t>
+            </a:r>
+            <a:endParaRPr lang="en-US" sz="1200" dirty="0" smtClean="0"/>
+          </a:p>
+          <a:p>
+            <a:pPr lvl="1" eaLnBrk="1" hangingPunct="1">
+              <a:buFont typeface="Arial" charset="0"/>
+              <a:buChar char="•"/>
+            </a:pPr>
+            <a:endParaRPr lang="en-US" sz="1200" i="1" dirty="0" smtClean="0"/>
+          </a:p>
+          <a:p>
+            <a:pPr lvl="1" eaLnBrk="1" hangingPunct="1">
+              <a:buFont typeface="Arial" charset="0"/>
+              <a:buChar char="•"/>
+            </a:pPr>
+            <a:endParaRPr lang="en-US" sz="1200" dirty="0" smtClean="0"/>
           </a:p>
           <a:p>
             <a:endParaRPr lang="en-US" dirty="0"/>
@@ -12701,7 +12782,7 @@
               </a:pPr>
               <a:t>18</a:t>
             </a:fld>
-            <a:endParaRPr lang="en-US"/>
+            <a:endParaRPr lang="en-US" dirty="0"/>
           </a:p>
         </p:txBody>
       </p:sp>
@@ -12860,7 +12941,7 @@
               </a:pPr>
               <a:t>19</a:t>
             </a:fld>
-            <a:endParaRPr lang="en-US"/>
+            <a:endParaRPr lang="en-US" dirty="0"/>
           </a:p>
         </p:txBody>
       </p:sp>
@@ -14094,10 +14175,10 @@
           <a:p>
             <a:pPr algn="l" eaLnBrk="1" hangingPunct="1"/>
             <a:r>
-              <a:rPr lang="en-US" sz="4000" smtClean="0"/>
+              <a:rPr lang="en-US" sz="4000" dirty="0" smtClean="0"/>
               <a:t>Contents</a:t>
             </a:r>
-            <a:endParaRPr lang="en-US" sz="2400" smtClean="0">
+            <a:endParaRPr lang="en-US" sz="2400" dirty="0" smtClean="0">
               <a:solidFill>
                 <a:schemeClr val="accent1"/>
               </a:solidFill>
@@ -14154,7 +14235,7 @@
             <a:bodyPr wrap="none" anchor="ctr"/>
             <a:lstStyle/>
             <a:p>
-              <a:endParaRPr lang="en-US"/>
+              <a:endParaRPr lang="en-US" dirty="0"/>
             </a:p>
           </p:txBody>
         </p:sp>
@@ -14228,7 +14309,7 @@
             <a:bodyPr wrap="none" anchor="ctr"/>
             <a:lstStyle/>
             <a:p>
-              <a:endParaRPr lang="en-US"/>
+              <a:endParaRPr lang="en-US" dirty="0"/>
             </a:p>
           </p:txBody>
         </p:sp>
@@ -14283,7 +14364,7 @@
               <a:pPr>
                 <a:defRPr/>
               </a:pPr>
-              <a:endParaRPr lang="en-US"/>
+              <a:endParaRPr lang="en-US" dirty="0"/>
             </a:p>
           </p:txBody>
         </p:sp>
@@ -14337,7 +14418,7 @@
             <a:bodyPr wrap="none" anchor="ctr"/>
             <a:lstStyle/>
             <a:p>
-              <a:endParaRPr lang="en-US"/>
+              <a:endParaRPr lang="en-US" dirty="0"/>
             </a:p>
           </p:txBody>
         </p:sp>
@@ -14411,7 +14492,7 @@
             <a:bodyPr wrap="none" anchor="ctr"/>
             <a:lstStyle/>
             <a:p>
-              <a:endParaRPr lang="en-US"/>
+              <a:endParaRPr lang="en-US" dirty="0"/>
             </a:p>
           </p:txBody>
         </p:sp>
@@ -14466,7 +14547,7 @@
               <a:pPr>
                 <a:defRPr/>
               </a:pPr>
-              <a:endParaRPr lang="en-US"/>
+              <a:endParaRPr lang="en-US" dirty="0"/>
             </a:p>
           </p:txBody>
         </p:sp>
@@ -14502,7 +14583,7 @@
           <a:bodyPr wrap="none" anchor="ctr"/>
           <a:lstStyle/>
           <a:p>
-            <a:endParaRPr lang="en-US"/>
+            <a:endParaRPr lang="en-US" dirty="0"/>
           </a:p>
         </p:txBody>
       </p:sp>
@@ -14577,7 +14658,7 @@
           <a:p>
             <a:pPr algn="ctr" eaLnBrk="0" hangingPunct="0"/>
             <a:r>
-              <a:rPr lang="en-US" sz="2400" b="1">
+              <a:rPr lang="en-US" sz="2400" b="1" dirty="0">
                 <a:solidFill>
                   <a:schemeClr val="bg1"/>
                 </a:solidFill>
@@ -14618,7 +14699,7 @@
           <a:bodyPr wrap="none" anchor="ctr"/>
           <a:lstStyle/>
           <a:p>
-            <a:endParaRPr lang="en-US"/>
+            <a:endParaRPr lang="en-US" dirty="0"/>
           </a:p>
         </p:txBody>
       </p:sp>
@@ -14693,7 +14774,7 @@
           <a:p>
             <a:pPr algn="ctr" eaLnBrk="0" hangingPunct="0"/>
             <a:r>
-              <a:rPr lang="en-US" sz="2400" b="1">
+              <a:rPr lang="en-US" sz="2400" b="1" dirty="0">
                 <a:solidFill>
                   <a:schemeClr val="bg1"/>
                 </a:solidFill>
@@ -14752,7 +14833,7 @@
             <a:bodyPr wrap="none" anchor="ctr"/>
             <a:lstStyle/>
             <a:p>
-              <a:endParaRPr lang="en-US"/>
+              <a:endParaRPr lang="en-US" dirty="0"/>
             </a:p>
           </p:txBody>
         </p:sp>
@@ -14826,7 +14907,7 @@
             <a:bodyPr wrap="none" anchor="ctr"/>
             <a:lstStyle/>
             <a:p>
-              <a:endParaRPr lang="en-US"/>
+              <a:endParaRPr lang="en-US" dirty="0"/>
             </a:p>
           </p:txBody>
         </p:sp>
@@ -14881,7 +14962,7 @@
               <a:pPr>
                 <a:defRPr/>
               </a:pPr>
-              <a:endParaRPr lang="en-US"/>
+              <a:endParaRPr lang="en-US" dirty="0"/>
             </a:p>
           </p:txBody>
         </p:sp>
@@ -14935,7 +15016,7 @@
             <a:bodyPr wrap="none" anchor="ctr"/>
             <a:lstStyle/>
             <a:p>
-              <a:endParaRPr lang="en-US"/>
+              <a:endParaRPr lang="en-US" dirty="0"/>
             </a:p>
           </p:txBody>
         </p:sp>
@@ -15009,7 +15090,7 @@
             <a:bodyPr wrap="none" anchor="ctr"/>
             <a:lstStyle/>
             <a:p>
-              <a:endParaRPr lang="en-US"/>
+              <a:endParaRPr lang="en-US" dirty="0"/>
             </a:p>
           </p:txBody>
         </p:sp>
@@ -15064,7 +15145,7 @@
               <a:pPr>
                 <a:defRPr/>
               </a:pPr>
-              <a:endParaRPr lang="en-US"/>
+              <a:endParaRPr lang="en-US" dirty="0"/>
             </a:p>
           </p:txBody>
         </p:sp>
@@ -15100,7 +15181,7 @@
           <a:bodyPr wrap="none" anchor="ctr"/>
           <a:lstStyle/>
           <a:p>
-            <a:endParaRPr lang="en-US"/>
+            <a:endParaRPr lang="en-US" dirty="0"/>
           </a:p>
         </p:txBody>
       </p:sp>
@@ -15175,7 +15256,7 @@
           <a:p>
             <a:pPr algn="ctr" eaLnBrk="0" hangingPunct="0"/>
             <a:r>
-              <a:rPr lang="en-US" sz="2400" b="1">
+              <a:rPr lang="en-US" sz="2400" b="1" dirty="0">
                 <a:solidFill>
                   <a:schemeClr val="bg1"/>
                 </a:solidFill>
@@ -15216,7 +15297,7 @@
           <a:bodyPr wrap="none" anchor="ctr"/>
           <a:lstStyle/>
           <a:p>
-            <a:endParaRPr lang="en-US"/>
+            <a:endParaRPr lang="en-US" dirty="0"/>
           </a:p>
         </p:txBody>
       </p:sp>
@@ -15291,7 +15372,7 @@
           <a:p>
             <a:pPr algn="ctr" eaLnBrk="0" hangingPunct="0"/>
             <a:r>
-              <a:rPr lang="en-US" sz="2400" b="1">
+              <a:rPr lang="en-US" sz="2400" b="1" dirty="0">
                 <a:solidFill>
                   <a:schemeClr val="bg1"/>
                 </a:solidFill>
@@ -15323,7 +15404,7 @@
               <a:pPr/>
               <a:t>2</a:t>
             </a:fld>
-            <a:endParaRPr lang="en-US" smtClean="0"/>
+            <a:endParaRPr lang="en-US" dirty="0" smtClean="0"/>
           </a:p>
         </p:txBody>
       </p:sp>
@@ -15407,15 +15488,7 @@
             <a:pPr lvl="1"/>
             <a:r>
               <a:rPr lang="en-US" dirty="0" smtClean="0"/>
-              <a:t>The </a:t>
-            </a:r>
-            <a:r>
-              <a:rPr lang="en-US" dirty="0" err="1" smtClean="0"/>
-              <a:t>Quadrocopter</a:t>
-            </a:r>
-            <a:r>
-              <a:rPr lang="en-US" dirty="0" smtClean="0"/>
-              <a:t> has two control mode:</a:t>
+              <a:t>The Quadrocopter has two control mode:</a:t>
             </a:r>
           </a:p>
           <a:p>
@@ -15457,15 +15530,7 @@
             <a:pPr lvl="2"/>
             <a:r>
               <a:rPr lang="en-US" dirty="0" smtClean="0"/>
-              <a:t>Pilot can control the </a:t>
-            </a:r>
-            <a:r>
-              <a:rPr lang="en-US" dirty="0" err="1" smtClean="0"/>
-              <a:t>Quadrocopter</a:t>
-            </a:r>
-            <a:r>
-              <a:rPr lang="en-US" dirty="0" smtClean="0"/>
-              <a:t> with little effort.</a:t>
+              <a:t>Pilot can control the Quadrocopter with little effort.</a:t>
             </a:r>
           </a:p>
           <a:p>
@@ -15496,7 +15561,7 @@
               <a:pPr/>
               <a:t>20</a:t>
             </a:fld>
-            <a:endParaRPr lang="en-US" smtClean="0"/>
+            <a:endParaRPr lang="en-US" dirty="0" smtClean="0"/>
           </a:p>
         </p:txBody>
       </p:sp>
@@ -15655,7 +15720,7 @@
               </a:pPr>
               <a:t>21</a:t>
             </a:fld>
-            <a:endParaRPr lang="en-US"/>
+            <a:endParaRPr lang="en-US" dirty="0"/>
           </a:p>
         </p:txBody>
       </p:sp>
@@ -16923,7 +16988,7 @@
               </a:pPr>
               <a:t>22</a:t>
             </a:fld>
-            <a:endParaRPr lang="en-US"/>
+            <a:endParaRPr lang="en-US" dirty="0"/>
           </a:p>
         </p:txBody>
       </p:sp>
@@ -17047,7 +17112,7 @@
             <a:lstStyle/>
             <a:p>
               <a:pPr algn="ctr"/>
-              <a:endParaRPr lang="en-US"/>
+              <a:endParaRPr lang="en-US" dirty="0"/>
             </a:p>
           </p:txBody>
         </p:sp>
@@ -17136,7 +17201,7 @@
             <a:lstStyle/>
             <a:p>
               <a:pPr algn="ctr"/>
-              <a:endParaRPr lang="en-US"/>
+              <a:endParaRPr lang="en-US" dirty="0"/>
             </a:p>
           </p:txBody>
         </p:sp>
@@ -17177,7 +17242,7 @@
             <a:lstStyle/>
             <a:p>
               <a:pPr algn="ctr"/>
-              <a:endParaRPr lang="en-US"/>
+              <a:endParaRPr lang="en-US" dirty="0"/>
             </a:p>
           </p:txBody>
         </p:sp>
@@ -17218,7 +17283,7 @@
             <a:lstStyle/>
             <a:p>
               <a:pPr algn="ctr"/>
-              <a:endParaRPr lang="en-US"/>
+              <a:endParaRPr lang="en-US" dirty="0"/>
             </a:p>
           </p:txBody>
         </p:sp>
@@ -17303,7 +17368,7 @@
             <a:lstStyle/>
             <a:p>
               <a:pPr algn="ctr"/>
-              <a:endParaRPr lang="en-US"/>
+              <a:endParaRPr lang="en-US" dirty="0"/>
             </a:p>
           </p:txBody>
         </p:sp>
@@ -17346,7 +17411,7 @@
             <a:lstStyle/>
             <a:p>
               <a:pPr algn="ctr"/>
-              <a:endParaRPr lang="en-US"/>
+              <a:endParaRPr lang="en-US" dirty="0"/>
             </a:p>
           </p:txBody>
         </p:sp>
@@ -18391,7 +18456,7 @@
               </a:pPr>
               <a:t>23</a:t>
             </a:fld>
-            <a:endParaRPr lang="en-US"/>
+            <a:endParaRPr lang="en-US" dirty="0"/>
           </a:p>
         </p:txBody>
       </p:sp>
@@ -18515,7 +18580,7 @@
             <a:lstStyle/>
             <a:p>
               <a:pPr algn="ctr"/>
-              <a:endParaRPr lang="en-US"/>
+              <a:endParaRPr lang="en-US" dirty="0"/>
             </a:p>
           </p:txBody>
         </p:sp>
@@ -18604,7 +18669,7 @@
             <a:lstStyle/>
             <a:p>
               <a:pPr algn="ctr"/>
-              <a:endParaRPr lang="en-US"/>
+              <a:endParaRPr lang="en-US" dirty="0"/>
             </a:p>
           </p:txBody>
         </p:sp>
@@ -18645,7 +18710,7 @@
             <a:lstStyle/>
             <a:p>
               <a:pPr algn="ctr"/>
-              <a:endParaRPr lang="en-US"/>
+              <a:endParaRPr lang="en-US" dirty="0"/>
             </a:p>
           </p:txBody>
         </p:sp>
@@ -18686,7 +18751,7 @@
             <a:lstStyle/>
             <a:p>
               <a:pPr algn="ctr"/>
-              <a:endParaRPr lang="en-US"/>
+              <a:endParaRPr lang="en-US" dirty="0"/>
             </a:p>
           </p:txBody>
         </p:sp>
@@ -18776,7 +18841,7 @@
             <a:lstStyle/>
             <a:p>
               <a:pPr algn="ctr"/>
-              <a:endParaRPr lang="en-US"/>
+              <a:endParaRPr lang="en-US" dirty="0"/>
             </a:p>
           </p:txBody>
         </p:sp>
@@ -18865,7 +18930,7 @@
             <a:lstStyle/>
             <a:p>
               <a:pPr algn="ctr"/>
-              <a:endParaRPr lang="en-US"/>
+              <a:endParaRPr lang="en-US" dirty="0"/>
             </a:p>
           </p:txBody>
         </p:sp>
@@ -18931,21 +18996,8 @@
                   <a:srgbClr val="7030A0"/>
                 </a:solidFill>
               </a:rPr>
-              <a:t>Dynamic </a:t>
+              <a:t>Dynamic Stablization</a:t>
             </a:r>
-            <a:r>
-              <a:rPr lang="en-US" dirty="0" err="1" smtClean="0">
-                <a:solidFill>
-                  <a:srgbClr val="7030A0"/>
-                </a:solidFill>
-              </a:rPr>
-              <a:t>Stablization</a:t>
-            </a:r>
-            <a:endParaRPr lang="en-US" dirty="0" smtClean="0">
-              <a:solidFill>
-                <a:srgbClr val="7030A0"/>
-              </a:solidFill>
-            </a:endParaRPr>
           </a:p>
         </p:txBody>
       </p:sp>
@@ -20104,7 +20156,7 @@
               </a:pPr>
               <a:t>24</a:t>
             </a:fld>
-            <a:endParaRPr lang="en-US"/>
+            <a:endParaRPr lang="en-US" dirty="0"/>
           </a:p>
         </p:txBody>
       </p:sp>
@@ -20120,7 +20172,7 @@
         </p:nvGraphicFramePr>
         <p:xfrm>
           <a:off x="457200" y="1076325"/>
-          <a:ext cx="8229600" cy="4744161"/>
+          <a:ext cx="8229600" cy="5202552"/>
         </p:xfrm>
         <a:graphic>
           <a:graphicData uri="http://schemas.openxmlformats.org/drawingml/2006/table">
@@ -20129,9 +20181,10 @@
                 <a:tableStyleId>{5C22544A-7EE6-4342-B048-85BDC9FD1C3A}</a:tableStyleId>
               </a:tblPr>
               <a:tblGrid>
-                <a:gridCol w="2743200"/>
-                <a:gridCol w="2743200"/>
-                <a:gridCol w="2743200"/>
+                <a:gridCol w="2057400"/>
+                <a:gridCol w="2057400"/>
+                <a:gridCol w="2057400"/>
+                <a:gridCol w="2057400"/>
               </a:tblGrid>
               <a:tr h="456009">
                 <a:tc>
@@ -20151,15 +20204,7 @@
                     <a:p>
                       <a:r>
                         <a:rPr lang="en-US" dirty="0" smtClean="0"/>
-                        <a:t>FUFO </a:t>
-                      </a:r>
-                      <a:r>
-                        <a:rPr lang="en-US" dirty="0" err="1" smtClean="0"/>
-                        <a:t>Quadrocopter</a:t>
-                      </a:r>
-                      <a:r>
-                        <a:rPr lang="en-US" dirty="0" smtClean="0"/>
-                        <a:t> v1.x</a:t>
+                        <a:t>FUFO Quadrocopter v1.x</a:t>
                       </a:r>
                       <a:endParaRPr lang="en-US" dirty="0"/>
                     </a:p>
@@ -20173,15 +20218,41 @@
                     <a:p>
                       <a:r>
                         <a:rPr lang="en-US" dirty="0" err="1" smtClean="0"/>
-                        <a:t>Comercialized</a:t>
+                        <a:t>Mikrocopter</a:t>
+                      </a:r>
+                      <a:r>
+                        <a:rPr lang="en-US" dirty="0" smtClean="0"/>
+                        <a:t> </a:t>
+                      </a:r>
+                      <a:r>
+                        <a:rPr lang="en-US" dirty="0" err="1" smtClean="0"/>
+                        <a:t>Quadro</a:t>
+                      </a:r>
+                      <a:endParaRPr lang="en-US" dirty="0"/>
+                    </a:p>
+                  </a:txBody>
+                  <a:tcPr/>
+                </a:tc>
+                <a:tc>
+                  <a:txBody>
+                    <a:bodyPr/>
+                    <a:lstStyle/>
+                    <a:p>
+                      <a:r>
+                        <a:rPr lang="en-US" dirty="0" smtClean="0"/>
+                        <a:t>Parrot</a:t>
                       </a:r>
                       <a:r>
                         <a:rPr lang="en-US" baseline="0" dirty="0" smtClean="0"/>
                         <a:t> </a:t>
                       </a:r>
                       <a:r>
-                        <a:rPr lang="en-US" baseline="0" dirty="0" err="1" smtClean="0"/>
-                        <a:t>Quadrocopter</a:t>
+                        <a:rPr lang="en-US" dirty="0" err="1" smtClean="0"/>
+                        <a:t>Ar</a:t>
+                      </a:r>
+                      <a:r>
+                        <a:rPr lang="en-US" baseline="0" dirty="0" smtClean="0"/>
+                        <a:t> Drone</a:t>
                       </a:r>
                       <a:endParaRPr lang="en-US" dirty="0"/>
                     </a:p>
@@ -20238,14 +20309,36 @@
                       <a:r>
                         <a:rPr lang="en-US" b="1" dirty="0" smtClean="0">
                           <a:solidFill>
-                            <a:srgbClr val="FFC000"/>
+                            <a:srgbClr val="00B050"/>
                           </a:solidFill>
                         </a:rPr>
-                        <a:t>Vary</a:t>
+                        <a:t>500gr</a:t>
                       </a:r>
                       <a:endParaRPr lang="en-US" b="1" dirty="0">
                         <a:solidFill>
-                          <a:srgbClr val="FFC000"/>
+                          <a:srgbClr val="00B050"/>
+                        </a:solidFill>
+                      </a:endParaRPr>
+                    </a:p>
+                  </a:txBody>
+                  <a:tcPr/>
+                </a:tc>
+                <a:tc>
+                  <a:txBody>
+                    <a:bodyPr/>
+                    <a:lstStyle/>
+                    <a:p>
+                      <a:r>
+                        <a:rPr lang="en-US" b="1" dirty="0" smtClean="0">
+                          <a:solidFill>
+                            <a:srgbClr val="FF0000"/>
+                          </a:solidFill>
+                        </a:rPr>
+                        <a:t>0gr</a:t>
+                      </a:r>
+                      <a:endParaRPr lang="en-US" b="1" dirty="0">
+                        <a:solidFill>
+                          <a:srgbClr val="FF0000"/>
                         </a:solidFill>
                       </a:endParaRPr>
                     </a:p>
@@ -20316,6 +20409,28 @@
                   </a:txBody>
                   <a:tcPr/>
                 </a:tc>
+                <a:tc>
+                  <a:txBody>
+                    <a:bodyPr/>
+                    <a:lstStyle/>
+                    <a:p>
+                      <a:r>
+                        <a:rPr lang="en-US" b="1" dirty="0" smtClean="0">
+                          <a:solidFill>
+                            <a:srgbClr val="FF0000"/>
+                          </a:solidFill>
+                        </a:rPr>
+                        <a:t>No</a:t>
+                      </a:r>
+                      <a:endParaRPr lang="en-US" b="1" dirty="0">
+                        <a:solidFill>
+                          <a:srgbClr val="FF0000"/>
+                        </a:solidFill>
+                      </a:endParaRPr>
+                    </a:p>
+                  </a:txBody>
+                  <a:tcPr/>
+                </a:tc>
               </a:tr>
               <a:tr h="456009">
                 <a:tc>
@@ -20324,7 +20439,7 @@
                     <a:lstStyle/>
                     <a:p>
                       <a:r>
-                        <a:rPr lang="en-US" dirty="0" err="1" smtClean="0"/>
+                        <a:rPr lang="en-US" dirty="0" smtClean="0"/>
                         <a:t>Wifi</a:t>
                       </a:r>
                       <a:r>
@@ -20380,6 +20495,28 @@
                   </a:txBody>
                   <a:tcPr/>
                 </a:tc>
+                <a:tc>
+                  <a:txBody>
+                    <a:bodyPr/>
+                    <a:lstStyle/>
+                    <a:p>
+                      <a:r>
+                        <a:rPr lang="en-US" b="1" dirty="0" smtClean="0">
+                          <a:solidFill>
+                            <a:srgbClr val="00B050"/>
+                          </a:solidFill>
+                        </a:rPr>
+                        <a:t>Yes</a:t>
+                      </a:r>
+                      <a:endParaRPr lang="en-US" b="1" dirty="0">
+                        <a:solidFill>
+                          <a:srgbClr val="00B050"/>
+                        </a:solidFill>
+                      </a:endParaRPr>
+                    </a:p>
+                  </a:txBody>
+                  <a:tcPr/>
+                </a:tc>
               </a:tr>
               <a:tr h="456009">
                 <a:tc>
@@ -20426,14 +20563,36 @@
                       <a:r>
                         <a:rPr lang="en-US" b="1" dirty="0" smtClean="0">
                           <a:solidFill>
-                            <a:srgbClr val="FFC000"/>
+                            <a:srgbClr val="FF0000"/>
                           </a:solidFill>
                         </a:rPr>
-                        <a:t>Maybe</a:t>
+                        <a:t>No</a:t>
                       </a:r>
                       <a:endParaRPr lang="en-US" b="1" dirty="0">
                         <a:solidFill>
-                          <a:srgbClr val="FFC000"/>
+                          <a:srgbClr val="FF0000"/>
+                        </a:solidFill>
+                      </a:endParaRPr>
+                    </a:p>
+                  </a:txBody>
+                  <a:tcPr/>
+                </a:tc>
+                <a:tc>
+                  <a:txBody>
+                    <a:bodyPr/>
+                    <a:lstStyle/>
+                    <a:p>
+                      <a:r>
+                        <a:rPr lang="en-US" b="1" dirty="0" smtClean="0">
+                          <a:solidFill>
+                            <a:srgbClr val="FF0000"/>
+                          </a:solidFill>
+                        </a:rPr>
+                        <a:t>No</a:t>
+                      </a:r>
+                      <a:endParaRPr lang="en-US" b="1" dirty="0">
+                        <a:solidFill>
+                          <a:srgbClr val="FF0000"/>
                         </a:solidFill>
                       </a:endParaRPr>
                     </a:p>
@@ -20500,6 +20659,28 @@
                   </a:txBody>
                   <a:tcPr/>
                 </a:tc>
+                <a:tc>
+                  <a:txBody>
+                    <a:bodyPr/>
+                    <a:lstStyle/>
+                    <a:p>
+                      <a:r>
+                        <a:rPr lang="en-US" b="1" dirty="0" smtClean="0">
+                          <a:solidFill>
+                            <a:srgbClr val="FF0000"/>
+                          </a:solidFill>
+                        </a:rPr>
+                        <a:t>No</a:t>
+                      </a:r>
+                      <a:endParaRPr lang="en-US" b="1" dirty="0">
+                        <a:solidFill>
+                          <a:srgbClr val="FF0000"/>
+                        </a:solidFill>
+                      </a:endParaRPr>
+                    </a:p>
+                  </a:txBody>
+                  <a:tcPr/>
+                </a:tc>
               </a:tr>
               <a:tr h="456009">
                 <a:tc>
@@ -20546,14 +20727,36 @@
                       <a:r>
                         <a:rPr lang="en-US" b="1" dirty="0" smtClean="0">
                           <a:solidFill>
-                            <a:srgbClr val="FFC000"/>
+                            <a:srgbClr val="FF0000"/>
                           </a:solidFill>
                         </a:rPr>
-                        <a:t>Optional</a:t>
+                        <a:t>No</a:t>
                       </a:r>
                       <a:endParaRPr lang="en-US" b="1" dirty="0">
                         <a:solidFill>
-                          <a:srgbClr val="FFC000"/>
+                          <a:srgbClr val="FF0000"/>
+                        </a:solidFill>
+                      </a:endParaRPr>
+                    </a:p>
+                  </a:txBody>
+                  <a:tcPr/>
+                </a:tc>
+                <a:tc>
+                  <a:txBody>
+                    <a:bodyPr/>
+                    <a:lstStyle/>
+                    <a:p>
+                      <a:r>
+                        <a:rPr lang="en-US" b="1" dirty="0" smtClean="0">
+                          <a:solidFill>
+                            <a:srgbClr val="00B050"/>
+                          </a:solidFill>
+                        </a:rPr>
+                        <a:t>Yes</a:t>
+                      </a:r>
+                      <a:endParaRPr lang="en-US" b="1" dirty="0">
+                        <a:solidFill>
+                          <a:srgbClr val="00B050"/>
                         </a:solidFill>
                       </a:endParaRPr>
                     </a:p>
@@ -20576,6 +20779,28 @@
                         <a:t> stability</a:t>
                       </a:r>
                       <a:endParaRPr lang="en-US" dirty="0"/>
+                    </a:p>
+                  </a:txBody>
+                  <a:tcPr/>
+                </a:tc>
+                <a:tc>
+                  <a:txBody>
+                    <a:bodyPr/>
+                    <a:lstStyle/>
+                    <a:p>
+                      <a:r>
+                        <a:rPr lang="en-US" b="1" dirty="0" smtClean="0">
+                          <a:solidFill>
+                            <a:srgbClr val="00B050"/>
+                          </a:solidFill>
+                        </a:rPr>
+                        <a:t>Yes</a:t>
+                      </a:r>
+                      <a:endParaRPr lang="en-US" b="1" dirty="0">
+                        <a:solidFill>
+                          <a:srgbClr val="00B050"/>
+                        </a:solidFill>
+                      </a:endParaRPr>
                     </a:p>
                   </a:txBody>
                   <a:tcPr/>
@@ -20684,6 +20909,68 @@
                   </a:txBody>
                   <a:tcPr/>
                 </a:tc>
+                <a:tc>
+                  <a:txBody>
+                    <a:bodyPr/>
+                    <a:lstStyle/>
+                    <a:p>
+                      <a:r>
+                        <a:rPr lang="en-US" b="1" dirty="0" err="1" smtClean="0">
+                          <a:solidFill>
+                            <a:srgbClr val="00B050"/>
+                          </a:solidFill>
+                        </a:rPr>
+                        <a:t>Iphone</a:t>
+                      </a:r>
+                      <a:r>
+                        <a:rPr lang="en-US" b="1" dirty="0" smtClean="0">
+                          <a:solidFill>
+                            <a:srgbClr val="00B050"/>
+                          </a:solidFill>
+                        </a:rPr>
+                        <a:t>, </a:t>
+                      </a:r>
+                      <a:r>
+                        <a:rPr lang="en-US" b="1" dirty="0" err="1" smtClean="0">
+                          <a:solidFill>
+                            <a:srgbClr val="00B050"/>
+                          </a:solidFill>
+                        </a:rPr>
+                        <a:t>Ipad</a:t>
+                      </a:r>
+                      <a:r>
+                        <a:rPr lang="en-US" b="1" dirty="0" smtClean="0">
+                          <a:solidFill>
+                            <a:srgbClr val="00B050"/>
+                          </a:solidFill>
+                        </a:rPr>
+                        <a:t>, </a:t>
+                      </a:r>
+                      <a:r>
+                        <a:rPr lang="en-US" b="1" dirty="0" err="1" smtClean="0">
+                          <a:solidFill>
+                            <a:srgbClr val="00B050"/>
+                          </a:solidFill>
+                        </a:rPr>
+                        <a:t>Ipod</a:t>
+                      </a:r>
+                      <a:r>
+                        <a:rPr lang="en-US" b="1" baseline="0" dirty="0" smtClean="0">
+                          <a:solidFill>
+                            <a:srgbClr val="00B050"/>
+                          </a:solidFill>
+                        </a:rPr>
+                        <a:t> Touch</a:t>
+                      </a:r>
+                      <a:endParaRPr lang="en-US" b="1" dirty="0">
+                        <a:solidFill>
+                          <a:srgbClr val="00B050"/>
+                        </a:solidFill>
+                      </a:endParaRPr>
+                    </a:p>
+                  </a:txBody>
+                  <a:tcPr/>
+                </a:tc>
               </a:tr>
               <a:tr h="456009">
                 <a:tc>
@@ -20734,14 +21021,36 @@
                       <a:r>
                         <a:rPr lang="en-US" b="1" dirty="0" smtClean="0">
                           <a:solidFill>
-                            <a:srgbClr val="FFC000"/>
+                            <a:srgbClr val="FF0000"/>
                           </a:solidFill>
                         </a:rPr>
-                        <a:t>Maybe</a:t>
+                        <a:t>No</a:t>
                       </a:r>
                       <a:endParaRPr lang="en-US" b="1" dirty="0">
                         <a:solidFill>
-                          <a:srgbClr val="FFC000"/>
+                          <a:srgbClr val="FF0000"/>
+                        </a:solidFill>
+                      </a:endParaRPr>
+                    </a:p>
+                  </a:txBody>
+                  <a:tcPr/>
+                </a:tc>
+                <a:tc>
+                  <a:txBody>
+                    <a:bodyPr/>
+                    <a:lstStyle/>
+                    <a:p>
+                      <a:r>
+                        <a:rPr lang="en-US" b="1" dirty="0" smtClean="0">
+                          <a:solidFill>
+                            <a:srgbClr val="FF0000"/>
+                          </a:solidFill>
+                        </a:rPr>
+                        <a:t>No</a:t>
+                      </a:r>
+                      <a:endParaRPr lang="en-US" b="1" dirty="0">
+                        <a:solidFill>
+                          <a:srgbClr val="FF0000"/>
                         </a:solidFill>
                       </a:endParaRPr>
                     </a:p>
@@ -20775,8 +21084,8 @@
           <a:p>
             <a:pPr algn="l"/>
             <a:r>
-              <a:rPr lang="en-US" dirty="0" err="1" smtClean="0"/>
-              <a:t>Comparation</a:t>
+              <a:rPr lang="en-US" dirty="0" smtClean="0"/>
+              <a:t>Comparison</a:t>
             </a:r>
             <a:endParaRPr lang="en-US" dirty="0"/>
           </a:p>
@@ -20943,7 +21252,15 @@
             <a:pPr lvl="1" eaLnBrk="1" hangingPunct="1"/>
             <a:r>
               <a:rPr lang="en-US" dirty="0" smtClean="0"/>
-              <a:t>Sends control command to Android Smart Phone.</a:t>
+              <a:t>Sends control </a:t>
+            </a:r>
+            <a:r>
+              <a:rPr lang="en-US" dirty="0" smtClean="0"/>
+              <a:t>commands </a:t>
+            </a:r>
+            <a:r>
+              <a:rPr lang="en-US" dirty="0" smtClean="0"/>
+              <a:t>to Android Smart Phone.</a:t>
             </a:r>
           </a:p>
           <a:p>
@@ -20994,7 +21311,7 @@
               <a:pPr/>
               <a:t>25</a:t>
             </a:fld>
-            <a:endParaRPr lang="en-US" smtClean="0"/>
+            <a:endParaRPr lang="en-US" dirty="0" smtClean="0"/>
           </a:p>
         </p:txBody>
       </p:sp>
@@ -21104,29 +21421,44 @@
             <a:pPr lvl="1" eaLnBrk="1" hangingPunct="1"/>
             <a:r>
               <a:rPr lang="en-US" dirty="0" smtClean="0"/>
-              <a:t>Receives control command from PC.</a:t>
+              <a:t>Receives control </a:t>
+            </a:r>
+            <a:r>
+              <a:rPr lang="en-US" dirty="0" smtClean="0"/>
+              <a:t>commands </a:t>
+            </a:r>
+            <a:r>
+              <a:rPr lang="en-US" dirty="0" smtClean="0"/>
+              <a:t>from PC.</a:t>
             </a:r>
           </a:p>
           <a:p>
             <a:pPr lvl="1" eaLnBrk="1" hangingPunct="1"/>
             <a:r>
               <a:rPr lang="en-US" dirty="0" smtClean="0"/>
-              <a:t>Sends control command to </a:t>
-            </a:r>
-            <a:r>
-              <a:rPr lang="en-US" dirty="0" err="1" smtClean="0"/>
-              <a:t>Quadrocopter</a:t>
+              <a:t>Sends control </a:t>
             </a:r>
             <a:r>
               <a:rPr lang="en-US" dirty="0" smtClean="0"/>
-              <a:t>.</a:t>
+              <a:t>commands </a:t>
+            </a:r>
+            <a:r>
+              <a:rPr lang="en-US" dirty="0" smtClean="0"/>
+              <a:t>to Quadrocopter.</a:t>
             </a:r>
           </a:p>
           <a:p>
             <a:pPr lvl="1" eaLnBrk="1" hangingPunct="1"/>
             <a:r>
               <a:rPr lang="en-US" dirty="0" smtClean="0"/>
-              <a:t>Send video and Sensor’s statuses to PC. Easy to use.</a:t>
+              <a:t>Send video and Sensor’s statuses to PC.</a:t>
+            </a:r>
+          </a:p>
+          <a:p>
+            <a:pPr lvl="1" eaLnBrk="1" hangingPunct="1"/>
+            <a:r>
+              <a:rPr lang="en-US" dirty="0" smtClean="0"/>
+              <a:t>Easy to use.</a:t>
             </a:r>
           </a:p>
           <a:p>
@@ -21166,7 +21498,7 @@
               </a:pPr>
               <a:t>26</a:t>
             </a:fld>
-            <a:endParaRPr lang="en-US"/>
+            <a:endParaRPr lang="en-US" dirty="0"/>
           </a:p>
         </p:txBody>
       </p:sp>
@@ -21385,7 +21717,7 @@
               </a:pPr>
               <a:t>27</a:t>
             </a:fld>
-            <a:endParaRPr lang="en-US"/>
+            <a:endParaRPr lang="en-US" dirty="0"/>
           </a:p>
         </p:txBody>
       </p:sp>
@@ -21543,30 +21875,14 @@
             <a:pPr lvl="1" eaLnBrk="1" hangingPunct="1"/>
             <a:r>
               <a:rPr lang="en-US" dirty="0" smtClean="0"/>
-              <a:t>Build a </a:t>
-            </a:r>
-            <a:r>
-              <a:rPr lang="en-US" dirty="0" err="1" smtClean="0"/>
-              <a:t>Quadrocopter</a:t>
-            </a:r>
-            <a:r>
-              <a:rPr lang="en-US" dirty="0" smtClean="0"/>
-              <a:t> frame which has space for a 150gr Smart Phone.</a:t>
+              <a:t>Build a Quadrocopter frame which has space for a 150gr Smart Phone.</a:t>
             </a:r>
           </a:p>
           <a:p>
             <a:pPr lvl="1" eaLnBrk="1" hangingPunct="1"/>
             <a:r>
               <a:rPr lang="en-US" dirty="0" smtClean="0"/>
-              <a:t>Design a PCB board for controlling the </a:t>
-            </a:r>
-            <a:r>
-              <a:rPr lang="en-US" dirty="0" err="1" smtClean="0"/>
-              <a:t>Quadrocopter</a:t>
-            </a:r>
-            <a:r>
-              <a:rPr lang="en-US" dirty="0" smtClean="0"/>
-              <a:t>, it should has:</a:t>
+              <a:t>Design a PCB board for controlling the Quadrocopter, it should has:</a:t>
             </a:r>
           </a:p>
           <a:p>
@@ -21644,7 +21960,7 @@
               </a:pPr>
               <a:t>28</a:t>
             </a:fld>
-            <a:endParaRPr lang="en-US"/>
+            <a:endParaRPr lang="en-US" dirty="0"/>
           </a:p>
         </p:txBody>
       </p:sp>
@@ -21799,7 +22115,7 @@
           <a:p>
             <a:pPr eaLnBrk="1" hangingPunct="1"/>
             <a:r>
-              <a:rPr lang="en-US" smtClean="0"/>
+              <a:rPr lang="en-US" dirty="0" smtClean="0"/>
               <a:t>www.themegallery.com</a:t>
             </a:r>
           </a:p>
@@ -21834,7 +22150,7 @@
           <a:p>
             <a:pPr algn="ctr"/>
             <a:r>
-              <a:rPr lang="en-US" sz="5400" b="1" kern="10">
+              <a:rPr lang="en-US" sz="5400" b="1" kern="10" dirty="0">
                 <a:ln w="28575">
                   <a:solidFill>
                     <a:schemeClr val="bg1"/>
@@ -21912,7 +22228,7 @@
               <a:buNone/>
             </a:pPr>
             <a:r>
-              <a:rPr lang="en-US" sz="2000">
+              <a:rPr lang="en-US" sz="2000" dirty="0">
                 <a:solidFill>
                   <a:schemeClr val="bg1"/>
                 </a:solidFill>
@@ -21944,7 +22260,7 @@
               <a:pPr/>
               <a:t>29</a:t>
             </a:fld>
-            <a:endParaRPr lang="en-US" smtClean="0"/>
+            <a:endParaRPr lang="en-US" dirty="0" smtClean="0"/>
           </a:p>
         </p:txBody>
       </p:sp>
@@ -22123,7 +22439,7 @@
               <a:pPr/>
               <a:t>3</a:t>
             </a:fld>
-            <a:endParaRPr lang="en-US" smtClean="0"/>
+            <a:endParaRPr lang="en-US" dirty="0" smtClean="0"/>
           </a:p>
         </p:txBody>
       </p:sp>
@@ -22951,7 +23267,7 @@
               <a:pPr/>
               <a:t>4</a:t>
             </a:fld>
-            <a:endParaRPr lang="en-US" smtClean="0"/>
+            <a:endParaRPr lang="en-US" dirty="0" smtClean="0"/>
           </a:p>
         </p:txBody>
       </p:sp>
@@ -23728,7 +24044,7 @@
               </a:pPr>
               <a:t>5</a:t>
             </a:fld>
-            <a:endParaRPr lang="en-US"/>
+            <a:endParaRPr lang="en-US" dirty="0"/>
           </a:p>
         </p:txBody>
       </p:sp>
@@ -24072,7 +24388,7 @@
               </a:pPr>
               <a:t>6</a:t>
             </a:fld>
-            <a:endParaRPr lang="en-US"/>
+            <a:endParaRPr lang="en-US" dirty="0"/>
           </a:p>
         </p:txBody>
       </p:sp>
@@ -24191,23 +24507,7 @@
               </a:r>
               <a:r>
                 <a:rPr lang="en-US" sz="1600" kern="1200" dirty="0" smtClean="0"/>
-                <a:t>, </a:t>
-              </a:r>
-              <a:r>
-                <a:rPr lang="en-US" sz="1600" kern="1200" dirty="0" err="1" smtClean="0"/>
-                <a:t>nano</a:t>
-              </a:r>
-              <a:r>
-                <a:rPr lang="en-US" sz="1600" kern="1200" dirty="0" smtClean="0"/>
-                <a:t>, </a:t>
-              </a:r>
-              <a:r>
-                <a:rPr lang="en-US" sz="1600" kern="1200" dirty="0" err="1" smtClean="0"/>
-                <a:t>themor</a:t>
-              </a:r>
-              <a:r>
-                <a:rPr lang="en-US" sz="1600" kern="1200" dirty="0" smtClean="0"/>
-                <a:t>, solar..)</a:t>
+                <a:t>, nano, themor, solar..)</a:t>
               </a:r>
               <a:endParaRPr lang="en-US" sz="1600" kern="1200" dirty="0"/>
             </a:p>
@@ -24435,7 +24735,7 @@
                   <a:spcPct val="35000"/>
                 </a:spcAft>
               </a:pPr>
-              <a:endParaRPr lang="en-US" sz="1300" kern="1200"/>
+              <a:endParaRPr lang="en-US" sz="1300" kern="1200" dirty="0"/>
             </a:p>
           </p:txBody>
         </p:sp>
@@ -24668,7 +24968,7 @@
                   <a:spcPct val="35000"/>
                 </a:spcAft>
               </a:pPr>
-              <a:endParaRPr lang="en-US" sz="1300" kern="1200"/>
+              <a:endParaRPr lang="en-US" sz="1300" kern="1200" dirty="0"/>
             </a:p>
           </p:txBody>
         </p:sp>
@@ -24719,7 +25019,7 @@
                 <a:spcPct val="35000"/>
               </a:spcAft>
             </a:pPr>
-            <a:endParaRPr lang="en-US" sz="4000" kern="1200"/>
+            <a:endParaRPr lang="en-US" sz="4000" kern="1200" dirty="0"/>
           </a:p>
         </p:txBody>
       </p:sp>
@@ -25976,7 +26276,7 @@
                 <a:t>RC UAV </a:t>
               </a:r>
               <a:r>
-                <a:rPr lang="en-US" sz="2400" kern="1200" dirty="0" err="1" smtClean="0"/>
+                <a:rPr lang="en-US" sz="2400" kern="1200" dirty="0" smtClean="0"/>
                 <a:t>Quadrocopter</a:t>
               </a:r>
               <a:endParaRPr lang="en-US" sz="2400" kern="1200" dirty="0"/>
@@ -26177,15 +26477,7 @@
               </a:pPr>
               <a:r>
                 <a:rPr lang="en-US" sz="2500" kern="1200" dirty="0" smtClean="0"/>
-                <a:t>3G, Municipal </a:t>
-              </a:r>
-              <a:r>
-                <a:rPr lang="en-US" sz="2500" kern="1200" dirty="0" err="1" smtClean="0"/>
-                <a:t>wifi</a:t>
-              </a:r>
-              <a:r>
-                <a:rPr lang="en-US" sz="2500" kern="1200" dirty="0" smtClean="0"/>
-                <a:t> infrastructure </a:t>
+                <a:t>3G, Municipal wifi infrastructure </a:t>
               </a:r>
               <a:endParaRPr lang="en-US" sz="2500" kern="1200" dirty="0"/>
             </a:p>
@@ -26934,15 +27226,7 @@
             <a:pPr eaLnBrk="1" hangingPunct="1"/>
             <a:r>
               <a:rPr lang="en-US" dirty="0" smtClean="0"/>
-              <a:t>Project purpose: Develop a commercialized </a:t>
-            </a:r>
-            <a:r>
-              <a:rPr lang="en-US" dirty="0" err="1" smtClean="0"/>
-              <a:t>Quadrocopter</a:t>
-            </a:r>
-            <a:r>
-              <a:rPr lang="en-US" dirty="0" smtClean="0"/>
-              <a:t>.</a:t>
+              <a:t>Project purpose: Develop a commercialized Quadrocopter.</a:t>
             </a:r>
           </a:p>
           <a:p>
@@ -27030,7 +27314,7 @@
               <a:pPr/>
               <a:t>8</a:t>
             </a:fld>
-            <a:endParaRPr lang="en-US" smtClean="0"/>
+            <a:endParaRPr lang="en-US" dirty="0" smtClean="0"/>
           </a:p>
         </p:txBody>
       </p:sp>
@@ -27297,7 +27581,7 @@
               <a:pPr/>
               <a:t>9</a:t>
             </a:fld>
-            <a:endParaRPr lang="en-US" smtClean="0"/>
+            <a:endParaRPr lang="en-US" dirty="0" smtClean="0"/>
           </a:p>
         </p:txBody>
       </p:sp>
@@ -27341,7 +27625,7 @@
           <a:lstStyle/>
           <a:p>
             <a:pPr algn="ctr"/>
-            <a:endParaRPr lang="en-US"/>
+            <a:endParaRPr lang="en-US" dirty="0"/>
           </a:p>
         </p:txBody>
       </p:sp>
@@ -27493,7 +27777,7 @@
           <a:lstStyle/>
           <a:p>
             <a:pPr algn="ctr"/>
-            <a:endParaRPr lang="en-US">
+            <a:endParaRPr lang="en-US" dirty="0">
               <a:solidFill>
                 <a:schemeClr val="tx1"/>
               </a:solidFill>

--- a/Document/03.Requirement/FUFO_Scope_pptx.pptx
+++ b/Document/03.Requirement/FUFO_Scope_pptx.pptx
@@ -2896,7 +2896,7 @@
               <a:pPr>
                 <a:defRPr/>
               </a:pPr>
-              <a:t>5/8/2012</a:t>
+              <a:t>5/9/2012</a:t>
             </a:fld>
             <a:endParaRPr lang="en-US" dirty="0"/>
           </a:p>
@@ -8468,7 +8468,26 @@
               <a:rPr lang="en-US" sz="2800" kern="0" dirty="0" smtClean="0">
                 <a:latin typeface="+mn-lt"/>
               </a:rPr>
-              <a:t>    =&gt; Quadrocopter is more suitable for Computer Engineering students who are not familiar with aerodynamic issue and mechanical design.</a:t>
+              <a:t>    </a:t>
+            </a:r>
+            <a:r>
+              <a:rPr lang="en-US" sz="2800" kern="0" dirty="0" smtClean="0">
+                <a:latin typeface="+mn-lt"/>
+                <a:sym typeface="Wingdings" pitchFamily="2" charset="2"/>
+              </a:rPr>
+              <a:t></a:t>
+            </a:r>
+            <a:r>
+              <a:rPr lang="en-US" sz="2800" kern="0" dirty="0" smtClean="0">
+                <a:latin typeface="+mn-lt"/>
+              </a:rPr>
+              <a:t> </a:t>
+            </a:r>
+            <a:r>
+              <a:rPr lang="en-US" sz="2800" kern="0" dirty="0" smtClean="0">
+                <a:latin typeface="+mn-lt"/>
+              </a:rPr>
+              <a:t>Quadrocopter is more suitable for Computer Engineering students who are not familiar with aerodynamic issue and mechanical design.</a:t>
             </a:r>
             <a:endParaRPr kumimoji="0" lang="en-US" sz="2400" b="0" i="0" u="none" strike="noStrike" kern="0" cap="none" spc="0" normalizeH="0" baseline="0" noProof="0" dirty="0" smtClean="0">
               <a:ln>
@@ -8735,40 +8754,22 @@
             <a:pPr lvl="1" eaLnBrk="1" hangingPunct="1"/>
             <a:r>
               <a:rPr lang="en-US" dirty="0" smtClean="0"/>
-              <a:t>Use Bluetooth &amp; Internet protocol to communicate</a:t>
-            </a:r>
-            <a:r>
-              <a:rPr lang="en-US" dirty="0" smtClean="0"/>
-              <a:t>.</a:t>
+              <a:t>Use Bluetooth &amp; Internet protocol to communicate.</a:t>
             </a:r>
           </a:p>
           <a:p>
             <a:pPr lvl="1" eaLnBrk="1" hangingPunct="1"/>
             <a:r>
               <a:rPr lang="en-US" dirty="0" smtClean="0"/>
-              <a:t>Evaluate the</a:t>
+              <a:t>Evaluate the application of Android Phone &amp; PC in controlling UAV.</a:t>
             </a:r>
-            <a:r>
-              <a:rPr lang="en-US" dirty="0" smtClean="0"/>
-              <a:t> </a:t>
-            </a:r>
-            <a:r>
-              <a:rPr lang="en-US" dirty="0" smtClean="0"/>
-              <a:t>application of Android Phone &amp; PC in controlling UAV.</a:t>
-            </a:r>
-            <a:endParaRPr lang="en-US" dirty="0" smtClean="0"/>
           </a:p>
           <a:p>
             <a:pPr lvl="1" eaLnBrk="1" hangingPunct="1"/>
             <a:r>
               <a:rPr lang="en-US" dirty="0" smtClean="0"/>
-              <a:t>Make two </a:t>
+              <a:t>Make two study reports:</a:t>
             </a:r>
-            <a:r>
-              <a:rPr lang="en-US" dirty="0" smtClean="0"/>
-              <a:t>study reports:</a:t>
-            </a:r>
-            <a:endParaRPr lang="en-US" dirty="0" smtClean="0"/>
           </a:p>
           <a:p>
             <a:pPr lvl="2" eaLnBrk="1" hangingPunct="1"/>
@@ -10852,7 +10853,6 @@
               <a:rPr lang="en-US" b="1" dirty="0" smtClean="0"/>
               <a:t>Communication system:</a:t>
             </a:r>
-            <a:endParaRPr lang="en-US" b="1" dirty="0" smtClean="0"/>
           </a:p>
           <a:p>
             <a:pPr lvl="1"/>
@@ -11054,6 +11054,39 @@
           <a:chExt cx="0" cy="0"/>
         </a:xfrm>
       </p:grpSpPr>
+      <p:pic>
+        <p:nvPicPr>
+          <p:cNvPr id="1027" name="Picture 3"/>
+          <p:cNvPicPr>
+            <a:picLocks noChangeAspect="1" noChangeArrowheads="1"/>
+          </p:cNvPicPr>
+          <p:nvPr/>
+        </p:nvPicPr>
+        <p:blipFill>
+          <a:blip r:embed="rId2"/>
+          <a:srcRect/>
+          <a:stretch>
+            <a:fillRect/>
+          </a:stretch>
+        </p:blipFill>
+        <p:spPr bwMode="auto">
+          <a:xfrm>
+            <a:off x="442913" y="1409700"/>
+            <a:ext cx="8258175" cy="5219700"/>
+          </a:xfrm>
+          <a:prstGeom prst="rect">
+            <a:avLst/>
+          </a:prstGeom>
+          <a:noFill/>
+          <a:ln w="9525">
+            <a:noFill/>
+            <a:miter lim="800000"/>
+            <a:headEnd/>
+            <a:tailEnd/>
+          </a:ln>
+          <a:effectLst/>
+        </p:spPr>
+      </p:pic>
       <p:sp>
         <p:nvSpPr>
           <p:cNvPr id="7171" name="Slide Number Placeholder 3"/>
@@ -11080,30 +11113,6 @@
           </a:p>
         </p:txBody>
       </p:sp>
-      <p:pic>
-        <p:nvPicPr>
-          <p:cNvPr id="7172" name="Picture 2" descr="C:\Users\tnguyen\Documents\do an\s1.jpg"/>
-          <p:cNvPicPr>
-            <a:picLocks noGrp="1" noChangeAspect="1" noChangeArrowheads="1"/>
-          </p:cNvPicPr>
-          <p:nvPr>
-            <p:ph idx="1"/>
-          </p:nvPr>
-        </p:nvPicPr>
-        <p:blipFill>
-          <a:blip r:embed="rId2"/>
-          <a:srcRect/>
-          <a:stretch>
-            <a:fillRect/>
-          </a:stretch>
-        </p:blipFill>
-        <p:spPr>
-          <a:xfrm>
-            <a:off x="609600" y="1371600"/>
-            <a:ext cx="8382000" cy="5257800"/>
-          </a:xfrm>
-        </p:spPr>
-      </p:pic>
       <p:sp>
         <p:nvSpPr>
           <p:cNvPr id="5" name="Explosion 1 4"/>
@@ -12587,35 +12596,21 @@
             <a:pPr lvl="1" eaLnBrk="1" hangingPunct="1"/>
             <a:r>
               <a:rPr lang="en-US" dirty="0" smtClean="0"/>
-              <a:t>FPS ~ </a:t>
+              <a:t>FPS ~ 10 *</a:t>
             </a:r>
-            <a:r>
-              <a:rPr lang="en-US" dirty="0" smtClean="0"/>
-              <a:t>10 *</a:t>
-            </a:r>
-            <a:endParaRPr lang="en-US" dirty="0" smtClean="0"/>
           </a:p>
           <a:p>
             <a:pPr lvl="1" eaLnBrk="1" hangingPunct="1"/>
             <a:r>
               <a:rPr lang="en-US" dirty="0" smtClean="0"/>
-              <a:t>No </a:t>
+              <a:t>No sound *</a:t>
             </a:r>
-            <a:r>
-              <a:rPr lang="en-US" dirty="0" smtClean="0"/>
-              <a:t>sound *</a:t>
-            </a:r>
-            <a:endParaRPr lang="en-US" dirty="0" smtClean="0"/>
           </a:p>
           <a:p>
             <a:pPr lvl="1" eaLnBrk="1" hangingPunct="1"/>
             <a:r>
               <a:rPr lang="en-US" dirty="0" smtClean="0"/>
-              <a:t>Images are compressed into JPEG</a:t>
-            </a:r>
-            <a:r>
-              <a:rPr lang="en-US" dirty="0" smtClean="0"/>
-              <a:t>. *</a:t>
+              <a:t>Images are compressed into JPEG. *</a:t>
             </a:r>
           </a:p>
           <a:p>
@@ -12652,11 +12647,7 @@
             </a:r>
             <a:r>
               <a:rPr lang="en-US" sz="1200" dirty="0" smtClean="0"/>
-              <a:t>: </a:t>
-            </a:r>
-            <a:r>
-              <a:rPr lang="en-US" sz="1200" dirty="0" smtClean="0"/>
-              <a:t> </a:t>
+              <a:t>:  </a:t>
             </a:r>
           </a:p>
           <a:p>
@@ -12666,15 +12657,7 @@
             </a:pPr>
             <a:r>
               <a:rPr lang="en-US" sz="1200" i="1" dirty="0" smtClean="0"/>
-              <a:t>UAV </a:t>
-            </a:r>
-            <a:r>
-              <a:rPr lang="en-US" sz="1200" i="1" dirty="0" smtClean="0"/>
-              <a:t>Imagery Frame Rate and Resolution Requirements </a:t>
-            </a:r>
-            <a:r>
-              <a:rPr lang="en-US" sz="1200" i="1" dirty="0" smtClean="0"/>
-              <a:t>Study</a:t>
+              <a:t>UAV Imagery Frame Rate and Resolution Requirements Study</a:t>
             </a:r>
             <a:r>
               <a:rPr lang="en-US" sz="1200" dirty="0" smtClean="0"/>
@@ -12688,11 +12671,7 @@
             </a:pPr>
             <a:r>
               <a:rPr lang="en-US" sz="1200" i="1" dirty="0" smtClean="0"/>
-              <a:t>Real-Time Video Compression Techniques and </a:t>
-            </a:r>
-            <a:r>
-              <a:rPr lang="en-US" sz="1200" i="1" dirty="0" smtClean="0"/>
-              <a:t>Algorithms - </a:t>
+              <a:t>Real-Time Video Compression Techniques and Algorithms - </a:t>
             </a:r>
             <a:r>
               <a:rPr lang="en-US" sz="1200" dirty="0" smtClean="0"/>
@@ -12704,11 +12683,7 @@
             </a:r>
             <a:r>
               <a:rPr lang="en-US" sz="1200" dirty="0" smtClean="0"/>
-              <a:t> </a:t>
-            </a:r>
-            <a:r>
-              <a:rPr lang="en-US" sz="1200" dirty="0" smtClean="0"/>
-              <a:t>and </a:t>
+              <a:t> and </a:t>
             </a:r>
             <a:r>
               <a:rPr lang="en-US" sz="1200" dirty="0" err="1" smtClean="0"/>
@@ -12736,7 +12711,6 @@
               <a:rPr lang="en-US" sz="1200" dirty="0" smtClean="0"/>
               <a:t>http://developer.android.com</a:t>
             </a:r>
-            <a:endParaRPr lang="en-US" sz="1200" dirty="0" smtClean="0"/>
           </a:p>
           <a:p>
             <a:pPr lvl="1" eaLnBrk="1" hangingPunct="1">
@@ -12916,6 +12890,39 @@
           <a:chExt cx="0" cy="0"/>
         </a:xfrm>
       </p:grpSpPr>
+      <p:pic>
+        <p:nvPicPr>
+          <p:cNvPr id="2050" name="Picture 2"/>
+          <p:cNvPicPr>
+            <a:picLocks noChangeAspect="1" noChangeArrowheads="1"/>
+          </p:cNvPicPr>
+          <p:nvPr/>
+        </p:nvPicPr>
+        <p:blipFill>
+          <a:blip r:embed="rId2"/>
+          <a:srcRect/>
+          <a:stretch>
+            <a:fillRect/>
+          </a:stretch>
+        </p:blipFill>
+        <p:spPr bwMode="auto">
+          <a:xfrm>
+            <a:off x="914400" y="1400175"/>
+            <a:ext cx="7696200" cy="5076825"/>
+          </a:xfrm>
+          <a:prstGeom prst="rect">
+            <a:avLst/>
+          </a:prstGeom>
+          <a:noFill/>
+          <a:ln w="9525">
+            <a:noFill/>
+            <a:miter lim="800000"/>
+            <a:headEnd/>
+            <a:tailEnd/>
+          </a:ln>
+          <a:effectLst/>
+        </p:spPr>
+      </p:pic>
       <p:sp>
         <p:nvSpPr>
           <p:cNvPr id="4" name="Slide Number Placeholder 3"/>
@@ -12945,30 +12952,6 @@
           </a:p>
         </p:txBody>
       </p:sp>
-      <p:pic>
-        <p:nvPicPr>
-          <p:cNvPr id="5" name="Picture 2" descr="C:\Users\tnguyen\Documents\do an\s2.jpg"/>
-          <p:cNvPicPr>
-            <a:picLocks noGrp="1" noChangeAspect="1" noChangeArrowheads="1"/>
-          </p:cNvPicPr>
-          <p:nvPr>
-            <p:ph idx="1"/>
-          </p:nvPr>
-        </p:nvPicPr>
-        <p:blipFill>
-          <a:blip r:embed="rId2"/>
-          <a:srcRect/>
-          <a:stretch>
-            <a:fillRect/>
-          </a:stretch>
-        </p:blipFill>
-        <p:spPr>
-          <a:xfrm>
-            <a:off x="914400" y="990600"/>
-            <a:ext cx="7543800" cy="5404277"/>
-          </a:xfrm>
-        </p:spPr>
-      </p:pic>
       <p:sp>
         <p:nvSpPr>
           <p:cNvPr id="6" name="Rectangle 5"/>
@@ -21252,15 +21235,7 @@
             <a:pPr lvl="1" eaLnBrk="1" hangingPunct="1"/>
             <a:r>
               <a:rPr lang="en-US" dirty="0" smtClean="0"/>
-              <a:t>Sends control </a:t>
-            </a:r>
-            <a:r>
-              <a:rPr lang="en-US" dirty="0" smtClean="0"/>
-              <a:t>commands </a:t>
-            </a:r>
-            <a:r>
-              <a:rPr lang="en-US" dirty="0" smtClean="0"/>
-              <a:t>to Android Smart Phone.</a:t>
+              <a:t>Sends control commands to Android Smart Phone.</a:t>
             </a:r>
           </a:p>
           <a:p>
@@ -21421,30 +21396,14 @@
             <a:pPr lvl="1" eaLnBrk="1" hangingPunct="1"/>
             <a:r>
               <a:rPr lang="en-US" dirty="0" smtClean="0"/>
-              <a:t>Receives control </a:t>
-            </a:r>
-            <a:r>
-              <a:rPr lang="en-US" dirty="0" smtClean="0"/>
-              <a:t>commands </a:t>
-            </a:r>
-            <a:r>
-              <a:rPr lang="en-US" dirty="0" smtClean="0"/>
-              <a:t>from PC.</a:t>
+              <a:t>Receives control commands from PC.</a:t>
             </a:r>
           </a:p>
           <a:p>
             <a:pPr lvl="1" eaLnBrk="1" hangingPunct="1"/>
             <a:r>
               <a:rPr lang="en-US" dirty="0" smtClean="0"/>
-              <a:t>Sends control </a:t>
-            </a:r>
-            <a:r>
-              <a:rPr lang="en-US" dirty="0" smtClean="0"/>
-              <a:t>commands </a:t>
-            </a:r>
-            <a:r>
-              <a:rPr lang="en-US" dirty="0" smtClean="0"/>
-              <a:t>to Quadrocopter.</a:t>
+              <a:t>Sends control commands to Quadrocopter.</a:t>
             </a:r>
           </a:p>
           <a:p>
@@ -23347,8 +23306,21 @@
             <a:r>
               <a:rPr lang="en-US" sz="3200" kern="0" dirty="0" smtClean="0">
                 <a:latin typeface="+mn-lt"/>
+                <a:sym typeface="Wingdings" pitchFamily="2" charset="2"/>
               </a:rPr>
-              <a:t>=&gt; The modern solution should be </a:t>
+              <a:t></a:t>
+            </a:r>
+            <a:r>
+              <a:rPr lang="en-US" sz="3200" kern="0" dirty="0" smtClean="0">
+                <a:latin typeface="+mn-lt"/>
+              </a:rPr>
+              <a:t> </a:t>
+            </a:r>
+            <a:r>
+              <a:rPr lang="en-US" sz="3200" kern="0" dirty="0" smtClean="0">
+                <a:latin typeface="+mn-lt"/>
+              </a:rPr>
+              <a:t>The modern solution should be </a:t>
             </a:r>
             <a:r>
               <a:rPr lang="en-US" sz="3200" b="1" kern="0" dirty="0" smtClean="0">

--- a/Document/03.Requirement/FUFO_Scope_pptx.pptx
+++ b/Document/03.Requirement/FUFO_Scope_pptx.pptx
@@ -5,7 +5,7 @@
     <p:sldMasterId id="2147483648" r:id="rId1"/>
   </p:sldMasterIdLst>
   <p:notesMasterIdLst>
-    <p:notesMasterId r:id="rId31"/>
+    <p:notesMasterId r:id="rId32"/>
   </p:notesMasterIdLst>
   <p:sldIdLst>
     <p:sldId id="256" r:id="rId2"/>
@@ -21,22 +21,23 @@
     <p:sldId id="302" r:id="rId12"/>
     <p:sldId id="298" r:id="rId13"/>
     <p:sldId id="312" r:id="rId14"/>
-    <p:sldId id="306" r:id="rId15"/>
-    <p:sldId id="309" r:id="rId16"/>
-    <p:sldId id="289" r:id="rId17"/>
-    <p:sldId id="282" r:id="rId18"/>
-    <p:sldId id="307" r:id="rId19"/>
-    <p:sldId id="308" r:id="rId20"/>
-    <p:sldId id="290" r:id="rId21"/>
-    <p:sldId id="299" r:id="rId22"/>
-    <p:sldId id="300" r:id="rId23"/>
-    <p:sldId id="301" r:id="rId24"/>
-    <p:sldId id="310" r:id="rId25"/>
-    <p:sldId id="288" r:id="rId26"/>
-    <p:sldId id="303" r:id="rId27"/>
-    <p:sldId id="304" r:id="rId28"/>
-    <p:sldId id="305" r:id="rId29"/>
-    <p:sldId id="275" r:id="rId30"/>
+    <p:sldId id="313" r:id="rId15"/>
+    <p:sldId id="306" r:id="rId16"/>
+    <p:sldId id="309" r:id="rId17"/>
+    <p:sldId id="289" r:id="rId18"/>
+    <p:sldId id="282" r:id="rId19"/>
+    <p:sldId id="307" r:id="rId20"/>
+    <p:sldId id="308" r:id="rId21"/>
+    <p:sldId id="290" r:id="rId22"/>
+    <p:sldId id="299" r:id="rId23"/>
+    <p:sldId id="300" r:id="rId24"/>
+    <p:sldId id="301" r:id="rId25"/>
+    <p:sldId id="310" r:id="rId26"/>
+    <p:sldId id="288" r:id="rId27"/>
+    <p:sldId id="303" r:id="rId28"/>
+    <p:sldId id="304" r:id="rId29"/>
+    <p:sldId id="305" r:id="rId30"/>
+    <p:sldId id="275" r:id="rId31"/>
   </p:sldIdLst>
   <p:sldSz cx="9144000" cy="6858000" type="screen4x3"/>
   <p:notesSz cx="6858000" cy="9144000"/>
@@ -2896,7 +2897,7 @@
               <a:pPr>
                 <a:defRPr/>
               </a:pPr>
-              <a:t>5/9/2012</a:t>
+              <a:t>5/16/2012</a:t>
             </a:fld>
             <a:endParaRPr lang="en-US" dirty="0"/>
           </a:p>
@@ -8481,13 +8482,7 @@
               <a:rPr lang="en-US" sz="2800" kern="0" dirty="0" smtClean="0">
                 <a:latin typeface="+mn-lt"/>
               </a:rPr>
-              <a:t> </a:t>
-            </a:r>
-            <a:r>
-              <a:rPr lang="en-US" sz="2800" kern="0" dirty="0" smtClean="0">
-                <a:latin typeface="+mn-lt"/>
-              </a:rPr>
-              <a:t>Quadrocopter is more suitable for Computer Engineering students who are not familiar with aerodynamic issue and mechanical design.</a:t>
+              <a:t> Quadrocopter is more suitable for Computer Engineering students who are not familiar with aerodynamic issue and mechanical design.</a:t>
             </a:r>
             <a:endParaRPr kumimoji="0" lang="en-US" sz="2400" b="0" i="0" u="none" strike="noStrike" kern="0" cap="none" spc="0" normalizeH="0" baseline="0" noProof="0" dirty="0" smtClean="0">
               <a:ln>
@@ -10375,92 +10370,29 @@
       </p:grpSpPr>
       <p:sp>
         <p:nvSpPr>
-          <p:cNvPr id="3" name="Content Placeholder 2"/>
+          <p:cNvPr id="2" name="Title 1"/>
           <p:cNvSpPr>
             <a:spLocks noGrp="1"/>
           </p:cNvSpPr>
           <p:nvPr>
-            <p:ph idx="1"/>
+            <p:ph type="title"/>
           </p:nvPr>
         </p:nvSpPr>
-        <p:spPr/>
+        <p:spPr>
+          <a:xfrm>
+            <a:off x="2971800" y="319088"/>
+            <a:ext cx="4876800" cy="563562"/>
+          </a:xfrm>
+        </p:spPr>
         <p:txBody>
           <a:bodyPr/>
           <a:lstStyle/>
           <a:p>
-            <a:r>
-              <a:rPr lang="en-US" b="1" dirty="0" smtClean="0"/>
-              <a:t>Quadrocopter:</a:t>
-            </a:r>
-          </a:p>
-          <a:p>
-            <a:pPr lvl="1"/>
+            <a:pPr algn="l"/>
             <a:r>
               <a:rPr lang="en-US" dirty="0" smtClean="0"/>
-              <a:t>Max speed &lt; 60 km/h under “good condition”(*)</a:t>
+              <a:t>System overview</a:t>
             </a:r>
-          </a:p>
-          <a:p>
-            <a:pPr lvl="1"/>
-            <a:r>
-              <a:rPr lang="en-US" dirty="0" smtClean="0"/>
-              <a:t>Can hover and keep stable in “light wind” (**)</a:t>
-            </a:r>
-          </a:p>
-          <a:p>
-            <a:pPr lvl="1"/>
-            <a:r>
-              <a:rPr lang="en-US" dirty="0" smtClean="0"/>
-              <a:t>Under good condition can capture stable video stream.</a:t>
-            </a:r>
-          </a:p>
-          <a:p>
-            <a:pPr lvl="1"/>
-            <a:r>
-              <a:rPr lang="en-US" dirty="0" smtClean="0"/>
-              <a:t>Can carry &gt;500 grams and hover &gt;30m high.</a:t>
-            </a:r>
-          </a:p>
-          <a:p>
-            <a:pPr lvl="1"/>
-            <a:r>
-              <a:rPr lang="en-US" dirty="0" smtClean="0"/>
-              <a:t>Batteries last ~15 minutes without carrying anything</a:t>
-            </a:r>
-          </a:p>
-          <a:p>
-            <a:pPr lvl="1" eaLnBrk="1" hangingPunct="1"/>
-            <a:endParaRPr lang="en-US" dirty="0" smtClean="0"/>
-          </a:p>
-          <a:p>
-            <a:pPr lvl="1" eaLnBrk="1" hangingPunct="1"/>
-            <a:r>
-              <a:rPr lang="en-US" sz="1200" dirty="0" smtClean="0"/>
-              <a:t>(*</a:t>
-            </a:r>
-            <a:r>
-              <a:rPr lang="en-US" sz="1200" dirty="0" smtClean="0">
-                <a:sym typeface="Wingdings" pitchFamily="2" charset="2"/>
-              </a:rPr>
-              <a:t>)</a:t>
-            </a:r>
-            <a:r>
-              <a:rPr lang="en-US" sz="1200" dirty="0" smtClean="0"/>
-              <a:t> good condition is a condition where wind speed ~ 0m/s, temperature 10 - 30 Celsius,  acceptable humidity.</a:t>
-            </a:r>
-          </a:p>
-          <a:p>
-            <a:pPr lvl="1" eaLnBrk="1" hangingPunct="1"/>
-            <a:r>
-              <a:rPr lang="en-US" sz="1200" dirty="0" smtClean="0"/>
-              <a:t>(**) what is “light wind” will be investigated during the project time.  </a:t>
-            </a:r>
-          </a:p>
-          <a:p>
-            <a:pPr lvl="1"/>
-            <a:endParaRPr lang="en-US" dirty="0" smtClean="0"/>
-          </a:p>
-          <a:p>
             <a:endParaRPr lang="en-US" dirty="0"/>
           </a:p>
         </p:txBody>
@@ -10494,38 +10426,33 @@
           </a:p>
         </p:txBody>
       </p:sp>
+      <p:pic>
+        <p:nvPicPr>
+          <p:cNvPr id="8" name="Picture 7" descr="logo_final.png"/>
+          <p:cNvPicPr>
+            <a:picLocks noChangeAspect="1"/>
+          </p:cNvPicPr>
+          <p:nvPr/>
+        </p:nvPicPr>
+        <p:blipFill>
+          <a:blip r:embed="rId2" cstate="print"/>
+          <a:stretch>
+            <a:fillRect/>
+          </a:stretch>
+        </p:blipFill>
+        <p:spPr>
+          <a:xfrm>
+            <a:off x="8001000" y="0"/>
+            <a:ext cx="1219200" cy="1219200"/>
+          </a:xfrm>
+          <a:prstGeom prst="rect">
+            <a:avLst/>
+          </a:prstGeom>
+        </p:spPr>
+      </p:pic>
       <p:sp>
         <p:nvSpPr>
-          <p:cNvPr id="10" name="Title 1"/>
-          <p:cNvSpPr>
-            <a:spLocks noGrp="1"/>
-          </p:cNvSpPr>
-          <p:nvPr>
-            <p:ph type="title"/>
-          </p:nvPr>
-        </p:nvSpPr>
-        <p:spPr>
-          <a:xfrm>
-            <a:off x="2971800" y="319088"/>
-            <a:ext cx="4876800" cy="563562"/>
-          </a:xfrm>
-        </p:spPr>
-        <p:txBody>
-          <a:bodyPr/>
-          <a:lstStyle/>
-          <a:p>
-            <a:pPr algn="l"/>
-            <a:r>
-              <a:rPr lang="en-US" dirty="0" smtClean="0"/>
-              <a:t>Quadrocopter</a:t>
-            </a:r>
-            <a:endParaRPr lang="en-US" dirty="0"/>
-          </a:p>
-        </p:txBody>
-      </p:sp>
-      <p:sp>
-        <p:nvSpPr>
-          <p:cNvPr id="11" name="Rounded Rectangle 10"/>
+          <p:cNvPr id="15" name="Rounded Rectangle 14"/>
           <p:cNvSpPr/>
           <p:nvPr/>
         </p:nvSpPr>
@@ -10570,26 +10497,66 @@
       </p:sp>
       <p:pic>
         <p:nvPicPr>
-          <p:cNvPr id="6" name="Picture 5" descr="logo_final.png"/>
+          <p:cNvPr id="1026" name="Picture 4"/>
           <p:cNvPicPr>
-            <a:picLocks noChangeAspect="1"/>
+            <a:picLocks noChangeAspect="1" noChangeArrowheads="1"/>
           </p:cNvPicPr>
           <p:nvPr/>
         </p:nvPicPr>
         <p:blipFill>
-          <a:blip r:embed="rId2" cstate="print"/>
+          <a:blip r:embed="rId3"/>
+          <a:srcRect/>
           <a:stretch>
             <a:fillRect/>
           </a:stretch>
         </p:blipFill>
-        <p:spPr>
+        <p:spPr bwMode="auto">
           <a:xfrm>
-            <a:off x="8001000" y="0"/>
-            <a:ext cx="1219200" cy="1219200"/>
+            <a:off x="549024" y="1752600"/>
+            <a:ext cx="8594976" cy="3581400"/>
           </a:xfrm>
           <a:prstGeom prst="rect">
             <a:avLst/>
           </a:prstGeom>
+          <a:noFill/>
+          <a:ln w="9525">
+            <a:noFill/>
+            <a:miter lim="800000"/>
+            <a:headEnd/>
+            <a:tailEnd/>
+          </a:ln>
+        </p:spPr>
+      </p:pic>
+      <p:pic>
+        <p:nvPicPr>
+          <p:cNvPr id="1027" name="Picture 5"/>
+          <p:cNvPicPr>
+            <a:picLocks noChangeAspect="1" noChangeArrowheads="1"/>
+          </p:cNvPicPr>
+          <p:nvPr/>
+        </p:nvPicPr>
+        <p:blipFill>
+          <a:blip r:embed="rId4"/>
+          <a:srcRect/>
+          <a:stretch>
+            <a:fillRect/>
+          </a:stretch>
+        </p:blipFill>
+        <p:spPr bwMode="auto">
+          <a:xfrm>
+            <a:off x="762000" y="3962400"/>
+            <a:ext cx="4166016" cy="2647950"/>
+          </a:xfrm>
+          <a:prstGeom prst="rect">
+            <a:avLst/>
+          </a:prstGeom>
+          <a:noFill/>
+          <a:ln w="9525">
+            <a:noFill/>
+            <a:miter lim="800000"/>
+            <a:headEnd/>
+            <a:tailEnd/>
+          </a:ln>
         </p:spPr>
       </p:pic>
     </p:spTree>
@@ -10639,6 +10606,79 @@
           <a:bodyPr/>
           <a:lstStyle/>
           <a:p>
+            <a:r>
+              <a:rPr lang="en-US" b="1" dirty="0" smtClean="0"/>
+              <a:t>Quadrocopter:</a:t>
+            </a:r>
+          </a:p>
+          <a:p>
+            <a:pPr lvl="1"/>
+            <a:r>
+              <a:rPr lang="en-US" dirty="0" smtClean="0"/>
+              <a:t>Max speed &lt; 60 km/h under “good condition”(*)</a:t>
+            </a:r>
+          </a:p>
+          <a:p>
+            <a:pPr lvl="1"/>
+            <a:r>
+              <a:rPr lang="en-US" dirty="0" smtClean="0"/>
+              <a:t>Can hover and keep stable in “light wind” (**)</a:t>
+            </a:r>
+          </a:p>
+          <a:p>
+            <a:pPr lvl="1"/>
+            <a:r>
+              <a:rPr lang="en-US" dirty="0" smtClean="0"/>
+              <a:t>Under good condition can capture stable video stream.</a:t>
+            </a:r>
+          </a:p>
+          <a:p>
+            <a:pPr lvl="1"/>
+            <a:r>
+              <a:rPr lang="en-US" dirty="0" smtClean="0"/>
+              <a:t>Can carry &gt;500 grams and hover &gt;30m high.</a:t>
+            </a:r>
+          </a:p>
+          <a:p>
+            <a:pPr lvl="1"/>
+            <a:r>
+              <a:rPr lang="en-US" dirty="0" smtClean="0"/>
+              <a:t>Batteries last ~15 minutes without carrying anything</a:t>
+            </a:r>
+          </a:p>
+          <a:p>
+            <a:pPr lvl="1" eaLnBrk="1" hangingPunct="1"/>
+            <a:endParaRPr lang="en-US" dirty="0" smtClean="0"/>
+          </a:p>
+          <a:p>
+            <a:pPr lvl="1" eaLnBrk="1" hangingPunct="1"/>
+            <a:r>
+              <a:rPr lang="en-US" sz="1200" dirty="0" smtClean="0"/>
+              <a:t>(*</a:t>
+            </a:r>
+            <a:r>
+              <a:rPr lang="en-US" sz="1200" dirty="0" smtClean="0">
+                <a:sym typeface="Wingdings" pitchFamily="2" charset="2"/>
+              </a:rPr>
+              <a:t>)</a:t>
+            </a:r>
+            <a:r>
+              <a:rPr lang="en-US" sz="1200" dirty="0" smtClean="0"/>
+              <a:t> good condition is a condition where wind speed ~ 0m/s, temperature 10 - 30 Celsius,  acceptable humidity.</a:t>
+            </a:r>
+          </a:p>
+          <a:p>
+            <a:pPr lvl="1" eaLnBrk="1" hangingPunct="1"/>
+            <a:r>
+              <a:rPr lang="en-US" sz="1200" dirty="0" smtClean="0"/>
+              <a:t>(**) what is “light wind” will be investigated during the project time.  </a:t>
+            </a:r>
+          </a:p>
+          <a:p>
+            <a:pPr lvl="1"/>
+            <a:endParaRPr lang="en-US" dirty="0" smtClean="0"/>
+          </a:p>
+          <a:p>
             <a:endParaRPr lang="en-US" dirty="0"/>
           </a:p>
         </p:txBody>
@@ -10667,6 +10707,184 @@
                 <a:defRPr/>
               </a:pPr>
               <a:t>15</a:t>
+            </a:fld>
+            <a:endParaRPr lang="en-US" dirty="0"/>
+          </a:p>
+        </p:txBody>
+      </p:sp>
+      <p:sp>
+        <p:nvSpPr>
+          <p:cNvPr id="10" name="Title 1"/>
+          <p:cNvSpPr>
+            <a:spLocks noGrp="1"/>
+          </p:cNvSpPr>
+          <p:nvPr>
+            <p:ph type="title"/>
+          </p:nvPr>
+        </p:nvSpPr>
+        <p:spPr>
+          <a:xfrm>
+            <a:off x="2971800" y="319088"/>
+            <a:ext cx="4876800" cy="563562"/>
+          </a:xfrm>
+        </p:spPr>
+        <p:txBody>
+          <a:bodyPr/>
+          <a:lstStyle/>
+          <a:p>
+            <a:pPr algn="l"/>
+            <a:r>
+              <a:rPr lang="en-US" dirty="0" smtClean="0"/>
+              <a:t>Quadrocopter</a:t>
+            </a:r>
+            <a:endParaRPr lang="en-US" dirty="0"/>
+          </a:p>
+        </p:txBody>
+      </p:sp>
+      <p:sp>
+        <p:nvSpPr>
+          <p:cNvPr id="11" name="Rounded Rectangle 10"/>
+          <p:cNvSpPr/>
+          <p:nvPr/>
+        </p:nvSpPr>
+        <p:spPr>
+          <a:xfrm>
+            <a:off x="304800" y="152400"/>
+            <a:ext cx="2667000" cy="838200"/>
+          </a:xfrm>
+          <a:prstGeom prst="roundRect">
+            <a:avLst/>
+          </a:prstGeom>
+          <a:solidFill>
+            <a:srgbClr val="7030A0"/>
+          </a:solidFill>
+        </p:spPr>
+        <p:style>
+          <a:lnRef idx="3">
+            <a:schemeClr val="lt1"/>
+          </a:lnRef>
+          <a:fillRef idx="1">
+            <a:schemeClr val="dk1"/>
+          </a:fillRef>
+          <a:effectRef idx="1">
+            <a:schemeClr val="dk1"/>
+          </a:effectRef>
+          <a:fontRef idx="minor">
+            <a:schemeClr val="lt1"/>
+          </a:fontRef>
+        </p:style>
+        <p:txBody>
+          <a:bodyPr rtlCol="0" anchor="ctr"/>
+          <a:lstStyle/>
+          <a:p>
+            <a:pPr algn="ctr"/>
+            <a:r>
+              <a:rPr lang="en-US" sz="4000" dirty="0" smtClean="0"/>
+              <a:t>Scope</a:t>
+            </a:r>
+            <a:endParaRPr lang="en-US" sz="4000" dirty="0"/>
+          </a:p>
+        </p:txBody>
+      </p:sp>
+      <p:pic>
+        <p:nvPicPr>
+          <p:cNvPr id="6" name="Picture 5" descr="logo_final.png"/>
+          <p:cNvPicPr>
+            <a:picLocks noChangeAspect="1"/>
+          </p:cNvPicPr>
+          <p:nvPr/>
+        </p:nvPicPr>
+        <p:blipFill>
+          <a:blip r:embed="rId2" cstate="print"/>
+          <a:stretch>
+            <a:fillRect/>
+          </a:stretch>
+        </p:blipFill>
+        <p:spPr>
+          <a:xfrm>
+            <a:off x="8001000" y="0"/>
+            <a:ext cx="1219200" cy="1219200"/>
+          </a:xfrm>
+          <a:prstGeom prst="rect">
+            <a:avLst/>
+          </a:prstGeom>
+        </p:spPr>
+      </p:pic>
+    </p:spTree>
+  </p:cSld>
+  <p:clrMapOvr>
+    <a:masterClrMapping/>
+  </p:clrMapOvr>
+  <p:timing>
+    <p:tnLst>
+      <p:par>
+        <p:cTn id="1" dur="indefinite" restart="never" nodeType="tmRoot"/>
+      </p:par>
+    </p:tnLst>
+  </p:timing>
+</p:sld>
+</file>
+
+<file path=ppt/slides/slide16.xml><?xml version="1.0" encoding="utf-8"?>
+<p:sld xmlns:a="http://schemas.openxmlformats.org/drawingml/2006/main" xmlns:r="http://schemas.openxmlformats.org/officeDocument/2006/relationships" xmlns:p="http://schemas.openxmlformats.org/presentationml/2006/main">
+  <p:cSld>
+    <p:spTree>
+      <p:nvGrpSpPr>
+        <p:cNvPr id="1" name=""/>
+        <p:cNvGrpSpPr/>
+        <p:nvPr/>
+      </p:nvGrpSpPr>
+      <p:grpSpPr>
+        <a:xfrm>
+          <a:off x="0" y="0"/>
+          <a:ext cx="0" cy="0"/>
+          <a:chOff x="0" y="0"/>
+          <a:chExt cx="0" cy="0"/>
+        </a:xfrm>
+      </p:grpSpPr>
+      <p:sp>
+        <p:nvSpPr>
+          <p:cNvPr id="3" name="Content Placeholder 2"/>
+          <p:cNvSpPr>
+            <a:spLocks noGrp="1"/>
+          </p:cNvSpPr>
+          <p:nvPr>
+            <p:ph idx="1"/>
+          </p:nvPr>
+        </p:nvSpPr>
+        <p:spPr/>
+        <p:txBody>
+          <a:bodyPr/>
+          <a:lstStyle/>
+          <a:p>
+            <a:endParaRPr lang="en-US" dirty="0"/>
+          </a:p>
+        </p:txBody>
+      </p:sp>
+      <p:sp>
+        <p:nvSpPr>
+          <p:cNvPr id="4" name="Slide Number Placeholder 3"/>
+          <p:cNvSpPr>
+            <a:spLocks noGrp="1"/>
+          </p:cNvSpPr>
+          <p:nvPr>
+            <p:ph type="sldNum" sz="quarter" idx="12"/>
+          </p:nvPr>
+        </p:nvSpPr>
+        <p:spPr/>
+        <p:txBody>
+          <a:bodyPr/>
+          <a:lstStyle/>
+          <a:p>
+            <a:pPr>
+              <a:defRPr/>
+            </a:pPr>
+            <a:fld id="{20C98071-8A9B-444A-806A-782BE84EBE4B}" type="slidenum">
+              <a:rPr lang="en-US" smtClean="0"/>
+              <a:pPr>
+                <a:defRPr/>
+              </a:pPr>
+              <a:t>16</a:t>
             </a:fld>
             <a:endParaRPr lang="en-US" dirty="0"/>
           </a:p>
@@ -10817,7 +11035,7 @@
 </p:sld>
 </file>
 
-<file path=ppt/slides/slide16.xml><?xml version="1.0" encoding="utf-8"?>
+<file path=ppt/slides/slide17.xml><?xml version="1.0" encoding="utf-8"?>
 <p:sld xmlns:a="http://schemas.openxmlformats.org/drawingml/2006/main" xmlns:r="http://schemas.openxmlformats.org/officeDocument/2006/relationships" xmlns:p="http://schemas.openxmlformats.org/presentationml/2006/main">
   <p:cSld>
     <p:spTree>
@@ -10918,7 +11136,7 @@
             <a:fld id="{DD4B9F40-BE4A-482E-AC11-0BCA25117457}" type="slidenum">
               <a:rPr lang="en-US" smtClean="0"/>
               <a:pPr/>
-              <a:t>16</a:t>
+              <a:t>17</a:t>
             </a:fld>
             <a:endParaRPr lang="en-US" dirty="0" smtClean="0"/>
           </a:p>
@@ -11037,7 +11255,7 @@
 </p:sld>
 </file>
 
-<file path=ppt/slides/slide17.xml><?xml version="1.0" encoding="utf-8"?>
+<file path=ppt/slides/slide18.xml><?xml version="1.0" encoding="utf-8"?>
 <p:sld xmlns:a="http://schemas.openxmlformats.org/drawingml/2006/main" xmlns:r="http://schemas.openxmlformats.org/officeDocument/2006/relationships" xmlns:p="http://schemas.openxmlformats.org/presentationml/2006/main">
   <p:cSld>
     <p:spTree>
@@ -11107,7 +11325,7 @@
             <a:fld id="{F9CAEF3E-DFC5-4437-9FE0-5D1A2F7BE344}" type="slidenum">
               <a:rPr lang="en-US" smtClean="0"/>
               <a:pPr/>
-              <a:t>17</a:t>
+              <a:t>18</a:t>
             </a:fld>
             <a:endParaRPr lang="en-US" dirty="0" smtClean="0"/>
           </a:p>
@@ -12541,7 +12759,7 @@
 </p:sld>
 </file>
 
-<file path=ppt/slides/slide18.xml><?xml version="1.0" encoding="utf-8"?>
+<file path=ppt/slides/slide19.xml><?xml version="1.0" encoding="utf-8"?>
 <p:sld xmlns:a="http://schemas.openxmlformats.org/drawingml/2006/main" xmlns:r="http://schemas.openxmlformats.org/officeDocument/2006/relationships" xmlns:p="http://schemas.openxmlformats.org/presentationml/2006/main">
   <p:cSld>
     <p:spTree>
@@ -12754,7 +12972,7 @@
               <a:pPr>
                 <a:defRPr/>
               </a:pPr>
-              <a:t>18</a:t>
+              <a:t>19</a:t>
             </a:fld>
             <a:endParaRPr lang="en-US" dirty="0"/>
           </a:p>
@@ -12873,7 +13091,1313 @@
 </p:sld>
 </file>
 
-<file path=ppt/slides/slide19.xml><?xml version="1.0" encoding="utf-8"?>
+<file path=ppt/slides/slide2.xml><?xml version="1.0" encoding="utf-8"?>
+<p:sld xmlns:a="http://schemas.openxmlformats.org/drawingml/2006/main" xmlns:r="http://schemas.openxmlformats.org/officeDocument/2006/relationships" xmlns:p="http://schemas.openxmlformats.org/presentationml/2006/main">
+  <p:cSld>
+    <p:spTree>
+      <p:nvGrpSpPr>
+        <p:cNvPr id="1" name=""/>
+        <p:cNvGrpSpPr/>
+        <p:nvPr/>
+      </p:nvGrpSpPr>
+      <p:grpSpPr>
+        <a:xfrm>
+          <a:off x="0" y="0"/>
+          <a:ext cx="0" cy="0"/>
+          <a:chOff x="0" y="0"/>
+          <a:chExt cx="0" cy="0"/>
+        </a:xfrm>
+      </p:grpSpPr>
+      <p:sp>
+        <p:nvSpPr>
+          <p:cNvPr id="4098" name="Rectangle 2"/>
+          <p:cNvSpPr>
+            <a:spLocks noGrp="1" noChangeArrowheads="1"/>
+          </p:cNvSpPr>
+          <p:nvPr>
+            <p:ph type="title"/>
+          </p:nvPr>
+        </p:nvSpPr>
+        <p:spPr/>
+        <p:txBody>
+          <a:bodyPr/>
+          <a:lstStyle/>
+          <a:p>
+            <a:pPr algn="l" eaLnBrk="1" hangingPunct="1"/>
+            <a:r>
+              <a:rPr lang="en-US" sz="4000" dirty="0" smtClean="0"/>
+              <a:t>Contents</a:t>
+            </a:r>
+            <a:endParaRPr lang="en-US" sz="2400" dirty="0" smtClean="0">
+              <a:solidFill>
+                <a:schemeClr val="accent1"/>
+              </a:solidFill>
+            </a:endParaRPr>
+          </a:p>
+        </p:txBody>
+      </p:sp>
+      <p:grpSp>
+        <p:nvGrpSpPr>
+          <p:cNvPr id="4099" name="Group 3"/>
+          <p:cNvGrpSpPr>
+            <a:grpSpLocks/>
+          </p:cNvGrpSpPr>
+          <p:nvPr/>
+        </p:nvGrpSpPr>
+        <p:grpSpPr bwMode="auto">
+          <a:xfrm>
+            <a:off x="1828800" y="1752600"/>
+            <a:ext cx="762000" cy="665163"/>
+            <a:chOff x="1110" y="2656"/>
+            <a:chExt cx="1549" cy="1351"/>
+          </a:xfrm>
+        </p:grpSpPr>
+        <p:sp>
+          <p:nvSpPr>
+            <p:cNvPr id="4132" name="AutoShape 4"/>
+            <p:cNvSpPr>
+              <a:spLocks noChangeArrowheads="1"/>
+            </p:cNvSpPr>
+            <p:nvPr/>
+          </p:nvSpPr>
+          <p:spPr bwMode="gray">
+            <a:xfrm>
+              <a:off x="1123" y="2679"/>
+              <a:ext cx="1536" cy="1328"/>
+            </a:xfrm>
+            <a:prstGeom prst="hexagon">
+              <a:avLst>
+                <a:gd name="adj" fmla="val 28916"/>
+                <a:gd name="vf" fmla="val 115470"/>
+              </a:avLst>
+            </a:prstGeom>
+            <a:solidFill>
+              <a:srgbClr val="808080"/>
+            </a:solidFill>
+            <a:ln w="9525">
+              <a:noFill/>
+              <a:miter lim="800000"/>
+              <a:headEnd/>
+              <a:tailEnd/>
+            </a:ln>
+          </p:spPr>
+          <p:txBody>
+            <a:bodyPr wrap="none" anchor="ctr"/>
+            <a:lstStyle/>
+            <a:p>
+              <a:endParaRPr lang="en-US" dirty="0"/>
+            </a:p>
+          </p:txBody>
+        </p:sp>
+        <p:sp>
+          <p:nvSpPr>
+            <p:cNvPr id="4133" name="AutoShape 5"/>
+            <p:cNvSpPr>
+              <a:spLocks noChangeArrowheads="1"/>
+            </p:cNvSpPr>
+            <p:nvPr/>
+          </p:nvSpPr>
+          <p:spPr bwMode="gray">
+            <a:xfrm>
+              <a:off x="1110" y="2656"/>
+              <a:ext cx="1536" cy="1328"/>
+            </a:xfrm>
+            <a:prstGeom prst="hexagon">
+              <a:avLst>
+                <a:gd name="adj" fmla="val 28916"/>
+                <a:gd name="vf" fmla="val 115470"/>
+              </a:avLst>
+            </a:prstGeom>
+            <a:gradFill rotWithShape="1">
+              <a:gsLst>
+                <a:gs pos="0">
+                  <a:srgbClr val="E6E6E6"/>
+                </a:gs>
+                <a:gs pos="7500">
+                  <a:srgbClr val="7D8496"/>
+                </a:gs>
+                <a:gs pos="26500">
+                  <a:srgbClr val="E6E6E6"/>
+                </a:gs>
+                <a:gs pos="34000">
+                  <a:srgbClr val="7D8496"/>
+                </a:gs>
+                <a:gs pos="46500">
+                  <a:srgbClr val="E6E6E6"/>
+                </a:gs>
+                <a:gs pos="50000">
+                  <a:srgbClr val="FFFFFF"/>
+                </a:gs>
+                <a:gs pos="53500">
+                  <a:srgbClr val="E6E6E6"/>
+                </a:gs>
+                <a:gs pos="66000">
+                  <a:srgbClr val="7D8496"/>
+                </a:gs>
+                <a:gs pos="73500">
+                  <a:srgbClr val="E6E6E6"/>
+                </a:gs>
+                <a:gs pos="92500">
+                  <a:srgbClr val="7D8496"/>
+                </a:gs>
+                <a:gs pos="100000">
+                  <a:srgbClr val="E6E6E6"/>
+                </a:gs>
+              </a:gsLst>
+              <a:lin ang="2700000" scaled="1"/>
+            </a:gradFill>
+            <a:ln w="9525">
+              <a:solidFill>
+                <a:srgbClr val="C0C0C0"/>
+              </a:solidFill>
+              <a:miter lim="800000"/>
+              <a:headEnd/>
+              <a:tailEnd/>
+            </a:ln>
+          </p:spPr>
+          <p:txBody>
+            <a:bodyPr wrap="none" anchor="ctr"/>
+            <a:lstStyle/>
+            <a:p>
+              <a:endParaRPr lang="en-US" dirty="0"/>
+            </a:p>
+          </p:txBody>
+        </p:sp>
+        <p:sp>
+          <p:nvSpPr>
+            <p:cNvPr id="40966" name="AutoShape 6"/>
+            <p:cNvSpPr>
+              <a:spLocks noChangeArrowheads="1"/>
+            </p:cNvSpPr>
+            <p:nvPr/>
+          </p:nvSpPr>
+          <p:spPr bwMode="gray">
+            <a:xfrm>
+              <a:off x="1200" y="2737"/>
+              <a:ext cx="1349" cy="1167"/>
+            </a:xfrm>
+            <a:prstGeom prst="hexagon">
+              <a:avLst>
+                <a:gd name="adj" fmla="val 28896"/>
+                <a:gd name="vf" fmla="val 115470"/>
+              </a:avLst>
+            </a:prstGeom>
+            <a:gradFill rotWithShape="1">
+              <a:gsLst>
+                <a:gs pos="0">
+                  <a:schemeClr val="hlink">
+                    <a:gamma/>
+                    <a:shade val="46275"/>
+                    <a:invGamma/>
+                  </a:schemeClr>
+                </a:gs>
+                <a:gs pos="100000">
+                  <a:schemeClr val="hlink"/>
+                </a:gs>
+              </a:gsLst>
+              <a:lin ang="2700000" scaled="1"/>
+            </a:gradFill>
+            <a:ln w="9525">
+              <a:solidFill>
+                <a:schemeClr val="tx1"/>
+              </a:solidFill>
+              <a:miter lim="800000"/>
+              <a:headEnd/>
+              <a:tailEnd/>
+            </a:ln>
+            <a:effectLst/>
+          </p:spPr>
+          <p:txBody>
+            <a:bodyPr wrap="none" anchor="ctr"/>
+            <a:lstStyle/>
+            <a:p>
+              <a:pPr>
+                <a:defRPr/>
+              </a:pPr>
+              <a:endParaRPr lang="en-US" dirty="0"/>
+            </a:p>
+          </p:txBody>
+        </p:sp>
+      </p:grpSp>
+      <p:grpSp>
+        <p:nvGrpSpPr>
+          <p:cNvPr id="4100" name="Group 7"/>
+          <p:cNvGrpSpPr>
+            <a:grpSpLocks/>
+          </p:cNvGrpSpPr>
+          <p:nvPr/>
+        </p:nvGrpSpPr>
+        <p:grpSpPr bwMode="auto">
+          <a:xfrm>
+            <a:off x="1828800" y="2667000"/>
+            <a:ext cx="762000" cy="665163"/>
+            <a:chOff x="3174" y="2656"/>
+            <a:chExt cx="1549" cy="1351"/>
+          </a:xfrm>
+        </p:grpSpPr>
+        <p:sp>
+          <p:nvSpPr>
+            <p:cNvPr id="4129" name="AutoShape 8"/>
+            <p:cNvSpPr>
+              <a:spLocks noChangeArrowheads="1"/>
+            </p:cNvSpPr>
+            <p:nvPr/>
+          </p:nvSpPr>
+          <p:spPr bwMode="gray">
+            <a:xfrm>
+              <a:off x="3187" y="2679"/>
+              <a:ext cx="1536" cy="1328"/>
+            </a:xfrm>
+            <a:prstGeom prst="hexagon">
+              <a:avLst>
+                <a:gd name="adj" fmla="val 28916"/>
+                <a:gd name="vf" fmla="val 115470"/>
+              </a:avLst>
+            </a:prstGeom>
+            <a:solidFill>
+              <a:srgbClr val="808080"/>
+            </a:solidFill>
+            <a:ln w="9525">
+              <a:noFill/>
+              <a:miter lim="800000"/>
+              <a:headEnd/>
+              <a:tailEnd/>
+            </a:ln>
+          </p:spPr>
+          <p:txBody>
+            <a:bodyPr wrap="none" anchor="ctr"/>
+            <a:lstStyle/>
+            <a:p>
+              <a:endParaRPr lang="en-US" dirty="0"/>
+            </a:p>
+          </p:txBody>
+        </p:sp>
+        <p:sp>
+          <p:nvSpPr>
+            <p:cNvPr id="4130" name="AutoShape 9"/>
+            <p:cNvSpPr>
+              <a:spLocks noChangeArrowheads="1"/>
+            </p:cNvSpPr>
+            <p:nvPr/>
+          </p:nvSpPr>
+          <p:spPr bwMode="gray">
+            <a:xfrm>
+              <a:off x="3174" y="2656"/>
+              <a:ext cx="1536" cy="1328"/>
+            </a:xfrm>
+            <a:prstGeom prst="hexagon">
+              <a:avLst>
+                <a:gd name="adj" fmla="val 28916"/>
+                <a:gd name="vf" fmla="val 115470"/>
+              </a:avLst>
+            </a:prstGeom>
+            <a:gradFill rotWithShape="1">
+              <a:gsLst>
+                <a:gs pos="0">
+                  <a:srgbClr val="E6E6E6"/>
+                </a:gs>
+                <a:gs pos="7500">
+                  <a:srgbClr val="7D8496"/>
+                </a:gs>
+                <a:gs pos="26500">
+                  <a:srgbClr val="E6E6E6"/>
+                </a:gs>
+                <a:gs pos="34000">
+                  <a:srgbClr val="7D8496"/>
+                </a:gs>
+                <a:gs pos="46500">
+                  <a:srgbClr val="E6E6E6"/>
+                </a:gs>
+                <a:gs pos="50000">
+                  <a:srgbClr val="FFFFFF"/>
+                </a:gs>
+                <a:gs pos="53500">
+                  <a:srgbClr val="E6E6E6"/>
+                </a:gs>
+                <a:gs pos="66000">
+                  <a:srgbClr val="7D8496"/>
+                </a:gs>
+                <a:gs pos="73500">
+                  <a:srgbClr val="E6E6E6"/>
+                </a:gs>
+                <a:gs pos="92500">
+                  <a:srgbClr val="7D8496"/>
+                </a:gs>
+                <a:gs pos="100000">
+                  <a:srgbClr val="E6E6E6"/>
+                </a:gs>
+              </a:gsLst>
+              <a:lin ang="2700000" scaled="1"/>
+            </a:gradFill>
+            <a:ln w="9525">
+              <a:solidFill>
+                <a:srgbClr val="C0C0C0"/>
+              </a:solidFill>
+              <a:miter lim="800000"/>
+              <a:headEnd/>
+              <a:tailEnd/>
+            </a:ln>
+          </p:spPr>
+          <p:txBody>
+            <a:bodyPr wrap="none" anchor="ctr"/>
+            <a:lstStyle/>
+            <a:p>
+              <a:endParaRPr lang="en-US" dirty="0"/>
+            </a:p>
+          </p:txBody>
+        </p:sp>
+        <p:sp>
+          <p:nvSpPr>
+            <p:cNvPr id="40970" name="AutoShape 10"/>
+            <p:cNvSpPr>
+              <a:spLocks noChangeArrowheads="1"/>
+            </p:cNvSpPr>
+            <p:nvPr/>
+          </p:nvSpPr>
+          <p:spPr bwMode="gray">
+            <a:xfrm>
+              <a:off x="3264" y="2737"/>
+              <a:ext cx="1349" cy="1167"/>
+            </a:xfrm>
+            <a:prstGeom prst="hexagon">
+              <a:avLst>
+                <a:gd name="adj" fmla="val 28896"/>
+                <a:gd name="vf" fmla="val 115470"/>
+              </a:avLst>
+            </a:prstGeom>
+            <a:gradFill rotWithShape="1">
+              <a:gsLst>
+                <a:gs pos="0">
+                  <a:schemeClr val="accent1">
+                    <a:gamma/>
+                    <a:shade val="46275"/>
+                    <a:invGamma/>
+                  </a:schemeClr>
+                </a:gs>
+                <a:gs pos="100000">
+                  <a:schemeClr val="accent1"/>
+                </a:gs>
+              </a:gsLst>
+              <a:lin ang="2700000" scaled="1"/>
+            </a:gradFill>
+            <a:ln w="9525">
+              <a:solidFill>
+                <a:schemeClr val="tx1"/>
+              </a:solidFill>
+              <a:miter lim="800000"/>
+              <a:headEnd/>
+              <a:tailEnd/>
+            </a:ln>
+            <a:effectLst/>
+          </p:spPr>
+          <p:txBody>
+            <a:bodyPr wrap="none" anchor="ctr"/>
+            <a:lstStyle/>
+            <a:p>
+              <a:pPr>
+                <a:defRPr/>
+              </a:pPr>
+              <a:endParaRPr lang="en-US" dirty="0"/>
+            </a:p>
+          </p:txBody>
+        </p:sp>
+      </p:grpSp>
+      <p:sp>
+        <p:nvSpPr>
+          <p:cNvPr id="4101" name="Line 11"/>
+          <p:cNvSpPr>
+            <a:spLocks noChangeShapeType="1"/>
+          </p:cNvSpPr>
+          <p:nvPr/>
+        </p:nvSpPr>
+        <p:spPr bwMode="auto">
+          <a:xfrm>
+            <a:off x="2438400" y="2362200"/>
+            <a:ext cx="4800600" cy="0"/>
+          </a:xfrm>
+          <a:prstGeom prst="line">
+            <a:avLst/>
+          </a:prstGeom>
+          <a:noFill/>
+          <a:ln w="25400">
+            <a:solidFill>
+              <a:srgbClr val="C0C0C0"/>
+            </a:solidFill>
+            <a:prstDash val="sysDot"/>
+            <a:round/>
+            <a:headEnd/>
+            <a:tailEnd type="oval" w="med" len="med"/>
+          </a:ln>
+        </p:spPr>
+        <p:txBody>
+          <a:bodyPr wrap="none" anchor="ctr"/>
+          <a:lstStyle/>
+          <a:p>
+            <a:endParaRPr lang="en-US" dirty="0"/>
+          </a:p>
+        </p:txBody>
+      </p:sp>
+      <p:sp>
+        <p:nvSpPr>
+          <p:cNvPr id="4102" name="Text Box 12"/>
+          <p:cNvSpPr txBox="1">
+            <a:spLocks noChangeArrowheads="1"/>
+          </p:cNvSpPr>
+          <p:nvPr/>
+        </p:nvSpPr>
+        <p:spPr bwMode="auto">
+          <a:xfrm>
+            <a:off x="3276600" y="1828800"/>
+            <a:ext cx="784189" cy="461665"/>
+          </a:xfrm>
+          <a:prstGeom prst="rect">
+            <a:avLst/>
+          </a:prstGeom>
+          <a:noFill/>
+          <a:ln w="9525" algn="ctr">
+            <a:noFill/>
+            <a:miter lim="800000"/>
+            <a:headEnd/>
+            <a:tailEnd/>
+          </a:ln>
+        </p:spPr>
+        <p:txBody>
+          <a:bodyPr wrap="none">
+            <a:spAutoFit/>
+          </a:bodyPr>
+          <a:lstStyle/>
+          <a:p>
+            <a:pPr eaLnBrk="0" hangingPunct="0"/>
+            <a:r>
+              <a:rPr lang="en-US" sz="2400" dirty="0" smtClean="0"/>
+              <a:t>Idea</a:t>
+            </a:r>
+            <a:endParaRPr lang="en-US" sz="2400" dirty="0"/>
+          </a:p>
+        </p:txBody>
+      </p:sp>
+      <p:sp>
+        <p:nvSpPr>
+          <p:cNvPr id="4103" name="Text Box 13"/>
+          <p:cNvSpPr txBox="1">
+            <a:spLocks noChangeArrowheads="1"/>
+          </p:cNvSpPr>
+          <p:nvPr/>
+        </p:nvSpPr>
+        <p:spPr bwMode="gray">
+          <a:xfrm>
+            <a:off x="2025650" y="1851025"/>
+            <a:ext cx="354013" cy="457200"/>
+          </a:xfrm>
+          <a:prstGeom prst="rect">
+            <a:avLst/>
+          </a:prstGeom>
+          <a:noFill/>
+          <a:ln w="9525" algn="ctr">
+            <a:noFill/>
+            <a:miter lim="800000"/>
+            <a:headEnd/>
+            <a:tailEnd/>
+          </a:ln>
+        </p:spPr>
+        <p:txBody>
+          <a:bodyPr wrap="none">
+            <a:spAutoFit/>
+          </a:bodyPr>
+          <a:lstStyle/>
+          <a:p>
+            <a:pPr algn="ctr" eaLnBrk="0" hangingPunct="0"/>
+            <a:r>
+              <a:rPr lang="en-US" sz="2400" b="1" dirty="0">
+                <a:solidFill>
+                  <a:schemeClr val="bg1"/>
+                </a:solidFill>
+              </a:rPr>
+              <a:t>1</a:t>
+            </a:r>
+          </a:p>
+        </p:txBody>
+      </p:sp>
+      <p:sp>
+        <p:nvSpPr>
+          <p:cNvPr id="4104" name="Line 14"/>
+          <p:cNvSpPr>
+            <a:spLocks noChangeShapeType="1"/>
+          </p:cNvSpPr>
+          <p:nvPr/>
+        </p:nvSpPr>
+        <p:spPr bwMode="auto">
+          <a:xfrm>
+            <a:off x="2438400" y="3276600"/>
+            <a:ext cx="4800600" cy="0"/>
+          </a:xfrm>
+          <a:prstGeom prst="line">
+            <a:avLst/>
+          </a:prstGeom>
+          <a:noFill/>
+          <a:ln w="25400">
+            <a:solidFill>
+              <a:srgbClr val="C0C0C0"/>
+            </a:solidFill>
+            <a:prstDash val="sysDot"/>
+            <a:round/>
+            <a:headEnd/>
+            <a:tailEnd type="oval" w="med" len="med"/>
+          </a:ln>
+        </p:spPr>
+        <p:txBody>
+          <a:bodyPr wrap="none" anchor="ctr"/>
+          <a:lstStyle/>
+          <a:p>
+            <a:endParaRPr lang="en-US" dirty="0"/>
+          </a:p>
+        </p:txBody>
+      </p:sp>
+      <p:sp>
+        <p:nvSpPr>
+          <p:cNvPr id="4105" name="Text Box 15"/>
+          <p:cNvSpPr txBox="1">
+            <a:spLocks noChangeArrowheads="1"/>
+          </p:cNvSpPr>
+          <p:nvPr/>
+        </p:nvSpPr>
+        <p:spPr bwMode="auto">
+          <a:xfrm>
+            <a:off x="3276600" y="2743200"/>
+            <a:ext cx="1468672" cy="461665"/>
+          </a:xfrm>
+          <a:prstGeom prst="rect">
+            <a:avLst/>
+          </a:prstGeom>
+          <a:noFill/>
+          <a:ln w="9525" algn="ctr">
+            <a:noFill/>
+            <a:miter lim="800000"/>
+            <a:headEnd/>
+            <a:tailEnd/>
+          </a:ln>
+        </p:spPr>
+        <p:txBody>
+          <a:bodyPr wrap="none">
+            <a:spAutoFit/>
+          </a:bodyPr>
+          <a:lstStyle/>
+          <a:p>
+            <a:pPr eaLnBrk="0" hangingPunct="0"/>
+            <a:r>
+              <a:rPr lang="en-US" sz="2400" dirty="0" smtClean="0"/>
+              <a:t>Overview</a:t>
+            </a:r>
+            <a:endParaRPr lang="en-US" sz="2400" dirty="0"/>
+          </a:p>
+        </p:txBody>
+      </p:sp>
+      <p:sp>
+        <p:nvSpPr>
+          <p:cNvPr id="4106" name="Text Box 16"/>
+          <p:cNvSpPr txBox="1">
+            <a:spLocks noChangeArrowheads="1"/>
+          </p:cNvSpPr>
+          <p:nvPr/>
+        </p:nvSpPr>
+        <p:spPr bwMode="gray">
+          <a:xfrm>
+            <a:off x="2025650" y="2765425"/>
+            <a:ext cx="354013" cy="457200"/>
+          </a:xfrm>
+          <a:prstGeom prst="rect">
+            <a:avLst/>
+          </a:prstGeom>
+          <a:noFill/>
+          <a:ln w="9525" algn="ctr">
+            <a:noFill/>
+            <a:miter lim="800000"/>
+            <a:headEnd/>
+            <a:tailEnd/>
+          </a:ln>
+        </p:spPr>
+        <p:txBody>
+          <a:bodyPr wrap="none">
+            <a:spAutoFit/>
+          </a:bodyPr>
+          <a:lstStyle/>
+          <a:p>
+            <a:pPr algn="ctr" eaLnBrk="0" hangingPunct="0"/>
+            <a:r>
+              <a:rPr lang="en-US" sz="2400" b="1" dirty="0">
+                <a:solidFill>
+                  <a:schemeClr val="bg1"/>
+                </a:solidFill>
+              </a:rPr>
+              <a:t>2</a:t>
+            </a:r>
+          </a:p>
+        </p:txBody>
+      </p:sp>
+      <p:grpSp>
+        <p:nvGrpSpPr>
+          <p:cNvPr id="4107" name="Group 17"/>
+          <p:cNvGrpSpPr>
+            <a:grpSpLocks/>
+          </p:cNvGrpSpPr>
+          <p:nvPr/>
+        </p:nvGrpSpPr>
+        <p:grpSpPr bwMode="auto">
+          <a:xfrm>
+            <a:off x="1828800" y="3559175"/>
+            <a:ext cx="762000" cy="665163"/>
+            <a:chOff x="1110" y="2656"/>
+            <a:chExt cx="1549" cy="1351"/>
+          </a:xfrm>
+        </p:grpSpPr>
+        <p:sp>
+          <p:nvSpPr>
+            <p:cNvPr id="4126" name="AutoShape 18"/>
+            <p:cNvSpPr>
+              <a:spLocks noChangeArrowheads="1"/>
+            </p:cNvSpPr>
+            <p:nvPr/>
+          </p:nvSpPr>
+          <p:spPr bwMode="gray">
+            <a:xfrm>
+              <a:off x="1123" y="2679"/>
+              <a:ext cx="1536" cy="1328"/>
+            </a:xfrm>
+            <a:prstGeom prst="hexagon">
+              <a:avLst>
+                <a:gd name="adj" fmla="val 28916"/>
+                <a:gd name="vf" fmla="val 115470"/>
+              </a:avLst>
+            </a:prstGeom>
+            <a:solidFill>
+              <a:srgbClr val="808080"/>
+            </a:solidFill>
+            <a:ln w="9525">
+              <a:noFill/>
+              <a:miter lim="800000"/>
+              <a:headEnd/>
+              <a:tailEnd/>
+            </a:ln>
+          </p:spPr>
+          <p:txBody>
+            <a:bodyPr wrap="none" anchor="ctr"/>
+            <a:lstStyle/>
+            <a:p>
+              <a:endParaRPr lang="en-US" dirty="0"/>
+            </a:p>
+          </p:txBody>
+        </p:sp>
+        <p:sp>
+          <p:nvSpPr>
+            <p:cNvPr id="4127" name="AutoShape 19"/>
+            <p:cNvSpPr>
+              <a:spLocks noChangeArrowheads="1"/>
+            </p:cNvSpPr>
+            <p:nvPr/>
+          </p:nvSpPr>
+          <p:spPr bwMode="gray">
+            <a:xfrm>
+              <a:off x="1110" y="2656"/>
+              <a:ext cx="1536" cy="1328"/>
+            </a:xfrm>
+            <a:prstGeom prst="hexagon">
+              <a:avLst>
+                <a:gd name="adj" fmla="val 28916"/>
+                <a:gd name="vf" fmla="val 115470"/>
+              </a:avLst>
+            </a:prstGeom>
+            <a:gradFill rotWithShape="1">
+              <a:gsLst>
+                <a:gs pos="0">
+                  <a:srgbClr val="E6E6E6"/>
+                </a:gs>
+                <a:gs pos="7500">
+                  <a:srgbClr val="7D8496"/>
+                </a:gs>
+                <a:gs pos="26500">
+                  <a:srgbClr val="E6E6E6"/>
+                </a:gs>
+                <a:gs pos="34000">
+                  <a:srgbClr val="7D8496"/>
+                </a:gs>
+                <a:gs pos="46500">
+                  <a:srgbClr val="E6E6E6"/>
+                </a:gs>
+                <a:gs pos="50000">
+                  <a:srgbClr val="FFFFFF"/>
+                </a:gs>
+                <a:gs pos="53500">
+                  <a:srgbClr val="E6E6E6"/>
+                </a:gs>
+                <a:gs pos="66000">
+                  <a:srgbClr val="7D8496"/>
+                </a:gs>
+                <a:gs pos="73500">
+                  <a:srgbClr val="E6E6E6"/>
+                </a:gs>
+                <a:gs pos="92500">
+                  <a:srgbClr val="7D8496"/>
+                </a:gs>
+                <a:gs pos="100000">
+                  <a:srgbClr val="E6E6E6"/>
+                </a:gs>
+              </a:gsLst>
+              <a:lin ang="2700000" scaled="1"/>
+            </a:gradFill>
+            <a:ln w="9525">
+              <a:solidFill>
+                <a:srgbClr val="C0C0C0"/>
+              </a:solidFill>
+              <a:miter lim="800000"/>
+              <a:headEnd/>
+              <a:tailEnd/>
+            </a:ln>
+          </p:spPr>
+          <p:txBody>
+            <a:bodyPr wrap="none" anchor="ctr"/>
+            <a:lstStyle/>
+            <a:p>
+              <a:endParaRPr lang="en-US" dirty="0"/>
+            </a:p>
+          </p:txBody>
+        </p:sp>
+        <p:sp>
+          <p:nvSpPr>
+            <p:cNvPr id="40980" name="AutoShape 20"/>
+            <p:cNvSpPr>
+              <a:spLocks noChangeArrowheads="1"/>
+            </p:cNvSpPr>
+            <p:nvPr/>
+          </p:nvSpPr>
+          <p:spPr bwMode="gray">
+            <a:xfrm>
+              <a:off x="1200" y="2737"/>
+              <a:ext cx="1349" cy="1167"/>
+            </a:xfrm>
+            <a:prstGeom prst="hexagon">
+              <a:avLst>
+                <a:gd name="adj" fmla="val 28896"/>
+                <a:gd name="vf" fmla="val 115470"/>
+              </a:avLst>
+            </a:prstGeom>
+            <a:gradFill rotWithShape="1">
+              <a:gsLst>
+                <a:gs pos="0">
+                  <a:schemeClr val="hlink">
+                    <a:gamma/>
+                    <a:shade val="46275"/>
+                    <a:invGamma/>
+                  </a:schemeClr>
+                </a:gs>
+                <a:gs pos="100000">
+                  <a:schemeClr val="hlink"/>
+                </a:gs>
+              </a:gsLst>
+              <a:lin ang="2700000" scaled="1"/>
+            </a:gradFill>
+            <a:ln w="9525">
+              <a:solidFill>
+                <a:schemeClr val="tx1"/>
+              </a:solidFill>
+              <a:miter lim="800000"/>
+              <a:headEnd/>
+              <a:tailEnd/>
+            </a:ln>
+            <a:effectLst/>
+          </p:spPr>
+          <p:txBody>
+            <a:bodyPr wrap="none" anchor="ctr"/>
+            <a:lstStyle/>
+            <a:p>
+              <a:pPr>
+                <a:defRPr/>
+              </a:pPr>
+              <a:endParaRPr lang="en-US" dirty="0"/>
+            </a:p>
+          </p:txBody>
+        </p:sp>
+      </p:grpSp>
+      <p:grpSp>
+        <p:nvGrpSpPr>
+          <p:cNvPr id="4108" name="Group 21"/>
+          <p:cNvGrpSpPr>
+            <a:grpSpLocks/>
+          </p:cNvGrpSpPr>
+          <p:nvPr/>
+        </p:nvGrpSpPr>
+        <p:grpSpPr bwMode="auto">
+          <a:xfrm>
+            <a:off x="1828800" y="4473575"/>
+            <a:ext cx="762000" cy="665163"/>
+            <a:chOff x="3174" y="2656"/>
+            <a:chExt cx="1549" cy="1351"/>
+          </a:xfrm>
+        </p:grpSpPr>
+        <p:sp>
+          <p:nvSpPr>
+            <p:cNvPr id="4123" name="AutoShape 22"/>
+            <p:cNvSpPr>
+              <a:spLocks noChangeArrowheads="1"/>
+            </p:cNvSpPr>
+            <p:nvPr/>
+          </p:nvSpPr>
+          <p:spPr bwMode="gray">
+            <a:xfrm>
+              <a:off x="3187" y="2679"/>
+              <a:ext cx="1536" cy="1328"/>
+            </a:xfrm>
+            <a:prstGeom prst="hexagon">
+              <a:avLst>
+                <a:gd name="adj" fmla="val 28916"/>
+                <a:gd name="vf" fmla="val 115470"/>
+              </a:avLst>
+            </a:prstGeom>
+            <a:solidFill>
+              <a:srgbClr val="808080"/>
+            </a:solidFill>
+            <a:ln w="9525">
+              <a:noFill/>
+              <a:miter lim="800000"/>
+              <a:headEnd/>
+              <a:tailEnd/>
+            </a:ln>
+          </p:spPr>
+          <p:txBody>
+            <a:bodyPr wrap="none" anchor="ctr"/>
+            <a:lstStyle/>
+            <a:p>
+              <a:endParaRPr lang="en-US" dirty="0"/>
+            </a:p>
+          </p:txBody>
+        </p:sp>
+        <p:sp>
+          <p:nvSpPr>
+            <p:cNvPr id="4124" name="AutoShape 23"/>
+            <p:cNvSpPr>
+              <a:spLocks noChangeArrowheads="1"/>
+            </p:cNvSpPr>
+            <p:nvPr/>
+          </p:nvSpPr>
+          <p:spPr bwMode="gray">
+            <a:xfrm>
+              <a:off x="3174" y="2656"/>
+              <a:ext cx="1536" cy="1328"/>
+            </a:xfrm>
+            <a:prstGeom prst="hexagon">
+              <a:avLst>
+                <a:gd name="adj" fmla="val 28916"/>
+                <a:gd name="vf" fmla="val 115470"/>
+              </a:avLst>
+            </a:prstGeom>
+            <a:gradFill rotWithShape="1">
+              <a:gsLst>
+                <a:gs pos="0">
+                  <a:srgbClr val="E6E6E6"/>
+                </a:gs>
+                <a:gs pos="7500">
+                  <a:srgbClr val="7D8496"/>
+                </a:gs>
+                <a:gs pos="26500">
+                  <a:srgbClr val="E6E6E6"/>
+                </a:gs>
+                <a:gs pos="34000">
+                  <a:srgbClr val="7D8496"/>
+                </a:gs>
+                <a:gs pos="46500">
+                  <a:srgbClr val="E6E6E6"/>
+                </a:gs>
+                <a:gs pos="50000">
+                  <a:srgbClr val="FFFFFF"/>
+                </a:gs>
+                <a:gs pos="53500">
+                  <a:srgbClr val="E6E6E6"/>
+                </a:gs>
+                <a:gs pos="66000">
+                  <a:srgbClr val="7D8496"/>
+                </a:gs>
+                <a:gs pos="73500">
+                  <a:srgbClr val="E6E6E6"/>
+                </a:gs>
+                <a:gs pos="92500">
+                  <a:srgbClr val="7D8496"/>
+                </a:gs>
+                <a:gs pos="100000">
+                  <a:srgbClr val="E6E6E6"/>
+                </a:gs>
+              </a:gsLst>
+              <a:lin ang="2700000" scaled="1"/>
+            </a:gradFill>
+            <a:ln w="9525">
+              <a:solidFill>
+                <a:srgbClr val="C0C0C0"/>
+              </a:solidFill>
+              <a:miter lim="800000"/>
+              <a:headEnd/>
+              <a:tailEnd/>
+            </a:ln>
+          </p:spPr>
+          <p:txBody>
+            <a:bodyPr wrap="none" anchor="ctr"/>
+            <a:lstStyle/>
+            <a:p>
+              <a:endParaRPr lang="en-US" dirty="0"/>
+            </a:p>
+          </p:txBody>
+        </p:sp>
+        <p:sp>
+          <p:nvSpPr>
+            <p:cNvPr id="40984" name="AutoShape 24"/>
+            <p:cNvSpPr>
+              <a:spLocks noChangeArrowheads="1"/>
+            </p:cNvSpPr>
+            <p:nvPr/>
+          </p:nvSpPr>
+          <p:spPr bwMode="gray">
+            <a:xfrm>
+              <a:off x="3264" y="2737"/>
+              <a:ext cx="1349" cy="1167"/>
+            </a:xfrm>
+            <a:prstGeom prst="hexagon">
+              <a:avLst>
+                <a:gd name="adj" fmla="val 28896"/>
+                <a:gd name="vf" fmla="val 115470"/>
+              </a:avLst>
+            </a:prstGeom>
+            <a:gradFill rotWithShape="1">
+              <a:gsLst>
+                <a:gs pos="0">
+                  <a:schemeClr val="accent1">
+                    <a:gamma/>
+                    <a:shade val="46275"/>
+                    <a:invGamma/>
+                  </a:schemeClr>
+                </a:gs>
+                <a:gs pos="100000">
+                  <a:schemeClr val="accent1"/>
+                </a:gs>
+              </a:gsLst>
+              <a:lin ang="2700000" scaled="1"/>
+            </a:gradFill>
+            <a:ln w="9525">
+              <a:solidFill>
+                <a:schemeClr val="tx1"/>
+              </a:solidFill>
+              <a:miter lim="800000"/>
+              <a:headEnd/>
+              <a:tailEnd/>
+            </a:ln>
+            <a:effectLst/>
+          </p:spPr>
+          <p:txBody>
+            <a:bodyPr wrap="none" anchor="ctr"/>
+            <a:lstStyle/>
+            <a:p>
+              <a:pPr>
+                <a:defRPr/>
+              </a:pPr>
+              <a:endParaRPr lang="en-US" dirty="0"/>
+            </a:p>
+          </p:txBody>
+        </p:sp>
+      </p:grpSp>
+      <p:sp>
+        <p:nvSpPr>
+          <p:cNvPr id="4109" name="Line 25"/>
+          <p:cNvSpPr>
+            <a:spLocks noChangeShapeType="1"/>
+          </p:cNvSpPr>
+          <p:nvPr/>
+        </p:nvSpPr>
+        <p:spPr bwMode="auto">
+          <a:xfrm>
+            <a:off x="2438400" y="4168775"/>
+            <a:ext cx="4800600" cy="0"/>
+          </a:xfrm>
+          <a:prstGeom prst="line">
+            <a:avLst/>
+          </a:prstGeom>
+          <a:noFill/>
+          <a:ln w="25400">
+            <a:solidFill>
+              <a:srgbClr val="C0C0C0"/>
+            </a:solidFill>
+            <a:prstDash val="sysDot"/>
+            <a:round/>
+            <a:headEnd/>
+            <a:tailEnd type="oval" w="med" len="med"/>
+          </a:ln>
+        </p:spPr>
+        <p:txBody>
+          <a:bodyPr wrap="none" anchor="ctr"/>
+          <a:lstStyle/>
+          <a:p>
+            <a:endParaRPr lang="en-US" dirty="0"/>
+          </a:p>
+        </p:txBody>
+      </p:sp>
+      <p:sp>
+        <p:nvSpPr>
+          <p:cNvPr id="4110" name="Text Box 26"/>
+          <p:cNvSpPr txBox="1">
+            <a:spLocks noChangeArrowheads="1"/>
+          </p:cNvSpPr>
+          <p:nvPr/>
+        </p:nvSpPr>
+        <p:spPr bwMode="auto">
+          <a:xfrm>
+            <a:off x="3276600" y="3635375"/>
+            <a:ext cx="1058303" cy="461665"/>
+          </a:xfrm>
+          <a:prstGeom prst="rect">
+            <a:avLst/>
+          </a:prstGeom>
+          <a:noFill/>
+          <a:ln w="9525" algn="ctr">
+            <a:noFill/>
+            <a:miter lim="800000"/>
+            <a:headEnd/>
+            <a:tailEnd/>
+          </a:ln>
+        </p:spPr>
+        <p:txBody>
+          <a:bodyPr wrap="none">
+            <a:spAutoFit/>
+          </a:bodyPr>
+          <a:lstStyle/>
+          <a:p>
+            <a:pPr eaLnBrk="0" hangingPunct="0"/>
+            <a:r>
+              <a:rPr lang="en-US" sz="2400" dirty="0" smtClean="0"/>
+              <a:t>Scope</a:t>
+            </a:r>
+            <a:endParaRPr lang="en-US" sz="2400" dirty="0"/>
+          </a:p>
+        </p:txBody>
+      </p:sp>
+      <p:sp>
+        <p:nvSpPr>
+          <p:cNvPr id="4111" name="Text Box 27"/>
+          <p:cNvSpPr txBox="1">
+            <a:spLocks noChangeArrowheads="1"/>
+          </p:cNvSpPr>
+          <p:nvPr/>
+        </p:nvSpPr>
+        <p:spPr bwMode="gray">
+          <a:xfrm>
+            <a:off x="2025650" y="3657600"/>
+            <a:ext cx="354013" cy="457200"/>
+          </a:xfrm>
+          <a:prstGeom prst="rect">
+            <a:avLst/>
+          </a:prstGeom>
+          <a:noFill/>
+          <a:ln w="9525" algn="ctr">
+            <a:noFill/>
+            <a:miter lim="800000"/>
+            <a:headEnd/>
+            <a:tailEnd/>
+          </a:ln>
+        </p:spPr>
+        <p:txBody>
+          <a:bodyPr wrap="none">
+            <a:spAutoFit/>
+          </a:bodyPr>
+          <a:lstStyle/>
+          <a:p>
+            <a:pPr algn="ctr" eaLnBrk="0" hangingPunct="0"/>
+            <a:r>
+              <a:rPr lang="en-US" sz="2400" b="1" dirty="0">
+                <a:solidFill>
+                  <a:schemeClr val="bg1"/>
+                </a:solidFill>
+              </a:rPr>
+              <a:t>3</a:t>
+            </a:r>
+          </a:p>
+        </p:txBody>
+      </p:sp>
+      <p:sp>
+        <p:nvSpPr>
+          <p:cNvPr id="4112" name="Line 28"/>
+          <p:cNvSpPr>
+            <a:spLocks noChangeShapeType="1"/>
+          </p:cNvSpPr>
+          <p:nvPr/>
+        </p:nvSpPr>
+        <p:spPr bwMode="auto">
+          <a:xfrm>
+            <a:off x="2438400" y="5083175"/>
+            <a:ext cx="4800600" cy="0"/>
+          </a:xfrm>
+          <a:prstGeom prst="line">
+            <a:avLst/>
+          </a:prstGeom>
+          <a:noFill/>
+          <a:ln w="25400">
+            <a:solidFill>
+              <a:srgbClr val="C0C0C0"/>
+            </a:solidFill>
+            <a:prstDash val="sysDot"/>
+            <a:round/>
+            <a:headEnd/>
+            <a:tailEnd type="oval" w="med" len="med"/>
+          </a:ln>
+        </p:spPr>
+        <p:txBody>
+          <a:bodyPr wrap="none" anchor="ctr"/>
+          <a:lstStyle/>
+          <a:p>
+            <a:endParaRPr lang="en-US" dirty="0"/>
+          </a:p>
+        </p:txBody>
+      </p:sp>
+      <p:sp>
+        <p:nvSpPr>
+          <p:cNvPr id="4113" name="Text Box 29"/>
+          <p:cNvSpPr txBox="1">
+            <a:spLocks noChangeArrowheads="1"/>
+          </p:cNvSpPr>
+          <p:nvPr/>
+        </p:nvSpPr>
+        <p:spPr bwMode="auto">
+          <a:xfrm>
+            <a:off x="3276600" y="4549775"/>
+            <a:ext cx="973343" cy="461665"/>
+          </a:xfrm>
+          <a:prstGeom prst="rect">
+            <a:avLst/>
+          </a:prstGeom>
+          <a:noFill/>
+          <a:ln w="9525" algn="ctr">
+            <a:noFill/>
+            <a:miter lim="800000"/>
+            <a:headEnd/>
+            <a:tailEnd/>
+          </a:ln>
+        </p:spPr>
+        <p:txBody>
+          <a:bodyPr wrap="none">
+            <a:spAutoFit/>
+          </a:bodyPr>
+          <a:lstStyle/>
+          <a:p>
+            <a:pPr eaLnBrk="0" hangingPunct="0"/>
+            <a:r>
+              <a:rPr lang="en-US" sz="2400" dirty="0" smtClean="0"/>
+              <a:t>Detail</a:t>
+            </a:r>
+            <a:endParaRPr lang="en-US" sz="2400" dirty="0"/>
+          </a:p>
+        </p:txBody>
+      </p:sp>
+      <p:sp>
+        <p:nvSpPr>
+          <p:cNvPr id="4114" name="Text Box 30"/>
+          <p:cNvSpPr txBox="1">
+            <a:spLocks noChangeArrowheads="1"/>
+          </p:cNvSpPr>
+          <p:nvPr/>
+        </p:nvSpPr>
+        <p:spPr bwMode="gray">
+          <a:xfrm>
+            <a:off x="2025650" y="4572000"/>
+            <a:ext cx="354013" cy="457200"/>
+          </a:xfrm>
+          <a:prstGeom prst="rect">
+            <a:avLst/>
+          </a:prstGeom>
+          <a:noFill/>
+          <a:ln w="9525" algn="ctr">
+            <a:noFill/>
+            <a:miter lim="800000"/>
+            <a:headEnd/>
+            <a:tailEnd/>
+          </a:ln>
+        </p:spPr>
+        <p:txBody>
+          <a:bodyPr wrap="none">
+            <a:spAutoFit/>
+          </a:bodyPr>
+          <a:lstStyle/>
+          <a:p>
+            <a:pPr algn="ctr" eaLnBrk="0" hangingPunct="0"/>
+            <a:r>
+              <a:rPr lang="en-US" sz="2400" b="1" dirty="0">
+                <a:solidFill>
+                  <a:schemeClr val="bg1"/>
+                </a:solidFill>
+              </a:rPr>
+              <a:t>4</a:t>
+            </a:r>
+          </a:p>
+        </p:txBody>
+      </p:sp>
+      <p:sp>
+        <p:nvSpPr>
+          <p:cNvPr id="4115" name="Slide Number Placeholder 32"/>
+          <p:cNvSpPr>
+            <a:spLocks noGrp="1"/>
+          </p:cNvSpPr>
+          <p:nvPr>
+            <p:ph type="sldNum" sz="quarter" idx="12"/>
+          </p:nvPr>
+        </p:nvSpPr>
+        <p:spPr>
+          <a:noFill/>
+        </p:spPr>
+        <p:txBody>
+          <a:bodyPr/>
+          <a:lstStyle/>
+          <a:p>
+            <a:fld id="{8E64E13D-8F49-4D86-B09B-1E00BF74E486}" type="slidenum">
+              <a:rPr lang="en-US" smtClean="0"/>
+              <a:pPr/>
+              <a:t>2</a:t>
+            </a:fld>
+            <a:endParaRPr lang="en-US" dirty="0" smtClean="0"/>
+          </a:p>
+        </p:txBody>
+      </p:sp>
+      <p:pic>
+        <p:nvPicPr>
+          <p:cNvPr id="33" name="Picture 32" descr="logo_final.png"/>
+          <p:cNvPicPr>
+            <a:picLocks noChangeAspect="1"/>
+          </p:cNvPicPr>
+          <p:nvPr/>
+        </p:nvPicPr>
+        <p:blipFill>
+          <a:blip r:embed="rId2" cstate="print"/>
+          <a:stretch>
+            <a:fillRect/>
+          </a:stretch>
+        </p:blipFill>
+        <p:spPr>
+          <a:xfrm>
+            <a:off x="8001000" y="0"/>
+            <a:ext cx="1219200" cy="1219200"/>
+          </a:xfrm>
+          <a:prstGeom prst="rect">
+            <a:avLst/>
+          </a:prstGeom>
+        </p:spPr>
+      </p:pic>
+    </p:spTree>
+  </p:cSld>
+  <p:clrMapOvr>
+    <a:masterClrMapping/>
+  </p:clrMapOvr>
+  <p:timing>
+    <p:tnLst>
+      <p:par>
+        <p:cTn id="1" dur="indefinite" restart="never" nodeType="tmRoot"/>
+      </p:par>
+    </p:tnLst>
+  </p:timing>
+</p:sld>
+</file>
+
+<file path=ppt/slides/slide20.xml><?xml version="1.0" encoding="utf-8"?>
 <p:sld xmlns:a="http://schemas.openxmlformats.org/drawingml/2006/main" xmlns:r="http://schemas.openxmlformats.org/officeDocument/2006/relationships" xmlns:p="http://schemas.openxmlformats.org/presentationml/2006/main">
   <p:cSld>
     <p:spTree>
@@ -12946,7 +14470,7 @@
               <a:pPr>
                 <a:defRPr/>
               </a:pPr>
-              <a:t>19</a:t>
+              <a:t>20</a:t>
             </a:fld>
             <a:endParaRPr lang="en-US" dirty="0"/>
           </a:p>
@@ -14124,1313 +15648,7 @@
 </p:sld>
 </file>
 
-<file path=ppt/slides/slide2.xml><?xml version="1.0" encoding="utf-8"?>
-<p:sld xmlns:a="http://schemas.openxmlformats.org/drawingml/2006/main" xmlns:r="http://schemas.openxmlformats.org/officeDocument/2006/relationships" xmlns:p="http://schemas.openxmlformats.org/presentationml/2006/main">
-  <p:cSld>
-    <p:spTree>
-      <p:nvGrpSpPr>
-        <p:cNvPr id="1" name=""/>
-        <p:cNvGrpSpPr/>
-        <p:nvPr/>
-      </p:nvGrpSpPr>
-      <p:grpSpPr>
-        <a:xfrm>
-          <a:off x="0" y="0"/>
-          <a:ext cx="0" cy="0"/>
-          <a:chOff x="0" y="0"/>
-          <a:chExt cx="0" cy="0"/>
-        </a:xfrm>
-      </p:grpSpPr>
-      <p:sp>
-        <p:nvSpPr>
-          <p:cNvPr id="4098" name="Rectangle 2"/>
-          <p:cNvSpPr>
-            <a:spLocks noGrp="1" noChangeArrowheads="1"/>
-          </p:cNvSpPr>
-          <p:nvPr>
-            <p:ph type="title"/>
-          </p:nvPr>
-        </p:nvSpPr>
-        <p:spPr/>
-        <p:txBody>
-          <a:bodyPr/>
-          <a:lstStyle/>
-          <a:p>
-            <a:pPr algn="l" eaLnBrk="1" hangingPunct="1"/>
-            <a:r>
-              <a:rPr lang="en-US" sz="4000" dirty="0" smtClean="0"/>
-              <a:t>Contents</a:t>
-            </a:r>
-            <a:endParaRPr lang="en-US" sz="2400" dirty="0" smtClean="0">
-              <a:solidFill>
-                <a:schemeClr val="accent1"/>
-              </a:solidFill>
-            </a:endParaRPr>
-          </a:p>
-        </p:txBody>
-      </p:sp>
-      <p:grpSp>
-        <p:nvGrpSpPr>
-          <p:cNvPr id="4099" name="Group 3"/>
-          <p:cNvGrpSpPr>
-            <a:grpSpLocks/>
-          </p:cNvGrpSpPr>
-          <p:nvPr/>
-        </p:nvGrpSpPr>
-        <p:grpSpPr bwMode="auto">
-          <a:xfrm>
-            <a:off x="1828800" y="1752600"/>
-            <a:ext cx="762000" cy="665163"/>
-            <a:chOff x="1110" y="2656"/>
-            <a:chExt cx="1549" cy="1351"/>
-          </a:xfrm>
-        </p:grpSpPr>
-        <p:sp>
-          <p:nvSpPr>
-            <p:cNvPr id="4132" name="AutoShape 4"/>
-            <p:cNvSpPr>
-              <a:spLocks noChangeArrowheads="1"/>
-            </p:cNvSpPr>
-            <p:nvPr/>
-          </p:nvSpPr>
-          <p:spPr bwMode="gray">
-            <a:xfrm>
-              <a:off x="1123" y="2679"/>
-              <a:ext cx="1536" cy="1328"/>
-            </a:xfrm>
-            <a:prstGeom prst="hexagon">
-              <a:avLst>
-                <a:gd name="adj" fmla="val 28916"/>
-                <a:gd name="vf" fmla="val 115470"/>
-              </a:avLst>
-            </a:prstGeom>
-            <a:solidFill>
-              <a:srgbClr val="808080"/>
-            </a:solidFill>
-            <a:ln w="9525">
-              <a:noFill/>
-              <a:miter lim="800000"/>
-              <a:headEnd/>
-              <a:tailEnd/>
-            </a:ln>
-          </p:spPr>
-          <p:txBody>
-            <a:bodyPr wrap="none" anchor="ctr"/>
-            <a:lstStyle/>
-            <a:p>
-              <a:endParaRPr lang="en-US" dirty="0"/>
-            </a:p>
-          </p:txBody>
-        </p:sp>
-        <p:sp>
-          <p:nvSpPr>
-            <p:cNvPr id="4133" name="AutoShape 5"/>
-            <p:cNvSpPr>
-              <a:spLocks noChangeArrowheads="1"/>
-            </p:cNvSpPr>
-            <p:nvPr/>
-          </p:nvSpPr>
-          <p:spPr bwMode="gray">
-            <a:xfrm>
-              <a:off x="1110" y="2656"/>
-              <a:ext cx="1536" cy="1328"/>
-            </a:xfrm>
-            <a:prstGeom prst="hexagon">
-              <a:avLst>
-                <a:gd name="adj" fmla="val 28916"/>
-                <a:gd name="vf" fmla="val 115470"/>
-              </a:avLst>
-            </a:prstGeom>
-            <a:gradFill rotWithShape="1">
-              <a:gsLst>
-                <a:gs pos="0">
-                  <a:srgbClr val="E6E6E6"/>
-                </a:gs>
-                <a:gs pos="7500">
-                  <a:srgbClr val="7D8496"/>
-                </a:gs>
-                <a:gs pos="26500">
-                  <a:srgbClr val="E6E6E6"/>
-                </a:gs>
-                <a:gs pos="34000">
-                  <a:srgbClr val="7D8496"/>
-                </a:gs>
-                <a:gs pos="46500">
-                  <a:srgbClr val="E6E6E6"/>
-                </a:gs>
-                <a:gs pos="50000">
-                  <a:srgbClr val="FFFFFF"/>
-                </a:gs>
-                <a:gs pos="53500">
-                  <a:srgbClr val="E6E6E6"/>
-                </a:gs>
-                <a:gs pos="66000">
-                  <a:srgbClr val="7D8496"/>
-                </a:gs>
-                <a:gs pos="73500">
-                  <a:srgbClr val="E6E6E6"/>
-                </a:gs>
-                <a:gs pos="92500">
-                  <a:srgbClr val="7D8496"/>
-                </a:gs>
-                <a:gs pos="100000">
-                  <a:srgbClr val="E6E6E6"/>
-                </a:gs>
-              </a:gsLst>
-              <a:lin ang="2700000" scaled="1"/>
-            </a:gradFill>
-            <a:ln w="9525">
-              <a:solidFill>
-                <a:srgbClr val="C0C0C0"/>
-              </a:solidFill>
-              <a:miter lim="800000"/>
-              <a:headEnd/>
-              <a:tailEnd/>
-            </a:ln>
-          </p:spPr>
-          <p:txBody>
-            <a:bodyPr wrap="none" anchor="ctr"/>
-            <a:lstStyle/>
-            <a:p>
-              <a:endParaRPr lang="en-US" dirty="0"/>
-            </a:p>
-          </p:txBody>
-        </p:sp>
-        <p:sp>
-          <p:nvSpPr>
-            <p:cNvPr id="40966" name="AutoShape 6"/>
-            <p:cNvSpPr>
-              <a:spLocks noChangeArrowheads="1"/>
-            </p:cNvSpPr>
-            <p:nvPr/>
-          </p:nvSpPr>
-          <p:spPr bwMode="gray">
-            <a:xfrm>
-              <a:off x="1200" y="2737"/>
-              <a:ext cx="1349" cy="1167"/>
-            </a:xfrm>
-            <a:prstGeom prst="hexagon">
-              <a:avLst>
-                <a:gd name="adj" fmla="val 28896"/>
-                <a:gd name="vf" fmla="val 115470"/>
-              </a:avLst>
-            </a:prstGeom>
-            <a:gradFill rotWithShape="1">
-              <a:gsLst>
-                <a:gs pos="0">
-                  <a:schemeClr val="hlink">
-                    <a:gamma/>
-                    <a:shade val="46275"/>
-                    <a:invGamma/>
-                  </a:schemeClr>
-                </a:gs>
-                <a:gs pos="100000">
-                  <a:schemeClr val="hlink"/>
-                </a:gs>
-              </a:gsLst>
-              <a:lin ang="2700000" scaled="1"/>
-            </a:gradFill>
-            <a:ln w="9525">
-              <a:solidFill>
-                <a:schemeClr val="tx1"/>
-              </a:solidFill>
-              <a:miter lim="800000"/>
-              <a:headEnd/>
-              <a:tailEnd/>
-            </a:ln>
-            <a:effectLst/>
-          </p:spPr>
-          <p:txBody>
-            <a:bodyPr wrap="none" anchor="ctr"/>
-            <a:lstStyle/>
-            <a:p>
-              <a:pPr>
-                <a:defRPr/>
-              </a:pPr>
-              <a:endParaRPr lang="en-US" dirty="0"/>
-            </a:p>
-          </p:txBody>
-        </p:sp>
-      </p:grpSp>
-      <p:grpSp>
-        <p:nvGrpSpPr>
-          <p:cNvPr id="4100" name="Group 7"/>
-          <p:cNvGrpSpPr>
-            <a:grpSpLocks/>
-          </p:cNvGrpSpPr>
-          <p:nvPr/>
-        </p:nvGrpSpPr>
-        <p:grpSpPr bwMode="auto">
-          <a:xfrm>
-            <a:off x="1828800" y="2667000"/>
-            <a:ext cx="762000" cy="665163"/>
-            <a:chOff x="3174" y="2656"/>
-            <a:chExt cx="1549" cy="1351"/>
-          </a:xfrm>
-        </p:grpSpPr>
-        <p:sp>
-          <p:nvSpPr>
-            <p:cNvPr id="4129" name="AutoShape 8"/>
-            <p:cNvSpPr>
-              <a:spLocks noChangeArrowheads="1"/>
-            </p:cNvSpPr>
-            <p:nvPr/>
-          </p:nvSpPr>
-          <p:spPr bwMode="gray">
-            <a:xfrm>
-              <a:off x="3187" y="2679"/>
-              <a:ext cx="1536" cy="1328"/>
-            </a:xfrm>
-            <a:prstGeom prst="hexagon">
-              <a:avLst>
-                <a:gd name="adj" fmla="val 28916"/>
-                <a:gd name="vf" fmla="val 115470"/>
-              </a:avLst>
-            </a:prstGeom>
-            <a:solidFill>
-              <a:srgbClr val="808080"/>
-            </a:solidFill>
-            <a:ln w="9525">
-              <a:noFill/>
-              <a:miter lim="800000"/>
-              <a:headEnd/>
-              <a:tailEnd/>
-            </a:ln>
-          </p:spPr>
-          <p:txBody>
-            <a:bodyPr wrap="none" anchor="ctr"/>
-            <a:lstStyle/>
-            <a:p>
-              <a:endParaRPr lang="en-US" dirty="0"/>
-            </a:p>
-          </p:txBody>
-        </p:sp>
-        <p:sp>
-          <p:nvSpPr>
-            <p:cNvPr id="4130" name="AutoShape 9"/>
-            <p:cNvSpPr>
-              <a:spLocks noChangeArrowheads="1"/>
-            </p:cNvSpPr>
-            <p:nvPr/>
-          </p:nvSpPr>
-          <p:spPr bwMode="gray">
-            <a:xfrm>
-              <a:off x="3174" y="2656"/>
-              <a:ext cx="1536" cy="1328"/>
-            </a:xfrm>
-            <a:prstGeom prst="hexagon">
-              <a:avLst>
-                <a:gd name="adj" fmla="val 28916"/>
-                <a:gd name="vf" fmla="val 115470"/>
-              </a:avLst>
-            </a:prstGeom>
-            <a:gradFill rotWithShape="1">
-              <a:gsLst>
-                <a:gs pos="0">
-                  <a:srgbClr val="E6E6E6"/>
-                </a:gs>
-                <a:gs pos="7500">
-                  <a:srgbClr val="7D8496"/>
-                </a:gs>
-                <a:gs pos="26500">
-                  <a:srgbClr val="E6E6E6"/>
-                </a:gs>
-                <a:gs pos="34000">
-                  <a:srgbClr val="7D8496"/>
-                </a:gs>
-                <a:gs pos="46500">
-                  <a:srgbClr val="E6E6E6"/>
-                </a:gs>
-                <a:gs pos="50000">
-                  <a:srgbClr val="FFFFFF"/>
-                </a:gs>
-                <a:gs pos="53500">
-                  <a:srgbClr val="E6E6E6"/>
-                </a:gs>
-                <a:gs pos="66000">
-                  <a:srgbClr val="7D8496"/>
-                </a:gs>
-                <a:gs pos="73500">
-                  <a:srgbClr val="E6E6E6"/>
-                </a:gs>
-                <a:gs pos="92500">
-                  <a:srgbClr val="7D8496"/>
-                </a:gs>
-                <a:gs pos="100000">
-                  <a:srgbClr val="E6E6E6"/>
-                </a:gs>
-              </a:gsLst>
-              <a:lin ang="2700000" scaled="1"/>
-            </a:gradFill>
-            <a:ln w="9525">
-              <a:solidFill>
-                <a:srgbClr val="C0C0C0"/>
-              </a:solidFill>
-              <a:miter lim="800000"/>
-              <a:headEnd/>
-              <a:tailEnd/>
-            </a:ln>
-          </p:spPr>
-          <p:txBody>
-            <a:bodyPr wrap="none" anchor="ctr"/>
-            <a:lstStyle/>
-            <a:p>
-              <a:endParaRPr lang="en-US" dirty="0"/>
-            </a:p>
-          </p:txBody>
-        </p:sp>
-        <p:sp>
-          <p:nvSpPr>
-            <p:cNvPr id="40970" name="AutoShape 10"/>
-            <p:cNvSpPr>
-              <a:spLocks noChangeArrowheads="1"/>
-            </p:cNvSpPr>
-            <p:nvPr/>
-          </p:nvSpPr>
-          <p:spPr bwMode="gray">
-            <a:xfrm>
-              <a:off x="3264" y="2737"/>
-              <a:ext cx="1349" cy="1167"/>
-            </a:xfrm>
-            <a:prstGeom prst="hexagon">
-              <a:avLst>
-                <a:gd name="adj" fmla="val 28896"/>
-                <a:gd name="vf" fmla="val 115470"/>
-              </a:avLst>
-            </a:prstGeom>
-            <a:gradFill rotWithShape="1">
-              <a:gsLst>
-                <a:gs pos="0">
-                  <a:schemeClr val="accent1">
-                    <a:gamma/>
-                    <a:shade val="46275"/>
-                    <a:invGamma/>
-                  </a:schemeClr>
-                </a:gs>
-                <a:gs pos="100000">
-                  <a:schemeClr val="accent1"/>
-                </a:gs>
-              </a:gsLst>
-              <a:lin ang="2700000" scaled="1"/>
-            </a:gradFill>
-            <a:ln w="9525">
-              <a:solidFill>
-                <a:schemeClr val="tx1"/>
-              </a:solidFill>
-              <a:miter lim="800000"/>
-              <a:headEnd/>
-              <a:tailEnd/>
-            </a:ln>
-            <a:effectLst/>
-          </p:spPr>
-          <p:txBody>
-            <a:bodyPr wrap="none" anchor="ctr"/>
-            <a:lstStyle/>
-            <a:p>
-              <a:pPr>
-                <a:defRPr/>
-              </a:pPr>
-              <a:endParaRPr lang="en-US" dirty="0"/>
-            </a:p>
-          </p:txBody>
-        </p:sp>
-      </p:grpSp>
-      <p:sp>
-        <p:nvSpPr>
-          <p:cNvPr id="4101" name="Line 11"/>
-          <p:cNvSpPr>
-            <a:spLocks noChangeShapeType="1"/>
-          </p:cNvSpPr>
-          <p:nvPr/>
-        </p:nvSpPr>
-        <p:spPr bwMode="auto">
-          <a:xfrm>
-            <a:off x="2438400" y="2362200"/>
-            <a:ext cx="4800600" cy="0"/>
-          </a:xfrm>
-          <a:prstGeom prst="line">
-            <a:avLst/>
-          </a:prstGeom>
-          <a:noFill/>
-          <a:ln w="25400">
-            <a:solidFill>
-              <a:srgbClr val="C0C0C0"/>
-            </a:solidFill>
-            <a:prstDash val="sysDot"/>
-            <a:round/>
-            <a:headEnd/>
-            <a:tailEnd type="oval" w="med" len="med"/>
-          </a:ln>
-        </p:spPr>
-        <p:txBody>
-          <a:bodyPr wrap="none" anchor="ctr"/>
-          <a:lstStyle/>
-          <a:p>
-            <a:endParaRPr lang="en-US" dirty="0"/>
-          </a:p>
-        </p:txBody>
-      </p:sp>
-      <p:sp>
-        <p:nvSpPr>
-          <p:cNvPr id="4102" name="Text Box 12"/>
-          <p:cNvSpPr txBox="1">
-            <a:spLocks noChangeArrowheads="1"/>
-          </p:cNvSpPr>
-          <p:nvPr/>
-        </p:nvSpPr>
-        <p:spPr bwMode="auto">
-          <a:xfrm>
-            <a:off x="3276600" y="1828800"/>
-            <a:ext cx="784189" cy="461665"/>
-          </a:xfrm>
-          <a:prstGeom prst="rect">
-            <a:avLst/>
-          </a:prstGeom>
-          <a:noFill/>
-          <a:ln w="9525" algn="ctr">
-            <a:noFill/>
-            <a:miter lim="800000"/>
-            <a:headEnd/>
-            <a:tailEnd/>
-          </a:ln>
-        </p:spPr>
-        <p:txBody>
-          <a:bodyPr wrap="none">
-            <a:spAutoFit/>
-          </a:bodyPr>
-          <a:lstStyle/>
-          <a:p>
-            <a:pPr eaLnBrk="0" hangingPunct="0"/>
-            <a:r>
-              <a:rPr lang="en-US" sz="2400" dirty="0" smtClean="0"/>
-              <a:t>Idea</a:t>
-            </a:r>
-            <a:endParaRPr lang="en-US" sz="2400" dirty="0"/>
-          </a:p>
-        </p:txBody>
-      </p:sp>
-      <p:sp>
-        <p:nvSpPr>
-          <p:cNvPr id="4103" name="Text Box 13"/>
-          <p:cNvSpPr txBox="1">
-            <a:spLocks noChangeArrowheads="1"/>
-          </p:cNvSpPr>
-          <p:nvPr/>
-        </p:nvSpPr>
-        <p:spPr bwMode="gray">
-          <a:xfrm>
-            <a:off x="2025650" y="1851025"/>
-            <a:ext cx="354013" cy="457200"/>
-          </a:xfrm>
-          <a:prstGeom prst="rect">
-            <a:avLst/>
-          </a:prstGeom>
-          <a:noFill/>
-          <a:ln w="9525" algn="ctr">
-            <a:noFill/>
-            <a:miter lim="800000"/>
-            <a:headEnd/>
-            <a:tailEnd/>
-          </a:ln>
-        </p:spPr>
-        <p:txBody>
-          <a:bodyPr wrap="none">
-            <a:spAutoFit/>
-          </a:bodyPr>
-          <a:lstStyle/>
-          <a:p>
-            <a:pPr algn="ctr" eaLnBrk="0" hangingPunct="0"/>
-            <a:r>
-              <a:rPr lang="en-US" sz="2400" b="1" dirty="0">
-                <a:solidFill>
-                  <a:schemeClr val="bg1"/>
-                </a:solidFill>
-              </a:rPr>
-              <a:t>1</a:t>
-            </a:r>
-          </a:p>
-        </p:txBody>
-      </p:sp>
-      <p:sp>
-        <p:nvSpPr>
-          <p:cNvPr id="4104" name="Line 14"/>
-          <p:cNvSpPr>
-            <a:spLocks noChangeShapeType="1"/>
-          </p:cNvSpPr>
-          <p:nvPr/>
-        </p:nvSpPr>
-        <p:spPr bwMode="auto">
-          <a:xfrm>
-            <a:off x="2438400" y="3276600"/>
-            <a:ext cx="4800600" cy="0"/>
-          </a:xfrm>
-          <a:prstGeom prst="line">
-            <a:avLst/>
-          </a:prstGeom>
-          <a:noFill/>
-          <a:ln w="25400">
-            <a:solidFill>
-              <a:srgbClr val="C0C0C0"/>
-            </a:solidFill>
-            <a:prstDash val="sysDot"/>
-            <a:round/>
-            <a:headEnd/>
-            <a:tailEnd type="oval" w="med" len="med"/>
-          </a:ln>
-        </p:spPr>
-        <p:txBody>
-          <a:bodyPr wrap="none" anchor="ctr"/>
-          <a:lstStyle/>
-          <a:p>
-            <a:endParaRPr lang="en-US" dirty="0"/>
-          </a:p>
-        </p:txBody>
-      </p:sp>
-      <p:sp>
-        <p:nvSpPr>
-          <p:cNvPr id="4105" name="Text Box 15"/>
-          <p:cNvSpPr txBox="1">
-            <a:spLocks noChangeArrowheads="1"/>
-          </p:cNvSpPr>
-          <p:nvPr/>
-        </p:nvSpPr>
-        <p:spPr bwMode="auto">
-          <a:xfrm>
-            <a:off x="3276600" y="2743200"/>
-            <a:ext cx="1468672" cy="461665"/>
-          </a:xfrm>
-          <a:prstGeom prst="rect">
-            <a:avLst/>
-          </a:prstGeom>
-          <a:noFill/>
-          <a:ln w="9525" algn="ctr">
-            <a:noFill/>
-            <a:miter lim="800000"/>
-            <a:headEnd/>
-            <a:tailEnd/>
-          </a:ln>
-        </p:spPr>
-        <p:txBody>
-          <a:bodyPr wrap="none">
-            <a:spAutoFit/>
-          </a:bodyPr>
-          <a:lstStyle/>
-          <a:p>
-            <a:pPr eaLnBrk="0" hangingPunct="0"/>
-            <a:r>
-              <a:rPr lang="en-US" sz="2400" dirty="0" smtClean="0"/>
-              <a:t>Overview</a:t>
-            </a:r>
-            <a:endParaRPr lang="en-US" sz="2400" dirty="0"/>
-          </a:p>
-        </p:txBody>
-      </p:sp>
-      <p:sp>
-        <p:nvSpPr>
-          <p:cNvPr id="4106" name="Text Box 16"/>
-          <p:cNvSpPr txBox="1">
-            <a:spLocks noChangeArrowheads="1"/>
-          </p:cNvSpPr>
-          <p:nvPr/>
-        </p:nvSpPr>
-        <p:spPr bwMode="gray">
-          <a:xfrm>
-            <a:off x="2025650" y="2765425"/>
-            <a:ext cx="354013" cy="457200"/>
-          </a:xfrm>
-          <a:prstGeom prst="rect">
-            <a:avLst/>
-          </a:prstGeom>
-          <a:noFill/>
-          <a:ln w="9525" algn="ctr">
-            <a:noFill/>
-            <a:miter lim="800000"/>
-            <a:headEnd/>
-            <a:tailEnd/>
-          </a:ln>
-        </p:spPr>
-        <p:txBody>
-          <a:bodyPr wrap="none">
-            <a:spAutoFit/>
-          </a:bodyPr>
-          <a:lstStyle/>
-          <a:p>
-            <a:pPr algn="ctr" eaLnBrk="0" hangingPunct="0"/>
-            <a:r>
-              <a:rPr lang="en-US" sz="2400" b="1" dirty="0">
-                <a:solidFill>
-                  <a:schemeClr val="bg1"/>
-                </a:solidFill>
-              </a:rPr>
-              <a:t>2</a:t>
-            </a:r>
-          </a:p>
-        </p:txBody>
-      </p:sp>
-      <p:grpSp>
-        <p:nvGrpSpPr>
-          <p:cNvPr id="4107" name="Group 17"/>
-          <p:cNvGrpSpPr>
-            <a:grpSpLocks/>
-          </p:cNvGrpSpPr>
-          <p:nvPr/>
-        </p:nvGrpSpPr>
-        <p:grpSpPr bwMode="auto">
-          <a:xfrm>
-            <a:off x="1828800" y="3559175"/>
-            <a:ext cx="762000" cy="665163"/>
-            <a:chOff x="1110" y="2656"/>
-            <a:chExt cx="1549" cy="1351"/>
-          </a:xfrm>
-        </p:grpSpPr>
-        <p:sp>
-          <p:nvSpPr>
-            <p:cNvPr id="4126" name="AutoShape 18"/>
-            <p:cNvSpPr>
-              <a:spLocks noChangeArrowheads="1"/>
-            </p:cNvSpPr>
-            <p:nvPr/>
-          </p:nvSpPr>
-          <p:spPr bwMode="gray">
-            <a:xfrm>
-              <a:off x="1123" y="2679"/>
-              <a:ext cx="1536" cy="1328"/>
-            </a:xfrm>
-            <a:prstGeom prst="hexagon">
-              <a:avLst>
-                <a:gd name="adj" fmla="val 28916"/>
-                <a:gd name="vf" fmla="val 115470"/>
-              </a:avLst>
-            </a:prstGeom>
-            <a:solidFill>
-              <a:srgbClr val="808080"/>
-            </a:solidFill>
-            <a:ln w="9525">
-              <a:noFill/>
-              <a:miter lim="800000"/>
-              <a:headEnd/>
-              <a:tailEnd/>
-            </a:ln>
-          </p:spPr>
-          <p:txBody>
-            <a:bodyPr wrap="none" anchor="ctr"/>
-            <a:lstStyle/>
-            <a:p>
-              <a:endParaRPr lang="en-US" dirty="0"/>
-            </a:p>
-          </p:txBody>
-        </p:sp>
-        <p:sp>
-          <p:nvSpPr>
-            <p:cNvPr id="4127" name="AutoShape 19"/>
-            <p:cNvSpPr>
-              <a:spLocks noChangeArrowheads="1"/>
-            </p:cNvSpPr>
-            <p:nvPr/>
-          </p:nvSpPr>
-          <p:spPr bwMode="gray">
-            <a:xfrm>
-              <a:off x="1110" y="2656"/>
-              <a:ext cx="1536" cy="1328"/>
-            </a:xfrm>
-            <a:prstGeom prst="hexagon">
-              <a:avLst>
-                <a:gd name="adj" fmla="val 28916"/>
-                <a:gd name="vf" fmla="val 115470"/>
-              </a:avLst>
-            </a:prstGeom>
-            <a:gradFill rotWithShape="1">
-              <a:gsLst>
-                <a:gs pos="0">
-                  <a:srgbClr val="E6E6E6"/>
-                </a:gs>
-                <a:gs pos="7500">
-                  <a:srgbClr val="7D8496"/>
-                </a:gs>
-                <a:gs pos="26500">
-                  <a:srgbClr val="E6E6E6"/>
-                </a:gs>
-                <a:gs pos="34000">
-                  <a:srgbClr val="7D8496"/>
-                </a:gs>
-                <a:gs pos="46500">
-                  <a:srgbClr val="E6E6E6"/>
-                </a:gs>
-                <a:gs pos="50000">
-                  <a:srgbClr val="FFFFFF"/>
-                </a:gs>
-                <a:gs pos="53500">
-                  <a:srgbClr val="E6E6E6"/>
-                </a:gs>
-                <a:gs pos="66000">
-                  <a:srgbClr val="7D8496"/>
-                </a:gs>
-                <a:gs pos="73500">
-                  <a:srgbClr val="E6E6E6"/>
-                </a:gs>
-                <a:gs pos="92500">
-                  <a:srgbClr val="7D8496"/>
-                </a:gs>
-                <a:gs pos="100000">
-                  <a:srgbClr val="E6E6E6"/>
-                </a:gs>
-              </a:gsLst>
-              <a:lin ang="2700000" scaled="1"/>
-            </a:gradFill>
-            <a:ln w="9525">
-              <a:solidFill>
-                <a:srgbClr val="C0C0C0"/>
-              </a:solidFill>
-              <a:miter lim="800000"/>
-              <a:headEnd/>
-              <a:tailEnd/>
-            </a:ln>
-          </p:spPr>
-          <p:txBody>
-            <a:bodyPr wrap="none" anchor="ctr"/>
-            <a:lstStyle/>
-            <a:p>
-              <a:endParaRPr lang="en-US" dirty="0"/>
-            </a:p>
-          </p:txBody>
-        </p:sp>
-        <p:sp>
-          <p:nvSpPr>
-            <p:cNvPr id="40980" name="AutoShape 20"/>
-            <p:cNvSpPr>
-              <a:spLocks noChangeArrowheads="1"/>
-            </p:cNvSpPr>
-            <p:nvPr/>
-          </p:nvSpPr>
-          <p:spPr bwMode="gray">
-            <a:xfrm>
-              <a:off x="1200" y="2737"/>
-              <a:ext cx="1349" cy="1167"/>
-            </a:xfrm>
-            <a:prstGeom prst="hexagon">
-              <a:avLst>
-                <a:gd name="adj" fmla="val 28896"/>
-                <a:gd name="vf" fmla="val 115470"/>
-              </a:avLst>
-            </a:prstGeom>
-            <a:gradFill rotWithShape="1">
-              <a:gsLst>
-                <a:gs pos="0">
-                  <a:schemeClr val="hlink">
-                    <a:gamma/>
-                    <a:shade val="46275"/>
-                    <a:invGamma/>
-                  </a:schemeClr>
-                </a:gs>
-                <a:gs pos="100000">
-                  <a:schemeClr val="hlink"/>
-                </a:gs>
-              </a:gsLst>
-              <a:lin ang="2700000" scaled="1"/>
-            </a:gradFill>
-            <a:ln w="9525">
-              <a:solidFill>
-                <a:schemeClr val="tx1"/>
-              </a:solidFill>
-              <a:miter lim="800000"/>
-              <a:headEnd/>
-              <a:tailEnd/>
-            </a:ln>
-            <a:effectLst/>
-          </p:spPr>
-          <p:txBody>
-            <a:bodyPr wrap="none" anchor="ctr"/>
-            <a:lstStyle/>
-            <a:p>
-              <a:pPr>
-                <a:defRPr/>
-              </a:pPr>
-              <a:endParaRPr lang="en-US" dirty="0"/>
-            </a:p>
-          </p:txBody>
-        </p:sp>
-      </p:grpSp>
-      <p:grpSp>
-        <p:nvGrpSpPr>
-          <p:cNvPr id="4108" name="Group 21"/>
-          <p:cNvGrpSpPr>
-            <a:grpSpLocks/>
-          </p:cNvGrpSpPr>
-          <p:nvPr/>
-        </p:nvGrpSpPr>
-        <p:grpSpPr bwMode="auto">
-          <a:xfrm>
-            <a:off x="1828800" y="4473575"/>
-            <a:ext cx="762000" cy="665163"/>
-            <a:chOff x="3174" y="2656"/>
-            <a:chExt cx="1549" cy="1351"/>
-          </a:xfrm>
-        </p:grpSpPr>
-        <p:sp>
-          <p:nvSpPr>
-            <p:cNvPr id="4123" name="AutoShape 22"/>
-            <p:cNvSpPr>
-              <a:spLocks noChangeArrowheads="1"/>
-            </p:cNvSpPr>
-            <p:nvPr/>
-          </p:nvSpPr>
-          <p:spPr bwMode="gray">
-            <a:xfrm>
-              <a:off x="3187" y="2679"/>
-              <a:ext cx="1536" cy="1328"/>
-            </a:xfrm>
-            <a:prstGeom prst="hexagon">
-              <a:avLst>
-                <a:gd name="adj" fmla="val 28916"/>
-                <a:gd name="vf" fmla="val 115470"/>
-              </a:avLst>
-            </a:prstGeom>
-            <a:solidFill>
-              <a:srgbClr val="808080"/>
-            </a:solidFill>
-            <a:ln w="9525">
-              <a:noFill/>
-              <a:miter lim="800000"/>
-              <a:headEnd/>
-              <a:tailEnd/>
-            </a:ln>
-          </p:spPr>
-          <p:txBody>
-            <a:bodyPr wrap="none" anchor="ctr"/>
-            <a:lstStyle/>
-            <a:p>
-              <a:endParaRPr lang="en-US" dirty="0"/>
-            </a:p>
-          </p:txBody>
-        </p:sp>
-        <p:sp>
-          <p:nvSpPr>
-            <p:cNvPr id="4124" name="AutoShape 23"/>
-            <p:cNvSpPr>
-              <a:spLocks noChangeArrowheads="1"/>
-            </p:cNvSpPr>
-            <p:nvPr/>
-          </p:nvSpPr>
-          <p:spPr bwMode="gray">
-            <a:xfrm>
-              <a:off x="3174" y="2656"/>
-              <a:ext cx="1536" cy="1328"/>
-            </a:xfrm>
-            <a:prstGeom prst="hexagon">
-              <a:avLst>
-                <a:gd name="adj" fmla="val 28916"/>
-                <a:gd name="vf" fmla="val 115470"/>
-              </a:avLst>
-            </a:prstGeom>
-            <a:gradFill rotWithShape="1">
-              <a:gsLst>
-                <a:gs pos="0">
-                  <a:srgbClr val="E6E6E6"/>
-                </a:gs>
-                <a:gs pos="7500">
-                  <a:srgbClr val="7D8496"/>
-                </a:gs>
-                <a:gs pos="26500">
-                  <a:srgbClr val="E6E6E6"/>
-                </a:gs>
-                <a:gs pos="34000">
-                  <a:srgbClr val="7D8496"/>
-                </a:gs>
-                <a:gs pos="46500">
-                  <a:srgbClr val="E6E6E6"/>
-                </a:gs>
-                <a:gs pos="50000">
-                  <a:srgbClr val="FFFFFF"/>
-                </a:gs>
-                <a:gs pos="53500">
-                  <a:srgbClr val="E6E6E6"/>
-                </a:gs>
-                <a:gs pos="66000">
-                  <a:srgbClr val="7D8496"/>
-                </a:gs>
-                <a:gs pos="73500">
-                  <a:srgbClr val="E6E6E6"/>
-                </a:gs>
-                <a:gs pos="92500">
-                  <a:srgbClr val="7D8496"/>
-                </a:gs>
-                <a:gs pos="100000">
-                  <a:srgbClr val="E6E6E6"/>
-                </a:gs>
-              </a:gsLst>
-              <a:lin ang="2700000" scaled="1"/>
-            </a:gradFill>
-            <a:ln w="9525">
-              <a:solidFill>
-                <a:srgbClr val="C0C0C0"/>
-              </a:solidFill>
-              <a:miter lim="800000"/>
-              <a:headEnd/>
-              <a:tailEnd/>
-            </a:ln>
-          </p:spPr>
-          <p:txBody>
-            <a:bodyPr wrap="none" anchor="ctr"/>
-            <a:lstStyle/>
-            <a:p>
-              <a:endParaRPr lang="en-US" dirty="0"/>
-            </a:p>
-          </p:txBody>
-        </p:sp>
-        <p:sp>
-          <p:nvSpPr>
-            <p:cNvPr id="40984" name="AutoShape 24"/>
-            <p:cNvSpPr>
-              <a:spLocks noChangeArrowheads="1"/>
-            </p:cNvSpPr>
-            <p:nvPr/>
-          </p:nvSpPr>
-          <p:spPr bwMode="gray">
-            <a:xfrm>
-              <a:off x="3264" y="2737"/>
-              <a:ext cx="1349" cy="1167"/>
-            </a:xfrm>
-            <a:prstGeom prst="hexagon">
-              <a:avLst>
-                <a:gd name="adj" fmla="val 28896"/>
-                <a:gd name="vf" fmla="val 115470"/>
-              </a:avLst>
-            </a:prstGeom>
-            <a:gradFill rotWithShape="1">
-              <a:gsLst>
-                <a:gs pos="0">
-                  <a:schemeClr val="accent1">
-                    <a:gamma/>
-                    <a:shade val="46275"/>
-                    <a:invGamma/>
-                  </a:schemeClr>
-                </a:gs>
-                <a:gs pos="100000">
-                  <a:schemeClr val="accent1"/>
-                </a:gs>
-              </a:gsLst>
-              <a:lin ang="2700000" scaled="1"/>
-            </a:gradFill>
-            <a:ln w="9525">
-              <a:solidFill>
-                <a:schemeClr val="tx1"/>
-              </a:solidFill>
-              <a:miter lim="800000"/>
-              <a:headEnd/>
-              <a:tailEnd/>
-            </a:ln>
-            <a:effectLst/>
-          </p:spPr>
-          <p:txBody>
-            <a:bodyPr wrap="none" anchor="ctr"/>
-            <a:lstStyle/>
-            <a:p>
-              <a:pPr>
-                <a:defRPr/>
-              </a:pPr>
-              <a:endParaRPr lang="en-US" dirty="0"/>
-            </a:p>
-          </p:txBody>
-        </p:sp>
-      </p:grpSp>
-      <p:sp>
-        <p:nvSpPr>
-          <p:cNvPr id="4109" name="Line 25"/>
-          <p:cNvSpPr>
-            <a:spLocks noChangeShapeType="1"/>
-          </p:cNvSpPr>
-          <p:nvPr/>
-        </p:nvSpPr>
-        <p:spPr bwMode="auto">
-          <a:xfrm>
-            <a:off x="2438400" y="4168775"/>
-            <a:ext cx="4800600" cy="0"/>
-          </a:xfrm>
-          <a:prstGeom prst="line">
-            <a:avLst/>
-          </a:prstGeom>
-          <a:noFill/>
-          <a:ln w="25400">
-            <a:solidFill>
-              <a:srgbClr val="C0C0C0"/>
-            </a:solidFill>
-            <a:prstDash val="sysDot"/>
-            <a:round/>
-            <a:headEnd/>
-            <a:tailEnd type="oval" w="med" len="med"/>
-          </a:ln>
-        </p:spPr>
-        <p:txBody>
-          <a:bodyPr wrap="none" anchor="ctr"/>
-          <a:lstStyle/>
-          <a:p>
-            <a:endParaRPr lang="en-US" dirty="0"/>
-          </a:p>
-        </p:txBody>
-      </p:sp>
-      <p:sp>
-        <p:nvSpPr>
-          <p:cNvPr id="4110" name="Text Box 26"/>
-          <p:cNvSpPr txBox="1">
-            <a:spLocks noChangeArrowheads="1"/>
-          </p:cNvSpPr>
-          <p:nvPr/>
-        </p:nvSpPr>
-        <p:spPr bwMode="auto">
-          <a:xfrm>
-            <a:off x="3276600" y="3635375"/>
-            <a:ext cx="1058303" cy="461665"/>
-          </a:xfrm>
-          <a:prstGeom prst="rect">
-            <a:avLst/>
-          </a:prstGeom>
-          <a:noFill/>
-          <a:ln w="9525" algn="ctr">
-            <a:noFill/>
-            <a:miter lim="800000"/>
-            <a:headEnd/>
-            <a:tailEnd/>
-          </a:ln>
-        </p:spPr>
-        <p:txBody>
-          <a:bodyPr wrap="none">
-            <a:spAutoFit/>
-          </a:bodyPr>
-          <a:lstStyle/>
-          <a:p>
-            <a:pPr eaLnBrk="0" hangingPunct="0"/>
-            <a:r>
-              <a:rPr lang="en-US" sz="2400" dirty="0" smtClean="0"/>
-              <a:t>Scope</a:t>
-            </a:r>
-            <a:endParaRPr lang="en-US" sz="2400" dirty="0"/>
-          </a:p>
-        </p:txBody>
-      </p:sp>
-      <p:sp>
-        <p:nvSpPr>
-          <p:cNvPr id="4111" name="Text Box 27"/>
-          <p:cNvSpPr txBox="1">
-            <a:spLocks noChangeArrowheads="1"/>
-          </p:cNvSpPr>
-          <p:nvPr/>
-        </p:nvSpPr>
-        <p:spPr bwMode="gray">
-          <a:xfrm>
-            <a:off x="2025650" y="3657600"/>
-            <a:ext cx="354013" cy="457200"/>
-          </a:xfrm>
-          <a:prstGeom prst="rect">
-            <a:avLst/>
-          </a:prstGeom>
-          <a:noFill/>
-          <a:ln w="9525" algn="ctr">
-            <a:noFill/>
-            <a:miter lim="800000"/>
-            <a:headEnd/>
-            <a:tailEnd/>
-          </a:ln>
-        </p:spPr>
-        <p:txBody>
-          <a:bodyPr wrap="none">
-            <a:spAutoFit/>
-          </a:bodyPr>
-          <a:lstStyle/>
-          <a:p>
-            <a:pPr algn="ctr" eaLnBrk="0" hangingPunct="0"/>
-            <a:r>
-              <a:rPr lang="en-US" sz="2400" b="1" dirty="0">
-                <a:solidFill>
-                  <a:schemeClr val="bg1"/>
-                </a:solidFill>
-              </a:rPr>
-              <a:t>3</a:t>
-            </a:r>
-          </a:p>
-        </p:txBody>
-      </p:sp>
-      <p:sp>
-        <p:nvSpPr>
-          <p:cNvPr id="4112" name="Line 28"/>
-          <p:cNvSpPr>
-            <a:spLocks noChangeShapeType="1"/>
-          </p:cNvSpPr>
-          <p:nvPr/>
-        </p:nvSpPr>
-        <p:spPr bwMode="auto">
-          <a:xfrm>
-            <a:off x="2438400" y="5083175"/>
-            <a:ext cx="4800600" cy="0"/>
-          </a:xfrm>
-          <a:prstGeom prst="line">
-            <a:avLst/>
-          </a:prstGeom>
-          <a:noFill/>
-          <a:ln w="25400">
-            <a:solidFill>
-              <a:srgbClr val="C0C0C0"/>
-            </a:solidFill>
-            <a:prstDash val="sysDot"/>
-            <a:round/>
-            <a:headEnd/>
-            <a:tailEnd type="oval" w="med" len="med"/>
-          </a:ln>
-        </p:spPr>
-        <p:txBody>
-          <a:bodyPr wrap="none" anchor="ctr"/>
-          <a:lstStyle/>
-          <a:p>
-            <a:endParaRPr lang="en-US" dirty="0"/>
-          </a:p>
-        </p:txBody>
-      </p:sp>
-      <p:sp>
-        <p:nvSpPr>
-          <p:cNvPr id="4113" name="Text Box 29"/>
-          <p:cNvSpPr txBox="1">
-            <a:spLocks noChangeArrowheads="1"/>
-          </p:cNvSpPr>
-          <p:nvPr/>
-        </p:nvSpPr>
-        <p:spPr bwMode="auto">
-          <a:xfrm>
-            <a:off x="3276600" y="4549775"/>
-            <a:ext cx="973343" cy="461665"/>
-          </a:xfrm>
-          <a:prstGeom prst="rect">
-            <a:avLst/>
-          </a:prstGeom>
-          <a:noFill/>
-          <a:ln w="9525" algn="ctr">
-            <a:noFill/>
-            <a:miter lim="800000"/>
-            <a:headEnd/>
-            <a:tailEnd/>
-          </a:ln>
-        </p:spPr>
-        <p:txBody>
-          <a:bodyPr wrap="none">
-            <a:spAutoFit/>
-          </a:bodyPr>
-          <a:lstStyle/>
-          <a:p>
-            <a:pPr eaLnBrk="0" hangingPunct="0"/>
-            <a:r>
-              <a:rPr lang="en-US" sz="2400" dirty="0" smtClean="0"/>
-              <a:t>Detail</a:t>
-            </a:r>
-            <a:endParaRPr lang="en-US" sz="2400" dirty="0"/>
-          </a:p>
-        </p:txBody>
-      </p:sp>
-      <p:sp>
-        <p:nvSpPr>
-          <p:cNvPr id="4114" name="Text Box 30"/>
-          <p:cNvSpPr txBox="1">
-            <a:spLocks noChangeArrowheads="1"/>
-          </p:cNvSpPr>
-          <p:nvPr/>
-        </p:nvSpPr>
-        <p:spPr bwMode="gray">
-          <a:xfrm>
-            <a:off x="2025650" y="4572000"/>
-            <a:ext cx="354013" cy="457200"/>
-          </a:xfrm>
-          <a:prstGeom prst="rect">
-            <a:avLst/>
-          </a:prstGeom>
-          <a:noFill/>
-          <a:ln w="9525" algn="ctr">
-            <a:noFill/>
-            <a:miter lim="800000"/>
-            <a:headEnd/>
-            <a:tailEnd/>
-          </a:ln>
-        </p:spPr>
-        <p:txBody>
-          <a:bodyPr wrap="none">
-            <a:spAutoFit/>
-          </a:bodyPr>
-          <a:lstStyle/>
-          <a:p>
-            <a:pPr algn="ctr" eaLnBrk="0" hangingPunct="0"/>
-            <a:r>
-              <a:rPr lang="en-US" sz="2400" b="1" dirty="0">
-                <a:solidFill>
-                  <a:schemeClr val="bg1"/>
-                </a:solidFill>
-              </a:rPr>
-              <a:t>4</a:t>
-            </a:r>
-          </a:p>
-        </p:txBody>
-      </p:sp>
-      <p:sp>
-        <p:nvSpPr>
-          <p:cNvPr id="4115" name="Slide Number Placeholder 32"/>
-          <p:cNvSpPr>
-            <a:spLocks noGrp="1"/>
-          </p:cNvSpPr>
-          <p:nvPr>
-            <p:ph type="sldNum" sz="quarter" idx="12"/>
-          </p:nvPr>
-        </p:nvSpPr>
-        <p:spPr>
-          <a:noFill/>
-        </p:spPr>
-        <p:txBody>
-          <a:bodyPr/>
-          <a:lstStyle/>
-          <a:p>
-            <a:fld id="{8E64E13D-8F49-4D86-B09B-1E00BF74E486}" type="slidenum">
-              <a:rPr lang="en-US" smtClean="0"/>
-              <a:pPr/>
-              <a:t>2</a:t>
-            </a:fld>
-            <a:endParaRPr lang="en-US" dirty="0" smtClean="0"/>
-          </a:p>
-        </p:txBody>
-      </p:sp>
-      <p:pic>
-        <p:nvPicPr>
-          <p:cNvPr id="33" name="Picture 32" descr="logo_final.png"/>
-          <p:cNvPicPr>
-            <a:picLocks noChangeAspect="1"/>
-          </p:cNvPicPr>
-          <p:nvPr/>
-        </p:nvPicPr>
-        <p:blipFill>
-          <a:blip r:embed="rId2" cstate="print"/>
-          <a:stretch>
-            <a:fillRect/>
-          </a:stretch>
-        </p:blipFill>
-        <p:spPr>
-          <a:xfrm>
-            <a:off x="8001000" y="0"/>
-            <a:ext cx="1219200" cy="1219200"/>
-          </a:xfrm>
-          <a:prstGeom prst="rect">
-            <a:avLst/>
-          </a:prstGeom>
-        </p:spPr>
-      </p:pic>
-    </p:spTree>
-  </p:cSld>
-  <p:clrMapOvr>
-    <a:masterClrMapping/>
-  </p:clrMapOvr>
-  <p:timing>
-    <p:tnLst>
-      <p:par>
-        <p:cTn id="1" dur="indefinite" restart="never" nodeType="tmRoot"/>
-      </p:par>
-    </p:tnLst>
-  </p:timing>
-</p:sld>
-</file>
-
-<file path=ppt/slides/slide20.xml><?xml version="1.0" encoding="utf-8"?>
+<file path=ppt/slides/slide21.xml><?xml version="1.0" encoding="utf-8"?>
 <p:sld xmlns:a="http://schemas.openxmlformats.org/drawingml/2006/main" xmlns:r="http://schemas.openxmlformats.org/officeDocument/2006/relationships" xmlns:p="http://schemas.openxmlformats.org/presentationml/2006/main">
   <p:cSld>
     <p:spTree>
@@ -15542,7 +15760,7 @@
             <a:fld id="{F5BCDF94-7E80-425E-976D-29EA7A243127}" type="slidenum">
               <a:rPr lang="en-US" smtClean="0"/>
               <a:pPr/>
-              <a:t>20</a:t>
+              <a:t>21</a:t>
             </a:fld>
             <a:endParaRPr lang="en-US" dirty="0" smtClean="0"/>
           </a:p>
@@ -15661,7 +15879,7 @@
 </p:sld>
 </file>
 
-<file path=ppt/slides/slide21.xml><?xml version="1.0" encoding="utf-8"?>
+<file path=ppt/slides/slide22.xml><?xml version="1.0" encoding="utf-8"?>
 <p:sld xmlns:a="http://schemas.openxmlformats.org/drawingml/2006/main" xmlns:r="http://schemas.openxmlformats.org/officeDocument/2006/relationships" xmlns:p="http://schemas.openxmlformats.org/presentationml/2006/main">
   <p:cSld>
     <p:spTree>
@@ -15701,7 +15919,7 @@
               <a:pPr>
                 <a:defRPr/>
               </a:pPr>
-              <a:t>21</a:t>
+              <a:t>22</a:t>
             </a:fld>
             <a:endParaRPr lang="en-US" dirty="0"/>
           </a:p>
@@ -16929,7 +17147,7 @@
 </p:sld>
 </file>
 
-<file path=ppt/slides/slide22.xml><?xml version="1.0" encoding="utf-8"?>
+<file path=ppt/slides/slide23.xml><?xml version="1.0" encoding="utf-8"?>
 <p:sld xmlns:a="http://schemas.openxmlformats.org/drawingml/2006/main" xmlns:r="http://schemas.openxmlformats.org/officeDocument/2006/relationships" xmlns:p="http://schemas.openxmlformats.org/presentationml/2006/main">
   <p:cSld>
     <p:spTree>
@@ -16969,7 +17187,7 @@
               <a:pPr>
                 <a:defRPr/>
               </a:pPr>
-              <a:t>22</a:t>
+              <a:t>23</a:t>
             </a:fld>
             <a:endParaRPr lang="en-US" dirty="0"/>
           </a:p>
@@ -18397,7 +18615,7 @@
 </p:sld>
 </file>
 
-<file path=ppt/slides/slide23.xml><?xml version="1.0" encoding="utf-8"?>
+<file path=ppt/slides/slide24.xml><?xml version="1.0" encoding="utf-8"?>
 <p:sld xmlns:a="http://schemas.openxmlformats.org/drawingml/2006/main" xmlns:r="http://schemas.openxmlformats.org/officeDocument/2006/relationships" xmlns:p="http://schemas.openxmlformats.org/presentationml/2006/main">
   <p:cSld>
     <p:spTree>
@@ -18437,7 +18655,7 @@
               <a:pPr>
                 <a:defRPr/>
               </a:pPr>
-              <a:t>23</a:t>
+              <a:t>24</a:t>
             </a:fld>
             <a:endParaRPr lang="en-US" dirty="0"/>
           </a:p>
@@ -20097,7 +20315,7 @@
 </p:sld>
 </file>
 
-<file path=ppt/slides/slide24.xml><?xml version="1.0" encoding="utf-8"?>
+<file path=ppt/slides/slide25.xml><?xml version="1.0" encoding="utf-8"?>
 <p:sld xmlns:a="http://schemas.openxmlformats.org/drawingml/2006/main" xmlns:r="http://schemas.openxmlformats.org/officeDocument/2006/relationships" xmlns:p="http://schemas.openxmlformats.org/presentationml/2006/main">
   <p:cSld>
     <p:spTree>
@@ -20137,7 +20355,7 @@
               <a:pPr>
                 <a:defRPr/>
               </a:pPr>
-              <a:t>24</a:t>
+              <a:t>25</a:t>
             </a:fld>
             <a:endParaRPr lang="en-US" dirty="0"/>
           </a:p>
@@ -21158,7 +21376,7 @@
 </p:sld>
 </file>
 
-<file path=ppt/slides/slide25.xml><?xml version="1.0" encoding="utf-8"?>
+<file path=ppt/slides/slide26.xml><?xml version="1.0" encoding="utf-8"?>
 <p:sld xmlns:a="http://schemas.openxmlformats.org/drawingml/2006/main" xmlns:r="http://schemas.openxmlformats.org/officeDocument/2006/relationships" xmlns:p="http://schemas.openxmlformats.org/presentationml/2006/main">
   <p:cSld>
     <p:spTree>
@@ -21284,7 +21502,7 @@
             <a:fld id="{57D72D41-4CC2-45AF-B9B1-09A5B105366C}" type="slidenum">
               <a:rPr lang="en-US" smtClean="0"/>
               <a:pPr/>
-              <a:t>25</a:t>
+              <a:t>26</a:t>
             </a:fld>
             <a:endParaRPr lang="en-US" dirty="0" smtClean="0"/>
           </a:p>
@@ -21335,229 +21553,6 @@
           </a:p>
         </p:txBody>
       </p:sp>
-    </p:spTree>
-  </p:cSld>
-  <p:clrMapOvr>
-    <a:masterClrMapping/>
-  </p:clrMapOvr>
-  <p:timing>
-    <p:tnLst>
-      <p:par>
-        <p:cTn id="1" dur="indefinite" restart="never" nodeType="tmRoot"/>
-      </p:par>
-    </p:tnLst>
-  </p:timing>
-</p:sld>
-</file>
-
-<file path=ppt/slides/slide26.xml><?xml version="1.0" encoding="utf-8"?>
-<p:sld xmlns:a="http://schemas.openxmlformats.org/drawingml/2006/main" xmlns:r="http://schemas.openxmlformats.org/officeDocument/2006/relationships" xmlns:p="http://schemas.openxmlformats.org/presentationml/2006/main">
-  <p:cSld>
-    <p:spTree>
-      <p:nvGrpSpPr>
-        <p:cNvPr id="1" name=""/>
-        <p:cNvGrpSpPr/>
-        <p:nvPr/>
-      </p:nvGrpSpPr>
-      <p:grpSpPr>
-        <a:xfrm>
-          <a:off x="0" y="0"/>
-          <a:ext cx="0" cy="0"/>
-          <a:chOff x="0" y="0"/>
-          <a:chExt cx="0" cy="0"/>
-        </a:xfrm>
-      </p:grpSpPr>
-      <p:sp>
-        <p:nvSpPr>
-          <p:cNvPr id="3" name="Content Placeholder 2"/>
-          <p:cNvSpPr>
-            <a:spLocks noGrp="1"/>
-          </p:cNvSpPr>
-          <p:nvPr>
-            <p:ph idx="1"/>
-          </p:nvPr>
-        </p:nvSpPr>
-        <p:spPr/>
-        <p:txBody>
-          <a:bodyPr/>
-          <a:lstStyle/>
-          <a:p>
-            <a:pPr eaLnBrk="1" hangingPunct="1"/>
-            <a:r>
-              <a:rPr lang="en-US" b="1" dirty="0" smtClean="0"/>
-              <a:t>Android application</a:t>
-            </a:r>
-            <a:r>
-              <a:rPr lang="en-US" dirty="0" smtClean="0"/>
-              <a:t>:</a:t>
-            </a:r>
-          </a:p>
-          <a:p>
-            <a:pPr lvl="1" eaLnBrk="1" hangingPunct="1"/>
-            <a:r>
-              <a:rPr lang="en-US" dirty="0" smtClean="0"/>
-              <a:t>Receives control commands from PC.</a:t>
-            </a:r>
-          </a:p>
-          <a:p>
-            <a:pPr lvl="1" eaLnBrk="1" hangingPunct="1"/>
-            <a:r>
-              <a:rPr lang="en-US" dirty="0" smtClean="0"/>
-              <a:t>Sends control commands to Quadrocopter.</a:t>
-            </a:r>
-          </a:p>
-          <a:p>
-            <a:pPr lvl="1" eaLnBrk="1" hangingPunct="1"/>
-            <a:r>
-              <a:rPr lang="en-US" dirty="0" smtClean="0"/>
-              <a:t>Send video and Sensor’s statuses to PC.</a:t>
-            </a:r>
-          </a:p>
-          <a:p>
-            <a:pPr lvl="1" eaLnBrk="1" hangingPunct="1"/>
-            <a:r>
-              <a:rPr lang="en-US" dirty="0" smtClean="0"/>
-              <a:t>Easy to use.</a:t>
-            </a:r>
-          </a:p>
-          <a:p>
-            <a:pPr lvl="1" eaLnBrk="1" hangingPunct="1"/>
-            <a:r>
-              <a:rPr lang="en-US" dirty="0" smtClean="0"/>
-              <a:t>Easy to maintain and update.</a:t>
-            </a:r>
-          </a:p>
-          <a:p>
-            <a:endParaRPr lang="en-US" b="1" dirty="0"/>
-          </a:p>
-        </p:txBody>
-      </p:sp>
-      <p:sp>
-        <p:nvSpPr>
-          <p:cNvPr id="4" name="Slide Number Placeholder 3"/>
-          <p:cNvSpPr>
-            <a:spLocks noGrp="1"/>
-          </p:cNvSpPr>
-          <p:nvPr>
-            <p:ph type="sldNum" sz="quarter" idx="12"/>
-          </p:nvPr>
-        </p:nvSpPr>
-        <p:spPr/>
-        <p:txBody>
-          <a:bodyPr/>
-          <a:lstStyle/>
-          <a:p>
-            <a:pPr>
-              <a:defRPr/>
-            </a:pPr>
-            <a:fld id="{20C98071-8A9B-444A-806A-782BE84EBE4B}" type="slidenum">
-              <a:rPr lang="en-US" smtClean="0"/>
-              <a:pPr>
-                <a:defRPr/>
-              </a:pPr>
-              <a:t>26</a:t>
-            </a:fld>
-            <a:endParaRPr lang="en-US" dirty="0"/>
-          </a:p>
-        </p:txBody>
-      </p:sp>
-      <p:sp>
-        <p:nvSpPr>
-          <p:cNvPr id="9" name="Title 1"/>
-          <p:cNvSpPr>
-            <a:spLocks noGrp="1"/>
-          </p:cNvSpPr>
-          <p:nvPr>
-            <p:ph type="title"/>
-          </p:nvPr>
-        </p:nvSpPr>
-        <p:spPr>
-          <a:xfrm>
-            <a:off x="2971800" y="319088"/>
-            <a:ext cx="4876800" cy="563562"/>
-          </a:xfrm>
-        </p:spPr>
-        <p:txBody>
-          <a:bodyPr/>
-          <a:lstStyle/>
-          <a:p>
-            <a:pPr algn="l" eaLnBrk="1" hangingPunct="1"/>
-            <a:r>
-              <a:rPr lang="en-US" dirty="0" smtClean="0"/>
-              <a:t>Android application</a:t>
-            </a:r>
-          </a:p>
-        </p:txBody>
-      </p:sp>
-      <p:sp>
-        <p:nvSpPr>
-          <p:cNvPr id="10" name="Rounded Rectangle 9"/>
-          <p:cNvSpPr/>
-          <p:nvPr/>
-        </p:nvSpPr>
-        <p:spPr>
-          <a:xfrm>
-            <a:off x="304800" y="152400"/>
-            <a:ext cx="2667000" cy="838200"/>
-          </a:xfrm>
-          <a:prstGeom prst="roundRect">
-            <a:avLst/>
-          </a:prstGeom>
-          <a:solidFill>
-            <a:srgbClr val="7030A0"/>
-          </a:solidFill>
-        </p:spPr>
-        <p:style>
-          <a:lnRef idx="3">
-            <a:schemeClr val="lt1"/>
-          </a:lnRef>
-          <a:fillRef idx="1">
-            <a:schemeClr val="dk1"/>
-          </a:fillRef>
-          <a:effectRef idx="1">
-            <a:schemeClr val="dk1"/>
-          </a:effectRef>
-          <a:fontRef idx="minor">
-            <a:schemeClr val="lt1"/>
-          </a:fontRef>
-        </p:style>
-        <p:txBody>
-          <a:bodyPr rtlCol="0" anchor="ctr"/>
-          <a:lstStyle/>
-          <a:p>
-            <a:pPr algn="ctr"/>
-            <a:r>
-              <a:rPr lang="en-US" sz="4000" dirty="0" smtClean="0"/>
-              <a:t>Detail</a:t>
-            </a:r>
-            <a:endParaRPr lang="en-US" sz="4000" dirty="0"/>
-          </a:p>
-        </p:txBody>
-      </p:sp>
-      <p:pic>
-        <p:nvPicPr>
-          <p:cNvPr id="6" name="Picture 5" descr="logo_final.png"/>
-          <p:cNvPicPr>
-            <a:picLocks noChangeAspect="1"/>
-          </p:cNvPicPr>
-          <p:nvPr/>
-        </p:nvPicPr>
-        <p:blipFill>
-          <a:blip r:embed="rId2" cstate="print"/>
-          <a:stretch>
-            <a:fillRect/>
-          </a:stretch>
-        </p:blipFill>
-        <p:spPr>
-          <a:xfrm>
-            <a:off x="8001000" y="0"/>
-            <a:ext cx="1219200" cy="1219200"/>
-          </a:xfrm>
-          <a:prstGeom prst="rect">
-            <a:avLst/>
-          </a:prstGeom>
-        </p:spPr>
-      </p:pic>
     </p:spTree>
   </p:cSld>
   <p:clrMapOvr>
@@ -21608,35 +21603,39 @@
             <a:pPr eaLnBrk="1" hangingPunct="1"/>
             <a:r>
               <a:rPr lang="en-US" b="1" dirty="0" smtClean="0"/>
-              <a:t>Embedded Software:</a:t>
+              <a:t>Android application</a:t>
+            </a:r>
+            <a:r>
+              <a:rPr lang="en-US" dirty="0" smtClean="0"/>
+              <a:t>:</a:t>
             </a:r>
           </a:p>
           <a:p>
             <a:pPr lvl="1" eaLnBrk="1" hangingPunct="1"/>
             <a:r>
               <a:rPr lang="en-US" dirty="0" smtClean="0"/>
-              <a:t>Receive control command from Android Smart Phone and control the motors.</a:t>
+              <a:t>Receives control commands from PC.</a:t>
             </a:r>
           </a:p>
           <a:p>
             <a:pPr lvl="1" eaLnBrk="1" hangingPunct="1"/>
             <a:r>
               <a:rPr lang="en-US" dirty="0" smtClean="0"/>
-              <a:t>Send Sensor’s output to Android Smart Phone at a desirable rate. </a:t>
+              <a:t>Sends control commands to Quadrocopter.</a:t>
             </a:r>
           </a:p>
           <a:p>
             <a:pPr lvl="1" eaLnBrk="1" hangingPunct="1"/>
             <a:r>
               <a:rPr lang="en-US" dirty="0" smtClean="0"/>
-              <a:t>Go into Autonomous Mode when no control command is received from pilot.</a:t>
+              <a:t>Send video and Sensor’s statuses to PC.</a:t>
             </a:r>
           </a:p>
           <a:p>
             <a:pPr lvl="1" eaLnBrk="1" hangingPunct="1"/>
             <a:r>
               <a:rPr lang="en-US" dirty="0" smtClean="0"/>
-              <a:t>Use Bluetooth RS232 communication method to communicate with Android Smart Phone.</a:t>
+              <a:t>Easy to use.</a:t>
             </a:r>
           </a:p>
           <a:p>
@@ -21682,7 +21681,7 @@
       </p:sp>
       <p:sp>
         <p:nvSpPr>
-          <p:cNvPr id="6" name="Title 1"/>
+          <p:cNvPr id="9" name="Title 1"/>
           <p:cNvSpPr>
             <a:spLocks noGrp="1"/>
           </p:cNvSpPr>
@@ -21703,14 +21702,14 @@
             <a:pPr algn="l" eaLnBrk="1" hangingPunct="1"/>
             <a:r>
               <a:rPr lang="en-US" dirty="0" smtClean="0"/>
-              <a:t>Embedded Software</a:t>
+              <a:t>Android application</a:t>
             </a:r>
           </a:p>
         </p:txBody>
       </p:sp>
       <p:sp>
         <p:nvSpPr>
-          <p:cNvPr id="7" name="Rounded Rectangle 6"/>
+          <p:cNvPr id="10" name="Rounded Rectangle 9"/>
           <p:cNvSpPr/>
           <p:nvPr/>
         </p:nvSpPr>
@@ -21755,7 +21754,7 @@
       </p:sp>
       <p:pic>
         <p:nvPicPr>
-          <p:cNvPr id="8" name="Picture 7" descr="logo_final.png"/>
+          <p:cNvPr id="6" name="Picture 5" descr="logo_final.png"/>
           <p:cNvPicPr>
             <a:picLocks noChangeAspect="1"/>
           </p:cNvPicPr>
@@ -21827,67 +21826,43 @@
             <a:pPr eaLnBrk="1" hangingPunct="1"/>
             <a:r>
               <a:rPr lang="en-US" b="1" dirty="0" smtClean="0"/>
-              <a:t>Embedded Hardware:</a:t>
+              <a:t>Embedded Software:</a:t>
             </a:r>
           </a:p>
           <a:p>
             <a:pPr lvl="1" eaLnBrk="1" hangingPunct="1"/>
             <a:r>
               <a:rPr lang="en-US" dirty="0" smtClean="0"/>
-              <a:t>Build a Quadrocopter frame which has space for a 150gr Smart Phone.</a:t>
+              <a:t>Receive control command from Android Smart Phone and control the motors.</a:t>
             </a:r>
           </a:p>
           <a:p>
             <a:pPr lvl="1" eaLnBrk="1" hangingPunct="1"/>
             <a:r>
               <a:rPr lang="en-US" dirty="0" smtClean="0"/>
-              <a:t>Design a PCB board for controlling the Quadrocopter, it should has:</a:t>
-            </a:r>
-          </a:p>
-          <a:p>
-            <a:pPr lvl="2" eaLnBrk="1" hangingPunct="1"/>
-            <a:r>
-              <a:rPr lang="en-US" dirty="0" smtClean="0"/>
-              <a:t>Bluetooth module.</a:t>
-            </a:r>
-          </a:p>
-          <a:p>
-            <a:pPr lvl="2" eaLnBrk="1" hangingPunct="1"/>
-            <a:r>
-              <a:rPr lang="en-US" dirty="0" smtClean="0"/>
-              <a:t>At least 4 PWM generators</a:t>
-            </a:r>
-          </a:p>
-          <a:p>
-            <a:pPr lvl="2" eaLnBrk="1" hangingPunct="1"/>
-            <a:r>
-              <a:rPr lang="en-US" dirty="0" smtClean="0"/>
-              <a:t>Tri-angle Accelerometer and Gyroscope sensors.</a:t>
+              <a:t>Send Sensor’s output to Android Smart Phone at a desirable rate. </a:t>
             </a:r>
           </a:p>
           <a:p>
             <a:pPr lvl="1" eaLnBrk="1" hangingPunct="1"/>
             <a:r>
               <a:rPr lang="en-US" dirty="0" smtClean="0"/>
-              <a:t>Motors, ESCs, Batteries can be bought from the market. </a:t>
+              <a:t>Go into Autonomous Mode when no control command is received from pilot.</a:t>
             </a:r>
           </a:p>
           <a:p>
-            <a:pPr lvl="2" eaLnBrk="1" hangingPunct="1"/>
+            <a:pPr lvl="1" eaLnBrk="1" hangingPunct="1"/>
             <a:r>
               <a:rPr lang="en-US" dirty="0" smtClean="0"/>
-              <a:t>Motor’s thrust &gt; 800gr</a:t>
+              <a:t>Use Bluetooth RS232 communication method to communicate with Android Smart Phone.</a:t>
             </a:r>
           </a:p>
           <a:p>
-            <a:pPr lvl="2" eaLnBrk="1" hangingPunct="1"/>
+            <a:pPr lvl="1" eaLnBrk="1" hangingPunct="1"/>
             <a:r>
               <a:rPr lang="en-US" dirty="0" smtClean="0"/>
-              <a:t>Batteries: 4400mAh</a:t>
+              <a:t>Easy to maintain and update.</a:t>
             </a:r>
-          </a:p>
-          <a:p>
-            <a:endParaRPr lang="en-US" b="1" dirty="0" smtClean="0"/>
           </a:p>
           <a:p>
             <a:endParaRPr lang="en-US" b="1" dirty="0"/>
@@ -21946,7 +21921,7 @@
             <a:pPr algn="l" eaLnBrk="1" hangingPunct="1"/>
             <a:r>
               <a:rPr lang="en-US" dirty="0" smtClean="0"/>
-              <a:t>Embedded Hardware</a:t>
+              <a:t>Embedded Software</a:t>
             </a:r>
           </a:p>
         </p:txBody>
@@ -22054,152 +22029,92 @@
       </p:grpSpPr>
       <p:sp>
         <p:nvSpPr>
-          <p:cNvPr id="18434" name="Rectangle 2"/>
+          <p:cNvPr id="3" name="Content Placeholder 2"/>
           <p:cNvSpPr>
-            <a:spLocks noGrp="1" noChangeArrowheads="1"/>
+            <a:spLocks noGrp="1"/>
           </p:cNvSpPr>
           <p:nvPr>
-            <p:ph type="subTitle" idx="1"/>
+            <p:ph idx="1"/>
           </p:nvPr>
         </p:nvSpPr>
-        <p:spPr>
-          <a:xfrm>
-            <a:off x="1295400" y="3733800"/>
-            <a:ext cx="6400800" cy="685800"/>
-          </a:xfrm>
-        </p:spPr>
+        <p:spPr/>
         <p:txBody>
           <a:bodyPr/>
           <a:lstStyle/>
           <a:p>
             <a:pPr eaLnBrk="1" hangingPunct="1"/>
             <a:r>
+              <a:rPr lang="en-US" b="1" dirty="0" smtClean="0"/>
+              <a:t>Embedded Hardware:</a:t>
+            </a:r>
+          </a:p>
+          <a:p>
+            <a:pPr lvl="1" eaLnBrk="1" hangingPunct="1"/>
+            <a:r>
               <a:rPr lang="en-US" dirty="0" smtClean="0"/>
-              <a:t>www.themegallery.com</a:t>
+              <a:t>Build a Quadrocopter frame which has space for a 150gr Smart Phone.</a:t>
             </a:r>
+          </a:p>
+          <a:p>
+            <a:pPr lvl="1" eaLnBrk="1" hangingPunct="1"/>
+            <a:r>
+              <a:rPr lang="en-US" dirty="0" smtClean="0"/>
+              <a:t>Design a PCB board for controlling the Quadrocopter, it should has:</a:t>
+            </a:r>
+          </a:p>
+          <a:p>
+            <a:pPr lvl="2" eaLnBrk="1" hangingPunct="1"/>
+            <a:r>
+              <a:rPr lang="en-US" dirty="0" smtClean="0"/>
+              <a:t>Bluetooth module.</a:t>
+            </a:r>
+          </a:p>
+          <a:p>
+            <a:pPr lvl="2" eaLnBrk="1" hangingPunct="1"/>
+            <a:r>
+              <a:rPr lang="en-US" dirty="0" smtClean="0"/>
+              <a:t>At least 4 PWM generators</a:t>
+            </a:r>
+          </a:p>
+          <a:p>
+            <a:pPr lvl="2" eaLnBrk="1" hangingPunct="1"/>
+            <a:r>
+              <a:rPr lang="en-US" dirty="0" smtClean="0"/>
+              <a:t>Tri-angle Accelerometer and Gyroscope sensors.</a:t>
+            </a:r>
+          </a:p>
+          <a:p>
+            <a:pPr lvl="1" eaLnBrk="1" hangingPunct="1"/>
+            <a:r>
+              <a:rPr lang="en-US" dirty="0" smtClean="0"/>
+              <a:t>Motors, ESCs, Batteries can be bought from the market. </a:t>
+            </a:r>
+          </a:p>
+          <a:p>
+            <a:pPr lvl="2" eaLnBrk="1" hangingPunct="1"/>
+            <a:r>
+              <a:rPr lang="en-US" dirty="0" smtClean="0"/>
+              <a:t>Motor’s thrust &gt; 800gr</a:t>
+            </a:r>
+          </a:p>
+          <a:p>
+            <a:pPr lvl="2" eaLnBrk="1" hangingPunct="1"/>
+            <a:r>
+              <a:rPr lang="en-US" dirty="0" smtClean="0"/>
+              <a:t>Batteries: 4400mAh</a:t>
+            </a:r>
+          </a:p>
+          <a:p>
+            <a:endParaRPr lang="en-US" b="1" dirty="0" smtClean="0"/>
+          </a:p>
+          <a:p>
+            <a:endParaRPr lang="en-US" b="1" dirty="0"/>
           </a:p>
         </p:txBody>
       </p:sp>
       <p:sp>
         <p:nvSpPr>
-          <p:cNvPr id="18435" name="WordArt 3"/>
-          <p:cNvSpPr>
-            <a:spLocks noChangeArrowheads="1" noChangeShapeType="1" noTextEdit="1"/>
-          </p:cNvSpPr>
-          <p:nvPr/>
-        </p:nvSpPr>
-        <p:spPr bwMode="gray">
-          <a:xfrm>
-            <a:off x="2362200" y="4343400"/>
-            <a:ext cx="4724400" cy="609600"/>
-          </a:xfrm>
-          <a:prstGeom prst="rect">
-            <a:avLst/>
-          </a:prstGeom>
-        </p:spPr>
-        <p:txBody>
-          <a:bodyPr wrap="none" fromWordArt="1">
-            <a:prstTxWarp prst="textDeflate">
-              <a:avLst>
-                <a:gd name="adj" fmla="val 0"/>
-              </a:avLst>
-            </a:prstTxWarp>
-          </a:bodyPr>
-          <a:lstStyle/>
-          <a:p>
-            <a:pPr algn="ctr"/>
-            <a:r>
-              <a:rPr lang="en-US" sz="5400" b="1" kern="10" dirty="0">
-                <a:ln w="28575">
-                  <a:solidFill>
-                    <a:schemeClr val="bg1"/>
-                  </a:solidFill>
-                  <a:round/>
-                  <a:headEnd/>
-                  <a:tailEnd/>
-                </a:ln>
-                <a:gradFill rotWithShape="1">
-                  <a:gsLst>
-                    <a:gs pos="0">
-                      <a:schemeClr val="tx1"/>
-                    </a:gs>
-                    <a:gs pos="100000">
-                      <a:schemeClr val="accent2"/>
-                    </a:gs>
-                  </a:gsLst>
-                  <a:lin ang="5400000" scaled="1"/>
-                </a:gradFill>
-                <a:effectLst>
-                  <a:outerShdw dist="107763" dir="2700000" algn="ctr" rotWithShape="0">
-                    <a:srgbClr val="000000">
-                      <a:alpha val="50000"/>
-                    </a:srgbClr>
-                  </a:outerShdw>
-                </a:effectLst>
-                <a:latin typeface="Verdana"/>
-                <a:ea typeface="Verdana"/>
-                <a:cs typeface="Verdana"/>
-              </a:rPr>
-              <a:t>Thank You !</a:t>
-            </a:r>
-          </a:p>
-        </p:txBody>
-      </p:sp>
-      <p:sp>
-        <p:nvSpPr>
-          <p:cNvPr id="18436" name="Rectangle 4"/>
-          <p:cNvSpPr>
-            <a:spLocks noChangeArrowheads="1"/>
-          </p:cNvSpPr>
-          <p:nvPr/>
-        </p:nvSpPr>
-        <p:spPr bwMode="white">
-          <a:xfrm>
-            <a:off x="1524000" y="5181600"/>
-            <a:ext cx="7086600" cy="381000"/>
-          </a:xfrm>
-          <a:prstGeom prst="rect">
-            <a:avLst/>
-          </a:prstGeom>
-          <a:noFill/>
-          <a:ln w="9525">
-            <a:noFill/>
-            <a:miter lim="800000"/>
-            <a:headEnd/>
-            <a:tailEnd/>
-          </a:ln>
-        </p:spPr>
-        <p:txBody>
-          <a:bodyPr/>
-          <a:lstStyle/>
-          <a:p>
-            <a:pPr algn="ctr">
-              <a:lnSpc>
-                <a:spcPct val="90000"/>
-              </a:lnSpc>
-              <a:spcBef>
-                <a:spcPct val="20000"/>
-              </a:spcBef>
-              <a:buClr>
-                <a:schemeClr val="hlink"/>
-              </a:buClr>
-              <a:buFont typeface="Wingdings" pitchFamily="2" charset="2"/>
-              <a:buNone/>
-            </a:pPr>
-            <a:r>
-              <a:rPr lang="en-US" sz="2000" dirty="0">
-                <a:solidFill>
-                  <a:schemeClr val="bg1"/>
-                </a:solidFill>
-              </a:rPr>
-              <a:t>Confidential document</a:t>
-            </a:r>
-          </a:p>
-        </p:txBody>
-      </p:sp>
-      <p:sp>
-        <p:nvSpPr>
-          <p:cNvPr id="18437" name="Slide Number Placeholder 6"/>
+          <p:cNvPr id="4" name="Slide Number Placeholder 3"/>
           <p:cNvSpPr>
             <a:spLocks noGrp="1"/>
           </p:cNvSpPr>
@@ -22207,25 +22122,101 @@
             <p:ph type="sldNum" sz="quarter" idx="12"/>
           </p:nvPr>
         </p:nvSpPr>
+        <p:spPr/>
+        <p:txBody>
+          <a:bodyPr/>
+          <a:lstStyle/>
+          <a:p>
+            <a:pPr>
+              <a:defRPr/>
+            </a:pPr>
+            <a:fld id="{20C98071-8A9B-444A-806A-782BE84EBE4B}" type="slidenum">
+              <a:rPr lang="en-US" smtClean="0"/>
+              <a:pPr>
+                <a:defRPr/>
+              </a:pPr>
+              <a:t>29</a:t>
+            </a:fld>
+            <a:endParaRPr lang="en-US" dirty="0"/>
+          </a:p>
+        </p:txBody>
+      </p:sp>
+      <p:sp>
+        <p:nvSpPr>
+          <p:cNvPr id="6" name="Title 1"/>
+          <p:cNvSpPr>
+            <a:spLocks noGrp="1"/>
+          </p:cNvSpPr>
+          <p:nvPr>
+            <p:ph type="title"/>
+          </p:nvPr>
+        </p:nvSpPr>
         <p:spPr>
-          <a:noFill/>
+          <a:xfrm>
+            <a:off x="2971800" y="319088"/>
+            <a:ext cx="4876800" cy="563562"/>
+          </a:xfrm>
         </p:spPr>
         <p:txBody>
           <a:bodyPr/>
           <a:lstStyle/>
           <a:p>
-            <a:fld id="{17E21074-7173-492D-B562-8E2E44D4A26C}" type="slidenum">
-              <a:rPr lang="en-US" smtClean="0"/>
-              <a:pPr/>
-              <a:t>29</a:t>
-            </a:fld>
-            <a:endParaRPr lang="en-US" dirty="0" smtClean="0"/>
+            <a:pPr algn="l" eaLnBrk="1" hangingPunct="1"/>
+            <a:r>
+              <a:rPr lang="en-US" dirty="0" smtClean="0"/>
+              <a:t>Embedded Hardware</a:t>
+            </a:r>
+          </a:p>
+        </p:txBody>
+      </p:sp>
+      <p:sp>
+        <p:nvSpPr>
+          <p:cNvPr id="7" name="Rounded Rectangle 6"/>
+          <p:cNvSpPr/>
+          <p:nvPr/>
+        </p:nvSpPr>
+        <p:spPr>
+          <a:xfrm>
+            <a:off x="304800" y="152400"/>
+            <a:ext cx="2667000" cy="838200"/>
+          </a:xfrm>
+          <a:prstGeom prst="roundRect">
+            <a:avLst/>
+          </a:prstGeom>
+          <a:solidFill>
+            <a:srgbClr val="7030A0"/>
+          </a:solidFill>
+        </p:spPr>
+        <p:style>
+          <a:lnRef idx="3">
+            <a:schemeClr val="lt1"/>
+          </a:lnRef>
+          <a:fillRef idx="1">
+            <a:schemeClr val="dk1"/>
+          </a:fillRef>
+          <a:effectRef idx="1">
+            <a:schemeClr val="dk1"/>
+          </a:effectRef>
+          <a:fontRef idx="minor">
+            <a:schemeClr val="lt1"/>
+          </a:fontRef>
+        </p:style>
+        <p:txBody>
+          <a:bodyPr rtlCol="0" anchor="ctr"/>
+          <a:lstStyle/>
+          <a:p>
+            <a:pPr algn="ctr"/>
+            <a:r>
+              <a:rPr lang="en-US" sz="4000" dirty="0" smtClean="0"/>
+              <a:t>Detail</a:t>
+            </a:r>
+            <a:endParaRPr lang="en-US" sz="4000" dirty="0"/>
           </a:p>
         </p:txBody>
       </p:sp>
       <p:pic>
         <p:nvPicPr>
-          <p:cNvPr id="6" name="Picture 5" descr="logo_final.png"/>
+          <p:cNvPr id="8" name="Picture 7" descr="logo_final.png"/>
           <p:cNvPicPr>
             <a:picLocks noChangeAspect="1"/>
           </p:cNvPicPr>
@@ -22239,8 +22230,8 @@
         </p:blipFill>
         <p:spPr>
           <a:xfrm>
-            <a:off x="4038600" y="5638800"/>
-            <a:ext cx="1447800" cy="1447800"/>
+            <a:off x="8001000" y="0"/>
+            <a:ext cx="1219200" cy="1219200"/>
           </a:xfrm>
           <a:prstGeom prst="rect">
             <a:avLst/>
@@ -22465,6 +22456,233 @@
           <a:xfrm>
             <a:off x="8001000" y="0"/>
             <a:ext cx="1219200" cy="1219200"/>
+          </a:xfrm>
+          <a:prstGeom prst="rect">
+            <a:avLst/>
+          </a:prstGeom>
+        </p:spPr>
+      </p:pic>
+    </p:spTree>
+  </p:cSld>
+  <p:clrMapOvr>
+    <a:masterClrMapping/>
+  </p:clrMapOvr>
+  <p:timing>
+    <p:tnLst>
+      <p:par>
+        <p:cTn id="1" dur="indefinite" restart="never" nodeType="tmRoot"/>
+      </p:par>
+    </p:tnLst>
+  </p:timing>
+</p:sld>
+</file>
+
+<file path=ppt/slides/slide30.xml><?xml version="1.0" encoding="utf-8"?>
+<p:sld xmlns:a="http://schemas.openxmlformats.org/drawingml/2006/main" xmlns:r="http://schemas.openxmlformats.org/officeDocument/2006/relationships" xmlns:p="http://schemas.openxmlformats.org/presentationml/2006/main">
+  <p:cSld>
+    <p:spTree>
+      <p:nvGrpSpPr>
+        <p:cNvPr id="1" name=""/>
+        <p:cNvGrpSpPr/>
+        <p:nvPr/>
+      </p:nvGrpSpPr>
+      <p:grpSpPr>
+        <a:xfrm>
+          <a:off x="0" y="0"/>
+          <a:ext cx="0" cy="0"/>
+          <a:chOff x="0" y="0"/>
+          <a:chExt cx="0" cy="0"/>
+        </a:xfrm>
+      </p:grpSpPr>
+      <p:sp>
+        <p:nvSpPr>
+          <p:cNvPr id="18434" name="Rectangle 2"/>
+          <p:cNvSpPr>
+            <a:spLocks noGrp="1" noChangeArrowheads="1"/>
+          </p:cNvSpPr>
+          <p:nvPr>
+            <p:ph type="subTitle" idx="1"/>
+          </p:nvPr>
+        </p:nvSpPr>
+        <p:spPr>
+          <a:xfrm>
+            <a:off x="1295400" y="3733800"/>
+            <a:ext cx="6400800" cy="685800"/>
+          </a:xfrm>
+        </p:spPr>
+        <p:txBody>
+          <a:bodyPr/>
+          <a:lstStyle/>
+          <a:p>
+            <a:pPr eaLnBrk="1" hangingPunct="1"/>
+            <a:r>
+              <a:rPr lang="en-US" dirty="0" smtClean="0"/>
+              <a:t>www.themegallery.com</a:t>
+            </a:r>
+          </a:p>
+        </p:txBody>
+      </p:sp>
+      <p:sp>
+        <p:nvSpPr>
+          <p:cNvPr id="18435" name="WordArt 3"/>
+          <p:cNvSpPr>
+            <a:spLocks noChangeArrowheads="1" noChangeShapeType="1" noTextEdit="1"/>
+          </p:cNvSpPr>
+          <p:nvPr/>
+        </p:nvSpPr>
+        <p:spPr bwMode="gray">
+          <a:xfrm>
+            <a:off x="2362200" y="4343400"/>
+            <a:ext cx="4724400" cy="609600"/>
+          </a:xfrm>
+          <a:prstGeom prst="rect">
+            <a:avLst/>
+          </a:prstGeom>
+        </p:spPr>
+        <p:txBody>
+          <a:bodyPr wrap="none" fromWordArt="1">
+            <a:prstTxWarp prst="textDeflate">
+              <a:avLst>
+                <a:gd name="adj" fmla="val 0"/>
+              </a:avLst>
+            </a:prstTxWarp>
+          </a:bodyPr>
+          <a:lstStyle/>
+          <a:p>
+            <a:pPr algn="ctr"/>
+            <a:r>
+              <a:rPr lang="en-US" sz="5400" b="1" kern="10" dirty="0">
+                <a:ln w="28575">
+                  <a:solidFill>
+                    <a:schemeClr val="bg1"/>
+                  </a:solidFill>
+                  <a:round/>
+                  <a:headEnd/>
+                  <a:tailEnd/>
+                </a:ln>
+                <a:gradFill rotWithShape="1">
+                  <a:gsLst>
+                    <a:gs pos="0">
+                      <a:schemeClr val="tx1"/>
+                    </a:gs>
+                    <a:gs pos="100000">
+                      <a:schemeClr val="accent2"/>
+                    </a:gs>
+                  </a:gsLst>
+                  <a:lin ang="5400000" scaled="1"/>
+                </a:gradFill>
+                <a:effectLst>
+                  <a:outerShdw dist="107763" dir="2700000" algn="ctr" rotWithShape="0">
+                    <a:srgbClr val="000000">
+                      <a:alpha val="50000"/>
+                    </a:srgbClr>
+                  </a:outerShdw>
+                </a:effectLst>
+                <a:latin typeface="Verdana"/>
+                <a:ea typeface="Verdana"/>
+                <a:cs typeface="Verdana"/>
+              </a:rPr>
+              <a:t>Thank You !</a:t>
+            </a:r>
+          </a:p>
+        </p:txBody>
+      </p:sp>
+      <p:sp>
+        <p:nvSpPr>
+          <p:cNvPr id="18436" name="Rectangle 4"/>
+          <p:cNvSpPr>
+            <a:spLocks noChangeArrowheads="1"/>
+          </p:cNvSpPr>
+          <p:nvPr/>
+        </p:nvSpPr>
+        <p:spPr bwMode="white">
+          <a:xfrm>
+            <a:off x="1524000" y="5181600"/>
+            <a:ext cx="7086600" cy="381000"/>
+          </a:xfrm>
+          <a:prstGeom prst="rect">
+            <a:avLst/>
+          </a:prstGeom>
+          <a:noFill/>
+          <a:ln w="9525">
+            <a:noFill/>
+            <a:miter lim="800000"/>
+            <a:headEnd/>
+            <a:tailEnd/>
+          </a:ln>
+        </p:spPr>
+        <p:txBody>
+          <a:bodyPr/>
+          <a:lstStyle/>
+          <a:p>
+            <a:pPr algn="ctr">
+              <a:lnSpc>
+                <a:spcPct val="90000"/>
+              </a:lnSpc>
+              <a:spcBef>
+                <a:spcPct val="20000"/>
+              </a:spcBef>
+              <a:buClr>
+                <a:schemeClr val="hlink"/>
+              </a:buClr>
+              <a:buFont typeface="Wingdings" pitchFamily="2" charset="2"/>
+              <a:buNone/>
+            </a:pPr>
+            <a:r>
+              <a:rPr lang="en-US" sz="2000" dirty="0">
+                <a:solidFill>
+                  <a:schemeClr val="bg1"/>
+                </a:solidFill>
+              </a:rPr>
+              <a:t>Confidential document</a:t>
+            </a:r>
+          </a:p>
+        </p:txBody>
+      </p:sp>
+      <p:sp>
+        <p:nvSpPr>
+          <p:cNvPr id="18437" name="Slide Number Placeholder 6"/>
+          <p:cNvSpPr>
+            <a:spLocks noGrp="1"/>
+          </p:cNvSpPr>
+          <p:nvPr>
+            <p:ph type="sldNum" sz="quarter" idx="12"/>
+          </p:nvPr>
+        </p:nvSpPr>
+        <p:spPr>
+          <a:noFill/>
+        </p:spPr>
+        <p:txBody>
+          <a:bodyPr/>
+          <a:lstStyle/>
+          <a:p>
+            <a:fld id="{17E21074-7173-492D-B562-8E2E44D4A26C}" type="slidenum">
+              <a:rPr lang="en-US" smtClean="0"/>
+              <a:pPr/>
+              <a:t>30</a:t>
+            </a:fld>
+            <a:endParaRPr lang="en-US" dirty="0" smtClean="0"/>
+          </a:p>
+        </p:txBody>
+      </p:sp>
+      <p:pic>
+        <p:nvPicPr>
+          <p:cNvPr id="6" name="Picture 5" descr="logo_final.png"/>
+          <p:cNvPicPr>
+            <a:picLocks noChangeAspect="1"/>
+          </p:cNvPicPr>
+          <p:nvPr/>
+        </p:nvPicPr>
+        <p:blipFill>
+          <a:blip r:embed="rId2" cstate="print"/>
+          <a:stretch>
+            <a:fillRect/>
+          </a:stretch>
+        </p:blipFill>
+        <p:spPr>
+          <a:xfrm>
+            <a:off x="4038600" y="5638800"/>
+            <a:ext cx="1447800" cy="1447800"/>
           </a:xfrm>
           <a:prstGeom prst="rect">
             <a:avLst/>
@@ -23314,13 +23532,7 @@
               <a:rPr lang="en-US" sz="3200" kern="0" dirty="0" smtClean="0">
                 <a:latin typeface="+mn-lt"/>
               </a:rPr>
-              <a:t> </a:t>
-            </a:r>
-            <a:r>
-              <a:rPr lang="en-US" sz="3200" kern="0" dirty="0" smtClean="0">
-                <a:latin typeface="+mn-lt"/>
-              </a:rPr>
-              <a:t>The modern solution should be </a:t>
+              <a:t> The modern solution should be </a:t>
             </a:r>
             <a:r>
               <a:rPr lang="en-US" sz="3200" b="1" kern="0" dirty="0" smtClean="0">

--- a/Document/03.Requirement/FUFO_Scope_pptx.pptx
+++ b/Document/03.Requirement/FUFO_Scope_pptx.pptx
@@ -18,8 +18,8 @@
     <p:sldId id="258" r:id="rId9"/>
     <p:sldId id="311" r:id="rId10"/>
     <p:sldId id="297" r:id="rId11"/>
-    <p:sldId id="302" r:id="rId12"/>
-    <p:sldId id="298" r:id="rId13"/>
+    <p:sldId id="298" r:id="rId12"/>
+    <p:sldId id="302" r:id="rId13"/>
     <p:sldId id="312" r:id="rId14"/>
     <p:sldId id="313" r:id="rId15"/>
     <p:sldId id="306" r:id="rId16"/>
@@ -2897,7 +2897,7 @@
               <a:pPr>
                 <a:defRPr/>
               </a:pPr>
-              <a:t>5/16/2012</a:t>
+              <a:t>5/23/2012</a:t>
             </a:fld>
             <a:endParaRPr lang="en-US" dirty="0"/>
           </a:p>
@@ -7997,6 +7997,261 @@
             <a:pPr algn="l"/>
             <a:r>
               <a:rPr lang="en-US" dirty="0" smtClean="0"/>
+              <a:t>Capstone project’s aim</a:t>
+            </a:r>
+            <a:endParaRPr lang="en-US" dirty="0"/>
+          </a:p>
+        </p:txBody>
+      </p:sp>
+      <p:sp>
+        <p:nvSpPr>
+          <p:cNvPr id="3" name="Content Placeholder 2"/>
+          <p:cNvSpPr>
+            <a:spLocks noGrp="1"/>
+          </p:cNvSpPr>
+          <p:nvPr>
+            <p:ph idx="1"/>
+          </p:nvPr>
+        </p:nvSpPr>
+        <p:spPr/>
+        <p:txBody>
+          <a:bodyPr/>
+          <a:lstStyle/>
+          <a:p>
+            <a:pPr eaLnBrk="1" hangingPunct="1"/>
+            <a:r>
+              <a:rPr lang="en-US" b="1" dirty="0" smtClean="0"/>
+              <a:t>The aims of this </a:t>
+            </a:r>
+            <a:r>
+              <a:rPr lang="en-US" b="1" dirty="0" smtClean="0">
+                <a:solidFill>
+                  <a:srgbClr val="C00000"/>
+                </a:solidFill>
+              </a:rPr>
+              <a:t>Capstone project </a:t>
+            </a:r>
+            <a:r>
+              <a:rPr lang="en-US" b="1" dirty="0" smtClean="0"/>
+              <a:t>are:</a:t>
+            </a:r>
+          </a:p>
+          <a:p>
+            <a:pPr lvl="1" eaLnBrk="1" hangingPunct="1"/>
+            <a:r>
+              <a:rPr lang="en-US" dirty="0" smtClean="0"/>
+              <a:t>Make a simple </a:t>
+            </a:r>
+            <a:r>
+              <a:rPr lang="en-US" dirty="0" err="1" smtClean="0"/>
+              <a:t>Quadrocopter</a:t>
+            </a:r>
+            <a:r>
+              <a:rPr lang="en-US" dirty="0" smtClean="0"/>
+              <a:t>. </a:t>
+            </a:r>
+          </a:p>
+          <a:p>
+            <a:pPr lvl="1" eaLnBrk="1" hangingPunct="1"/>
+            <a:r>
+              <a:rPr lang="en-US" dirty="0" smtClean="0"/>
+              <a:t>Use Bluetooth &amp; Internet protocol to communicate.</a:t>
+            </a:r>
+          </a:p>
+          <a:p>
+            <a:pPr lvl="1" eaLnBrk="1" hangingPunct="1"/>
+            <a:r>
+              <a:rPr lang="en-US" dirty="0" smtClean="0"/>
+              <a:t>Evaluate the application of Android Phone &amp; PC in controlling UAV.</a:t>
+            </a:r>
+          </a:p>
+          <a:p>
+            <a:pPr lvl="1" eaLnBrk="1" hangingPunct="1"/>
+            <a:r>
+              <a:rPr lang="en-US" dirty="0" smtClean="0"/>
+              <a:t>Make two study reports:</a:t>
+            </a:r>
+          </a:p>
+          <a:p>
+            <a:pPr lvl="2" eaLnBrk="1" hangingPunct="1"/>
+            <a:r>
+              <a:rPr lang="en-US" dirty="0" smtClean="0"/>
+              <a:t>Study report on hovering capability of Quadrocopter.</a:t>
+            </a:r>
+          </a:p>
+          <a:p>
+            <a:pPr lvl="2" eaLnBrk="1" hangingPunct="1"/>
+            <a:r>
+              <a:rPr lang="en-US" dirty="0" smtClean="0"/>
+              <a:t>Study report on real-time video transmission. </a:t>
+            </a:r>
+          </a:p>
+          <a:p>
+            <a:pPr lvl="1" eaLnBrk="1" hangingPunct="1"/>
+            <a:endParaRPr lang="en-US" dirty="0" smtClean="0">
+              <a:solidFill>
+                <a:schemeClr val="tx2"/>
+              </a:solidFill>
+            </a:endParaRPr>
+          </a:p>
+          <a:p>
+            <a:endParaRPr lang="en-US" dirty="0"/>
+          </a:p>
+        </p:txBody>
+      </p:sp>
+      <p:sp>
+        <p:nvSpPr>
+          <p:cNvPr id="4" name="Slide Number Placeholder 3"/>
+          <p:cNvSpPr>
+            <a:spLocks noGrp="1"/>
+          </p:cNvSpPr>
+          <p:nvPr>
+            <p:ph type="sldNum" sz="quarter" idx="12"/>
+          </p:nvPr>
+        </p:nvSpPr>
+        <p:spPr/>
+        <p:txBody>
+          <a:bodyPr/>
+          <a:lstStyle/>
+          <a:p>
+            <a:pPr>
+              <a:defRPr/>
+            </a:pPr>
+            <a:fld id="{20C98071-8A9B-444A-806A-782BE84EBE4B}" type="slidenum">
+              <a:rPr lang="en-US" smtClean="0"/>
+              <a:pPr>
+                <a:defRPr/>
+              </a:pPr>
+              <a:t>11</a:t>
+            </a:fld>
+            <a:endParaRPr lang="en-US" dirty="0"/>
+          </a:p>
+        </p:txBody>
+      </p:sp>
+      <p:sp>
+        <p:nvSpPr>
+          <p:cNvPr id="5" name="Rounded Rectangle 4"/>
+          <p:cNvSpPr/>
+          <p:nvPr/>
+        </p:nvSpPr>
+        <p:spPr>
+          <a:xfrm>
+            <a:off x="304800" y="152400"/>
+            <a:ext cx="2667000" cy="838200"/>
+          </a:xfrm>
+          <a:prstGeom prst="roundRect">
+            <a:avLst/>
+          </a:prstGeom>
+          <a:solidFill>
+            <a:srgbClr val="7030A0"/>
+          </a:solidFill>
+        </p:spPr>
+        <p:style>
+          <a:lnRef idx="3">
+            <a:schemeClr val="lt1"/>
+          </a:lnRef>
+          <a:fillRef idx="1">
+            <a:schemeClr val="dk1"/>
+          </a:fillRef>
+          <a:effectRef idx="1">
+            <a:schemeClr val="dk1"/>
+          </a:effectRef>
+          <a:fontRef idx="minor">
+            <a:schemeClr val="lt1"/>
+          </a:fontRef>
+        </p:style>
+        <p:txBody>
+          <a:bodyPr rtlCol="0" anchor="ctr"/>
+          <a:lstStyle/>
+          <a:p>
+            <a:pPr algn="ctr"/>
+            <a:r>
+              <a:rPr lang="en-US" sz="4000" dirty="0" smtClean="0"/>
+              <a:t>Scope</a:t>
+            </a:r>
+            <a:endParaRPr lang="en-US" sz="4000" dirty="0"/>
+          </a:p>
+        </p:txBody>
+      </p:sp>
+      <p:pic>
+        <p:nvPicPr>
+          <p:cNvPr id="6" name="Picture 5" descr="logo_final.png"/>
+          <p:cNvPicPr>
+            <a:picLocks noChangeAspect="1"/>
+          </p:cNvPicPr>
+          <p:nvPr/>
+        </p:nvPicPr>
+        <p:blipFill>
+          <a:blip r:embed="rId2" cstate="print"/>
+          <a:stretch>
+            <a:fillRect/>
+          </a:stretch>
+        </p:blipFill>
+        <p:spPr>
+          <a:xfrm>
+            <a:off x="8001000" y="0"/>
+            <a:ext cx="1219200" cy="1219200"/>
+          </a:xfrm>
+          <a:prstGeom prst="rect">
+            <a:avLst/>
+          </a:prstGeom>
+        </p:spPr>
+      </p:pic>
+    </p:spTree>
+  </p:cSld>
+  <p:clrMapOvr>
+    <a:masterClrMapping/>
+  </p:clrMapOvr>
+  <p:timing>
+    <p:tnLst>
+      <p:par>
+        <p:cTn id="1" dur="indefinite" restart="never" nodeType="tmRoot"/>
+      </p:par>
+    </p:tnLst>
+  </p:timing>
+</p:sld>
+</file>
+
+<file path=ppt/slides/slide12.xml><?xml version="1.0" encoding="utf-8"?>
+<p:sld xmlns:a="http://schemas.openxmlformats.org/drawingml/2006/main" xmlns:r="http://schemas.openxmlformats.org/officeDocument/2006/relationships" xmlns:p="http://schemas.openxmlformats.org/presentationml/2006/main">
+  <p:cSld>
+    <p:spTree>
+      <p:nvGrpSpPr>
+        <p:cNvPr id="1" name=""/>
+        <p:cNvGrpSpPr/>
+        <p:nvPr/>
+      </p:nvGrpSpPr>
+      <p:grpSpPr>
+        <a:xfrm>
+          <a:off x="0" y="0"/>
+          <a:ext cx="0" cy="0"/>
+          <a:chOff x="0" y="0"/>
+          <a:chExt cx="0" cy="0"/>
+        </a:xfrm>
+      </p:grpSpPr>
+      <p:sp>
+        <p:nvSpPr>
+          <p:cNvPr id="2" name="Title 1"/>
+          <p:cNvSpPr>
+            <a:spLocks noGrp="1"/>
+          </p:cNvSpPr>
+          <p:nvPr>
+            <p:ph type="title"/>
+          </p:nvPr>
+        </p:nvSpPr>
+        <p:spPr>
+          <a:xfrm>
+            <a:off x="2971800" y="319088"/>
+            <a:ext cx="4876800" cy="563562"/>
+          </a:xfrm>
+        </p:spPr>
+        <p:txBody>
+          <a:bodyPr/>
+          <a:lstStyle/>
+          <a:p>
+            <a:pPr algn="l"/>
+            <a:r>
+              <a:rPr lang="en-US" dirty="0" smtClean="0"/>
               <a:t>Why Quadrocopter?</a:t>
             </a:r>
             <a:endParaRPr lang="en-US" dirty="0"/>
@@ -8380,7 +8635,7 @@
               <a:pPr>
                 <a:defRPr/>
               </a:pPr>
-              <a:t>11</a:t>
+              <a:t>12</a:t>
             </a:fld>
             <a:endParaRPr lang="en-US" dirty="0"/>
           </a:p>
@@ -8567,9 +8822,33 @@
           </a:p>
         </p:txBody>
       </p:sp>
+      <p:pic>
+        <p:nvPicPr>
+          <p:cNvPr id="8" name="Picture 7" descr="logo_final.png"/>
+          <p:cNvPicPr>
+            <a:picLocks noChangeAspect="1"/>
+          </p:cNvPicPr>
+          <p:nvPr/>
+        </p:nvPicPr>
+        <p:blipFill>
+          <a:blip r:embed="rId2" cstate="print"/>
+          <a:stretch>
+            <a:fillRect/>
+          </a:stretch>
+        </p:blipFill>
+        <p:spPr>
+          <a:xfrm>
+            <a:off x="8001000" y="0"/>
+            <a:ext cx="1219200" cy="1219200"/>
+          </a:xfrm>
+          <a:prstGeom prst="rect">
+            <a:avLst/>
+          </a:prstGeom>
+        </p:spPr>
+      </p:pic>
       <p:sp>
         <p:nvSpPr>
-          <p:cNvPr id="7" name="Rounded Rectangle 6"/>
+          <p:cNvPr id="9" name="Rounded Rectangle 8"/>
           <p:cNvSpPr/>
           <p:nvPr/>
         </p:nvSpPr>
@@ -8606,291 +8885,12 @@
             <a:pPr algn="ctr"/>
             <a:r>
               <a:rPr lang="en-US" sz="4000" dirty="0" smtClean="0"/>
-              <a:t>Overview</a:t>
-            </a:r>
-            <a:endParaRPr lang="en-US" sz="4000" dirty="0"/>
-          </a:p>
-        </p:txBody>
-      </p:sp>
-      <p:pic>
-        <p:nvPicPr>
-          <p:cNvPr id="8" name="Picture 7" descr="logo_final.png"/>
-          <p:cNvPicPr>
-            <a:picLocks noChangeAspect="1"/>
-          </p:cNvPicPr>
-          <p:nvPr/>
-        </p:nvPicPr>
-        <p:blipFill>
-          <a:blip r:embed="rId2" cstate="print"/>
-          <a:stretch>
-            <a:fillRect/>
-          </a:stretch>
-        </p:blipFill>
-        <p:spPr>
-          <a:xfrm>
-            <a:off x="8001000" y="0"/>
-            <a:ext cx="1219200" cy="1219200"/>
-          </a:xfrm>
-          <a:prstGeom prst="rect">
-            <a:avLst/>
-          </a:prstGeom>
-        </p:spPr>
-      </p:pic>
-    </p:spTree>
-  </p:cSld>
-  <p:clrMapOvr>
-    <a:masterClrMapping/>
-  </p:clrMapOvr>
-  <p:timing>
-    <p:tnLst>
-      <p:par>
-        <p:cTn id="1" dur="indefinite" restart="never" nodeType="tmRoot"/>
-      </p:par>
-    </p:tnLst>
-  </p:timing>
-</p:sld>
-</file>
-
-<file path=ppt/slides/slide12.xml><?xml version="1.0" encoding="utf-8"?>
-<p:sld xmlns:a="http://schemas.openxmlformats.org/drawingml/2006/main" xmlns:r="http://schemas.openxmlformats.org/officeDocument/2006/relationships" xmlns:p="http://schemas.openxmlformats.org/presentationml/2006/main">
-  <p:cSld>
-    <p:spTree>
-      <p:nvGrpSpPr>
-        <p:cNvPr id="1" name=""/>
-        <p:cNvGrpSpPr/>
-        <p:nvPr/>
-      </p:nvGrpSpPr>
-      <p:grpSpPr>
-        <a:xfrm>
-          <a:off x="0" y="0"/>
-          <a:ext cx="0" cy="0"/>
-          <a:chOff x="0" y="0"/>
-          <a:chExt cx="0" cy="0"/>
-        </a:xfrm>
-      </p:grpSpPr>
-      <p:sp>
-        <p:nvSpPr>
-          <p:cNvPr id="2" name="Title 1"/>
-          <p:cNvSpPr>
-            <a:spLocks noGrp="1"/>
-          </p:cNvSpPr>
-          <p:nvPr>
-            <p:ph type="title"/>
-          </p:nvPr>
-        </p:nvSpPr>
-        <p:spPr>
-          <a:xfrm>
-            <a:off x="2971800" y="319088"/>
-            <a:ext cx="4876800" cy="563562"/>
-          </a:xfrm>
-        </p:spPr>
-        <p:txBody>
-          <a:bodyPr/>
-          <a:lstStyle/>
-          <a:p>
-            <a:pPr algn="l"/>
-            <a:r>
-              <a:rPr lang="en-US" dirty="0" smtClean="0"/>
-              <a:t>Capstone project’s aim</a:t>
-            </a:r>
-            <a:endParaRPr lang="en-US" dirty="0"/>
-          </a:p>
-        </p:txBody>
-      </p:sp>
-      <p:sp>
-        <p:nvSpPr>
-          <p:cNvPr id="3" name="Content Placeholder 2"/>
-          <p:cNvSpPr>
-            <a:spLocks noGrp="1"/>
-          </p:cNvSpPr>
-          <p:nvPr>
-            <p:ph idx="1"/>
-          </p:nvPr>
-        </p:nvSpPr>
-        <p:spPr/>
-        <p:txBody>
-          <a:bodyPr/>
-          <a:lstStyle/>
-          <a:p>
-            <a:pPr eaLnBrk="1" hangingPunct="1"/>
-            <a:r>
-              <a:rPr lang="en-US" b="1" dirty="0" smtClean="0"/>
-              <a:t>The aims of this </a:t>
-            </a:r>
-            <a:r>
-              <a:rPr lang="en-US" b="1" dirty="0" smtClean="0">
-                <a:solidFill>
-                  <a:srgbClr val="C00000"/>
-                </a:solidFill>
-              </a:rPr>
-              <a:t>Capstone project </a:t>
-            </a:r>
-            <a:r>
-              <a:rPr lang="en-US" b="1" dirty="0" smtClean="0"/>
-              <a:t>are:</a:t>
-            </a:r>
-          </a:p>
-          <a:p>
-            <a:pPr lvl="1" eaLnBrk="1" hangingPunct="1"/>
-            <a:r>
-              <a:rPr lang="en-US" dirty="0" smtClean="0"/>
-              <a:t>Make a simple </a:t>
-            </a:r>
-            <a:r>
-              <a:rPr lang="en-US" dirty="0" err="1" smtClean="0"/>
-              <a:t>Quadrocopter</a:t>
-            </a:r>
-            <a:r>
-              <a:rPr lang="en-US" dirty="0" smtClean="0"/>
-              <a:t>. </a:t>
-            </a:r>
-          </a:p>
-          <a:p>
-            <a:pPr lvl="1" eaLnBrk="1" hangingPunct="1"/>
-            <a:r>
-              <a:rPr lang="en-US" dirty="0" smtClean="0"/>
-              <a:t>Use Bluetooth &amp; Internet protocol to communicate.</a:t>
-            </a:r>
-          </a:p>
-          <a:p>
-            <a:pPr lvl="1" eaLnBrk="1" hangingPunct="1"/>
-            <a:r>
-              <a:rPr lang="en-US" dirty="0" smtClean="0"/>
-              <a:t>Evaluate the application of Android Phone &amp; PC in controlling UAV.</a:t>
-            </a:r>
-          </a:p>
-          <a:p>
-            <a:pPr lvl="1" eaLnBrk="1" hangingPunct="1"/>
-            <a:r>
-              <a:rPr lang="en-US" dirty="0" smtClean="0"/>
-              <a:t>Make two study reports:</a:t>
-            </a:r>
-          </a:p>
-          <a:p>
-            <a:pPr lvl="2" eaLnBrk="1" hangingPunct="1"/>
-            <a:r>
-              <a:rPr lang="en-US" dirty="0" smtClean="0"/>
-              <a:t>Study report on hovering capability of Quadrocopter.</a:t>
-            </a:r>
-          </a:p>
-          <a:p>
-            <a:pPr lvl="2" eaLnBrk="1" hangingPunct="1"/>
-            <a:r>
-              <a:rPr lang="en-US" dirty="0" smtClean="0"/>
-              <a:t>Study report on real-time video transmission. </a:t>
-            </a:r>
-          </a:p>
-          <a:p>
-            <a:pPr lvl="1" eaLnBrk="1" hangingPunct="1"/>
-            <a:endParaRPr lang="en-US" dirty="0" smtClean="0">
-              <a:solidFill>
-                <a:schemeClr val="tx2"/>
-              </a:solidFill>
-            </a:endParaRPr>
-          </a:p>
-          <a:p>
-            <a:endParaRPr lang="en-US" dirty="0"/>
-          </a:p>
-        </p:txBody>
-      </p:sp>
-      <p:sp>
-        <p:nvSpPr>
-          <p:cNvPr id="4" name="Slide Number Placeholder 3"/>
-          <p:cNvSpPr>
-            <a:spLocks noGrp="1"/>
-          </p:cNvSpPr>
-          <p:nvPr>
-            <p:ph type="sldNum" sz="quarter" idx="12"/>
-          </p:nvPr>
-        </p:nvSpPr>
-        <p:spPr/>
-        <p:txBody>
-          <a:bodyPr/>
-          <a:lstStyle/>
-          <a:p>
-            <a:pPr>
-              <a:defRPr/>
-            </a:pPr>
-            <a:fld id="{20C98071-8A9B-444A-806A-782BE84EBE4B}" type="slidenum">
-              <a:rPr lang="en-US" smtClean="0"/>
-              <a:pPr>
-                <a:defRPr/>
-              </a:pPr>
-              <a:t>12</a:t>
-            </a:fld>
-            <a:endParaRPr lang="en-US" dirty="0"/>
-          </a:p>
-        </p:txBody>
-      </p:sp>
-      <p:sp>
-        <p:nvSpPr>
-          <p:cNvPr id="5" name="Rounded Rectangle 4"/>
-          <p:cNvSpPr/>
-          <p:nvPr/>
-        </p:nvSpPr>
-        <p:spPr>
-          <a:xfrm>
-            <a:off x="304800" y="152400"/>
-            <a:ext cx="2667000" cy="838200"/>
-          </a:xfrm>
-          <a:prstGeom prst="roundRect">
-            <a:avLst/>
-          </a:prstGeom>
-          <a:solidFill>
-            <a:srgbClr val="7030A0"/>
-          </a:solidFill>
-        </p:spPr>
-        <p:style>
-          <a:lnRef idx="3">
-            <a:schemeClr val="lt1"/>
-          </a:lnRef>
-          <a:fillRef idx="1">
-            <a:schemeClr val="dk1"/>
-          </a:fillRef>
-          <a:effectRef idx="1">
-            <a:schemeClr val="dk1"/>
-          </a:effectRef>
-          <a:fontRef idx="minor">
-            <a:schemeClr val="lt1"/>
-          </a:fontRef>
-        </p:style>
-        <p:txBody>
-          <a:bodyPr rtlCol="0" anchor="ctr"/>
-          <a:lstStyle/>
-          <a:p>
-            <a:pPr algn="ctr"/>
-            <a:r>
-              <a:rPr lang="en-US" sz="4000" dirty="0" smtClean="0"/>
               <a:t>Scope</a:t>
             </a:r>
             <a:endParaRPr lang="en-US" sz="4000" dirty="0"/>
           </a:p>
         </p:txBody>
       </p:sp>
-      <p:pic>
-        <p:nvPicPr>
-          <p:cNvPr id="6" name="Picture 5" descr="logo_final.png"/>
-          <p:cNvPicPr>
-            <a:picLocks noChangeAspect="1"/>
-          </p:cNvPicPr>
-          <p:nvPr/>
-        </p:nvPicPr>
-        <p:blipFill>
-          <a:blip r:embed="rId2" cstate="print"/>
-          <a:stretch>
-            <a:fillRect/>
-          </a:stretch>
-        </p:blipFill>
-        <p:spPr>
-          <a:xfrm>
-            <a:off x="8001000" y="0"/>
-            <a:ext cx="1219200" cy="1219200"/>
-          </a:xfrm>
-          <a:prstGeom prst="rect">
-            <a:avLst/>
-          </a:prstGeom>
-        </p:spPr>
-      </p:pic>
     </p:spTree>
   </p:cSld>
   <p:clrMapOvr>
